--- a/module-2/ppt/2.2-Measurement.pptx
+++ b/module-2/ppt/2.2-Measurement.pptx
@@ -6,7 +6,7 @@
     <p:sldMasterId id="2147483674" r:id="rId2"/>
   </p:sldMasterIdLst>
   <p:notesMasterIdLst>
-    <p:notesMasterId r:id="rId24"/>
+    <p:notesMasterId r:id="rId22"/>
   </p:notesMasterIdLst>
   <p:sldIdLst>
     <p:sldId id="2602" r:id="rId3"/>
@@ -18,18 +18,16 @@
     <p:sldId id="347" r:id="rId9"/>
     <p:sldId id="376" r:id="rId10"/>
     <p:sldId id="348" r:id="rId11"/>
-    <p:sldId id="349" r:id="rId12"/>
-    <p:sldId id="350" r:id="rId13"/>
-    <p:sldId id="296" r:id="rId14"/>
+    <p:sldId id="350" r:id="rId12"/>
+    <p:sldId id="296" r:id="rId13"/>
+    <p:sldId id="297" r:id="rId14"/>
     <p:sldId id="314" r:id="rId15"/>
     <p:sldId id="315" r:id="rId16"/>
     <p:sldId id="316" r:id="rId17"/>
     <p:sldId id="317" r:id="rId18"/>
     <p:sldId id="318" r:id="rId19"/>
-    <p:sldId id="319" r:id="rId20"/>
-    <p:sldId id="297" r:id="rId21"/>
-    <p:sldId id="2606" r:id="rId22"/>
-    <p:sldId id="2596" r:id="rId23"/>
+    <p:sldId id="2606" r:id="rId20"/>
+    <p:sldId id="2596" r:id="rId21"/>
   </p:sldIdLst>
   <p:sldSz cx="12192000" cy="6858000"/>
   <p:notesSz cx="6858000" cy="9144000"/>
@@ -224,7 +222,7 @@
           <a:p>
             <a:fld id="{A2472FB4-D3E2-AE43-B634-FEEAFFC420FD}" type="datetimeFigureOut">
               <a:rPr lang="en-US" smtClean="0"/>
-              <a:t>10/19/20</a:t>
+              <a:t>11/16/20</a:t>
             </a:fld>
             <a:endParaRPr lang="en-US"/>
           </a:p>
@@ -523,14 +521,14 @@
           <a:ln/>
           <a:extLst>
             <a:ext uri="{909E8E84-426E-40dd-AFC4-6F175D3DCCD1}">
-              <a14:hiddenFill xmlns="" xmlns:a14="http://schemas.microsoft.com/office/drawing/2010/main">
+              <a14:hiddenFill xmlns:a14="http://schemas.microsoft.com/office/drawing/2010/main" xmlns="">
                 <a:solidFill>
                   <a:srgbClr val="FFFFFF"/>
                 </a:solidFill>
               </a14:hiddenFill>
             </a:ext>
             <a:ext uri="{91240B29-F687-4f45-9708-019B960494DF}">
-              <a14:hiddenLine xmlns="" xmlns:a14="http://schemas.microsoft.com/office/drawing/2010/main" w="9525">
+              <a14:hiddenLine xmlns:a14="http://schemas.microsoft.com/office/drawing/2010/main" xmlns="" w="9525">
                 <a:solidFill>
                   <a:srgbClr val="000000"/>
                 </a:solidFill>
@@ -707,14 +705,14 @@
           <a:ln/>
           <a:extLst>
             <a:ext uri="{909E8E84-426E-40dd-AFC4-6F175D3DCCD1}">
-              <a14:hiddenFill xmlns="" xmlns:a14="http://schemas.microsoft.com/office/drawing/2010/main">
+              <a14:hiddenFill xmlns:a14="http://schemas.microsoft.com/office/drawing/2010/main" xmlns="">
                 <a:solidFill>
                   <a:srgbClr val="FFFFFF"/>
                 </a:solidFill>
               </a14:hiddenFill>
             </a:ext>
             <a:ext uri="{91240B29-F687-4f45-9708-019B960494DF}">
-              <a14:hiddenLine xmlns="" xmlns:a14="http://schemas.microsoft.com/office/drawing/2010/main" w="9525">
+              <a14:hiddenLine xmlns:a14="http://schemas.microsoft.com/office/drawing/2010/main" xmlns="" w="9525">
                 <a:solidFill>
                   <a:srgbClr val="000000"/>
                 </a:solidFill>
@@ -724,7 +722,7 @@
               </a14:hiddenLine>
             </a:ext>
             <a:ext uri="{FAA26D3D-D897-4be2-8F04-BA451C77F1D7}">
-              <ma14:placeholderFlag xmlns="" xmlns:ma14="http://schemas.microsoft.com/office/mac/drawingml/2011/main" val="1"/>
+              <ma14:placeholderFlag xmlns:ma14="http://schemas.microsoft.com/office/mac/drawingml/2011/main" xmlns="" val="1"/>
             </a:ext>
           </a:extLst>
         </p:spPr>
@@ -814,7 +812,7 @@
           <a:ln/>
           <a:extLst>
             <a:ext uri="{FAA26D3D-D897-4be2-8F04-BA451C77F1D7}">
-              <ma14:placeholderFlag xmlns="" xmlns:ma14="http://schemas.microsoft.com/office/mac/drawingml/2011/main" val="1"/>
+              <ma14:placeholderFlag xmlns:ma14="http://schemas.microsoft.com/office/mac/drawingml/2011/main" xmlns="" val="1"/>
             </a:ext>
           </a:extLst>
         </p:spPr>
@@ -842,202 +840,6 @@
     <p:extLst>
       <p:ext uri="{BB962C8B-B14F-4D97-AF65-F5344CB8AC3E}">
         <p14:creationId xmlns:p14="http://schemas.microsoft.com/office/powerpoint/2010/main" val="4242050572"/>
-      </p:ext>
-    </p:extLst>
-  </p:cSld>
-  <p:clrMapOvr>
-    <a:masterClrMapping/>
-  </p:clrMapOvr>
-</p:notes>
-</file>
-
-<file path=ppt/notesSlides/notesSlide11.xml><?xml version="1.0" encoding="utf-8"?>
-<p:notes xmlns:a="http://schemas.openxmlformats.org/drawingml/2006/main" xmlns:r="http://schemas.openxmlformats.org/officeDocument/2006/relationships" xmlns:p="http://schemas.openxmlformats.org/presentationml/2006/main">
-  <p:cSld>
-    <p:spTree>
-      <p:nvGrpSpPr>
-        <p:cNvPr id="1" name=""/>
-        <p:cNvGrpSpPr/>
-        <p:nvPr/>
-      </p:nvGrpSpPr>
-      <p:grpSpPr>
-        <a:xfrm>
-          <a:off x="0" y="0"/>
-          <a:ext cx="0" cy="0"/>
-          <a:chOff x="0" y="0"/>
-          <a:chExt cx="0" cy="0"/>
-        </a:xfrm>
-      </p:grpSpPr>
-      <p:sp>
-        <p:nvSpPr>
-          <p:cNvPr id="7" name="Rectangle 7"/>
-          <p:cNvSpPr>
-            <a:spLocks noGrp="1" noChangeArrowheads="1"/>
-          </p:cNvSpPr>
-          <p:nvPr>
-            <p:ph type="sldNum" sz="quarter" idx="5"/>
-          </p:nvPr>
-        </p:nvSpPr>
-        <p:spPr>
-          <a:ln/>
-        </p:spPr>
-        <p:txBody>
-          <a:bodyPr/>
-          <a:lstStyle/>
-          <a:p>
-            <a:fld id="{CDC541CD-7A20-084D-B896-641E7F0390FE}" type="slidenum">
-              <a:rPr lang="en-US"/>
-              <a:pPr/>
-              <a:t>18</a:t>
-            </a:fld>
-            <a:endParaRPr lang="en-US"/>
-          </a:p>
-        </p:txBody>
-      </p:sp>
-      <p:sp>
-        <p:nvSpPr>
-          <p:cNvPr id="15362" name="Rectangle 2"/>
-          <p:cNvSpPr>
-            <a:spLocks noGrp="1" noRot="1" noChangeAspect="1" noChangeArrowheads="1" noTextEdit="1"/>
-          </p:cNvSpPr>
-          <p:nvPr>
-            <p:ph type="sldImg"/>
-          </p:nvPr>
-        </p:nvSpPr>
-        <p:spPr>
-          <a:xfrm>
-            <a:off x="381000" y="685800"/>
-            <a:ext cx="6096000" cy="3429000"/>
-          </a:xfrm>
-          <a:ln/>
-          <a:extLst>
-            <a:ext uri="{FAA26D3D-D897-4be2-8F04-BA451C77F1D7}">
-              <ma14:placeholderFlag xmlns="" xmlns:ma14="http://schemas.microsoft.com/office/mac/drawingml/2011/main" val="1"/>
-            </a:ext>
-          </a:extLst>
-        </p:spPr>
-      </p:sp>
-      <p:sp>
-        <p:nvSpPr>
-          <p:cNvPr id="15363" name="Rectangle 3"/>
-          <p:cNvSpPr>
-            <a:spLocks noGrp="1" noChangeArrowheads="1"/>
-          </p:cNvSpPr>
-          <p:nvPr>
-            <p:ph type="body" idx="1"/>
-          </p:nvPr>
-        </p:nvSpPr>
-        <p:spPr/>
-        <p:txBody>
-          <a:bodyPr/>
-          <a:lstStyle/>
-          <a:p>
-            <a:endParaRPr lang="en-US"/>
-          </a:p>
-        </p:txBody>
-      </p:sp>
-    </p:spTree>
-    <p:extLst>
-      <p:ext uri="{BB962C8B-B14F-4D97-AF65-F5344CB8AC3E}">
-        <p14:creationId xmlns:p14="http://schemas.microsoft.com/office/powerpoint/2010/main" val="316517342"/>
-      </p:ext>
-    </p:extLst>
-  </p:cSld>
-  <p:clrMapOvr>
-    <a:masterClrMapping/>
-  </p:clrMapOvr>
-</p:notes>
-</file>
-
-<file path=ppt/notesSlides/notesSlide12.xml><?xml version="1.0" encoding="utf-8"?>
-<p:notes xmlns:a="http://schemas.openxmlformats.org/drawingml/2006/main" xmlns:r="http://schemas.openxmlformats.org/officeDocument/2006/relationships" xmlns:p="http://schemas.openxmlformats.org/presentationml/2006/main">
-  <p:cSld>
-    <p:spTree>
-      <p:nvGrpSpPr>
-        <p:cNvPr id="1" name=""/>
-        <p:cNvGrpSpPr/>
-        <p:nvPr/>
-      </p:nvGrpSpPr>
-      <p:grpSpPr>
-        <a:xfrm>
-          <a:off x="0" y="0"/>
-          <a:ext cx="0" cy="0"/>
-          <a:chOff x="0" y="0"/>
-          <a:chExt cx="0" cy="0"/>
-        </a:xfrm>
-      </p:grpSpPr>
-      <p:sp>
-        <p:nvSpPr>
-          <p:cNvPr id="7" name="Rectangle 7"/>
-          <p:cNvSpPr>
-            <a:spLocks noGrp="1" noChangeArrowheads="1"/>
-          </p:cNvSpPr>
-          <p:nvPr>
-            <p:ph type="sldNum" sz="quarter" idx="5"/>
-          </p:nvPr>
-        </p:nvSpPr>
-        <p:spPr>
-          <a:ln/>
-        </p:spPr>
-        <p:txBody>
-          <a:bodyPr/>
-          <a:lstStyle/>
-          <a:p>
-            <a:fld id="{91A27362-2B1F-2B4D-AED7-F37E8FDEDD83}" type="slidenum">
-              <a:rPr lang="en-US"/>
-              <a:pPr/>
-              <a:t>19</a:t>
-            </a:fld>
-            <a:endParaRPr lang="en-US"/>
-          </a:p>
-        </p:txBody>
-      </p:sp>
-      <p:sp>
-        <p:nvSpPr>
-          <p:cNvPr id="9218" name="Rectangle 2"/>
-          <p:cNvSpPr>
-            <a:spLocks noGrp="1" noRot="1" noChangeAspect="1" noChangeArrowheads="1" noTextEdit="1"/>
-          </p:cNvSpPr>
-          <p:nvPr>
-            <p:ph type="sldImg"/>
-          </p:nvPr>
-        </p:nvSpPr>
-        <p:spPr>
-          <a:xfrm>
-            <a:off x="381000" y="685800"/>
-            <a:ext cx="6096000" cy="3429000"/>
-          </a:xfrm>
-          <a:ln/>
-          <a:extLst>
-            <a:ext uri="{FAA26D3D-D897-4be2-8F04-BA451C77F1D7}">
-              <ma14:placeholderFlag xmlns="" xmlns:ma14="http://schemas.microsoft.com/office/mac/drawingml/2011/main" val="1"/>
-            </a:ext>
-          </a:extLst>
-        </p:spPr>
-      </p:sp>
-      <p:sp>
-        <p:nvSpPr>
-          <p:cNvPr id="9219" name="Rectangle 3"/>
-          <p:cNvSpPr>
-            <a:spLocks noGrp="1" noChangeArrowheads="1"/>
-          </p:cNvSpPr>
-          <p:nvPr>
-            <p:ph type="body" idx="1"/>
-          </p:nvPr>
-        </p:nvSpPr>
-        <p:spPr/>
-        <p:txBody>
-          <a:bodyPr/>
-          <a:lstStyle/>
-          <a:p>
-            <a:endParaRPr lang="en-US"/>
-          </a:p>
-        </p:txBody>
-      </p:sp>
-    </p:spTree>
-    <p:extLst>
-      <p:ext uri="{BB962C8B-B14F-4D97-AF65-F5344CB8AC3E}">
-        <p14:creationId xmlns:p14="http://schemas.microsoft.com/office/powerpoint/2010/main" val="777272859"/>
       </p:ext>
     </p:extLst>
   </p:cSld>
@@ -1111,7 +913,7 @@
           <a:ln/>
           <a:extLst>
             <a:ext uri="{FAA26D3D-D897-4be2-8F04-BA451C77F1D7}">
-              <ma14:placeholderFlag xmlns="" xmlns:ma14="http://schemas.microsoft.com/office/mac/drawingml/2011/main" val="1"/>
+              <ma14:placeholderFlag xmlns:ma14="http://schemas.microsoft.com/office/mac/drawingml/2011/main" xmlns="" val="1"/>
             </a:ext>
           </a:extLst>
         </p:spPr>
@@ -1188,7 +990,7 @@
             <a:pPr>
               <a:defRPr/>
             </a:pPr>
-            <a:fld id="{B06065AD-F425-D747-8688-2C5BAF6C1908}" type="slidenum">
+            <a:fld id="{5251210D-0344-C143-A83F-1D6801CA9417}" type="slidenum">
               <a:rPr lang="en-US"/>
               <a:pPr>
                 <a:defRPr/>
@@ -1201,7 +1003,7 @@
       </p:sp>
       <p:sp>
         <p:nvSpPr>
-          <p:cNvPr id="7170" name="Rectangle 2"/>
+          <p:cNvPr id="9218" name="Rectangle 2"/>
           <p:cNvSpPr>
             <a:spLocks noGrp="1" noRot="1" noChangeAspect="1" noChangeArrowheads="1" noTextEdit="1"/>
           </p:cNvSpPr>
@@ -1217,14 +1019,14 @@
           <a:ln/>
           <a:extLst>
             <a:ext uri="{FAA26D3D-D897-4be2-8F04-BA451C77F1D7}">
-              <ma14:placeholderFlag xmlns="" xmlns:ma14="http://schemas.microsoft.com/office/mac/drawingml/2011/main" val="1"/>
+              <ma14:placeholderFlag xmlns:ma14="http://schemas.microsoft.com/office/mac/drawingml/2011/main" xmlns="" val="1"/>
             </a:ext>
           </a:extLst>
         </p:spPr>
       </p:sp>
       <p:sp>
         <p:nvSpPr>
-          <p:cNvPr id="7171" name="Rectangle 3"/>
+          <p:cNvPr id="9219" name="Rectangle 3"/>
           <p:cNvSpPr>
             <a:spLocks noGrp="1" noChangeArrowheads="1"/>
           </p:cNvSpPr>
@@ -1249,7 +1051,7 @@
     </p:spTree>
     <p:extLst>
       <p:ext uri="{BB962C8B-B14F-4D97-AF65-F5344CB8AC3E}">
-        <p14:creationId xmlns:p14="http://schemas.microsoft.com/office/powerpoint/2010/main" val="1265992786"/>
+        <p14:creationId xmlns:p14="http://schemas.microsoft.com/office/powerpoint/2010/main" val="2815354582"/>
       </p:ext>
     </p:extLst>
   </p:cSld>
@@ -1286,19 +1088,16 @@
             <p:ph type="sldNum" sz="quarter" idx="5"/>
           </p:nvPr>
         </p:nvSpPr>
-        <p:spPr/>
+        <p:spPr>
+          <a:ln/>
+        </p:spPr>
         <p:txBody>
           <a:bodyPr/>
           <a:lstStyle/>
           <a:p>
-            <a:pPr>
-              <a:defRPr/>
-            </a:pPr>
-            <a:fld id="{5251210D-0344-C143-A83F-1D6801CA9417}" type="slidenum">
+            <a:fld id="{054BF01D-7D21-E044-9B43-033DDBD8D98C}" type="slidenum">
               <a:rPr lang="en-US"/>
-              <a:pPr>
-                <a:defRPr/>
-              </a:pPr>
+              <a:pPr/>
               <a:t>11</a:t>
             </a:fld>
             <a:endParaRPr lang="en-US"/>
@@ -1307,7 +1106,7 @@
       </p:sp>
       <p:sp>
         <p:nvSpPr>
-          <p:cNvPr id="9218" name="Rectangle 2"/>
+          <p:cNvPr id="7170" name="Rectangle 2"/>
           <p:cNvSpPr>
             <a:spLocks noGrp="1" noRot="1" noChangeAspect="1" noChangeArrowheads="1" noTextEdit="1"/>
           </p:cNvSpPr>
@@ -1323,14 +1122,14 @@
           <a:ln/>
           <a:extLst>
             <a:ext uri="{FAA26D3D-D897-4be2-8F04-BA451C77F1D7}">
-              <ma14:placeholderFlag xmlns="" xmlns:ma14="http://schemas.microsoft.com/office/mac/drawingml/2011/main" val="1"/>
+              <ma14:placeholderFlag xmlns:ma14="http://schemas.microsoft.com/office/mac/drawingml/2011/main" xmlns="" val="1"/>
             </a:ext>
           </a:extLst>
         </p:spPr>
       </p:sp>
       <p:sp>
         <p:nvSpPr>
-          <p:cNvPr id="9219" name="Rectangle 3"/>
+          <p:cNvPr id="7171" name="Rectangle 3"/>
           <p:cNvSpPr>
             <a:spLocks noGrp="1" noChangeArrowheads="1"/>
           </p:cNvSpPr>
@@ -1343,19 +1142,14 @@
           <a:bodyPr/>
           <a:lstStyle/>
           <a:p>
-            <a:pPr eaLnBrk="1" hangingPunct="1">
-              <a:defRPr/>
-            </a:pPr>
-            <a:endParaRPr lang="en-US">
-              <a:cs typeface="+mn-cs"/>
-            </a:endParaRPr>
+            <a:endParaRPr lang="en-US"/>
           </a:p>
         </p:txBody>
       </p:sp>
     </p:spTree>
     <p:extLst>
       <p:ext uri="{BB962C8B-B14F-4D97-AF65-F5344CB8AC3E}">
-        <p14:creationId xmlns:p14="http://schemas.microsoft.com/office/powerpoint/2010/main" val="2815354582"/>
+        <p14:creationId xmlns:p14="http://schemas.microsoft.com/office/powerpoint/2010/main" val="4202198218"/>
       </p:ext>
     </p:extLst>
   </p:cSld>
@@ -1399,7 +1193,7 @@
           <a:bodyPr/>
           <a:lstStyle/>
           <a:p>
-            <a:fld id="{054BF01D-7D21-E044-9B43-033DDBD8D98C}" type="slidenum">
+            <a:fld id="{91A27362-2B1F-2B4D-AED7-F37E8FDEDD83}" type="slidenum">
               <a:rPr lang="en-US"/>
               <a:pPr/>
               <a:t>12</a:t>
@@ -1410,7 +1204,7 @@
       </p:sp>
       <p:sp>
         <p:nvSpPr>
-          <p:cNvPr id="7170" name="Rectangle 2"/>
+          <p:cNvPr id="9218" name="Rectangle 2"/>
           <p:cNvSpPr>
             <a:spLocks noGrp="1" noRot="1" noChangeAspect="1" noChangeArrowheads="1" noTextEdit="1"/>
           </p:cNvSpPr>
@@ -1426,14 +1220,14 @@
           <a:ln/>
           <a:extLst>
             <a:ext uri="{FAA26D3D-D897-4be2-8F04-BA451C77F1D7}">
-              <ma14:placeholderFlag xmlns="" xmlns:ma14="http://schemas.microsoft.com/office/mac/drawingml/2011/main" val="1"/>
+              <ma14:placeholderFlag xmlns:ma14="http://schemas.microsoft.com/office/mac/drawingml/2011/main" xmlns="" val="1"/>
             </a:ext>
           </a:extLst>
         </p:spPr>
       </p:sp>
       <p:sp>
         <p:nvSpPr>
-          <p:cNvPr id="7171" name="Rectangle 3"/>
+          <p:cNvPr id="9219" name="Rectangle 3"/>
           <p:cNvSpPr>
             <a:spLocks noGrp="1" noChangeArrowheads="1"/>
           </p:cNvSpPr>
@@ -1453,7 +1247,7 @@
     </p:spTree>
     <p:extLst>
       <p:ext uri="{BB962C8B-B14F-4D97-AF65-F5344CB8AC3E}">
-        <p14:creationId xmlns:p14="http://schemas.microsoft.com/office/powerpoint/2010/main" val="4202198218"/>
+        <p14:creationId xmlns:p14="http://schemas.microsoft.com/office/powerpoint/2010/main" val="2626336594"/>
       </p:ext>
     </p:extLst>
   </p:cSld>
@@ -1524,7 +1318,7 @@
           <a:ln/>
           <a:extLst>
             <a:ext uri="{FAA26D3D-D897-4be2-8F04-BA451C77F1D7}">
-              <ma14:placeholderFlag xmlns="" xmlns:ma14="http://schemas.microsoft.com/office/mac/drawingml/2011/main" val="1"/>
+              <ma14:placeholderFlag xmlns:ma14="http://schemas.microsoft.com/office/mac/drawingml/2011/main" xmlns="" val="1"/>
             </a:ext>
           </a:extLst>
         </p:spPr>
@@ -1622,7 +1416,7 @@
           <a:ln/>
           <a:extLst>
             <a:ext uri="{FAA26D3D-D897-4be2-8F04-BA451C77F1D7}">
-              <ma14:placeholderFlag xmlns="" xmlns:ma14="http://schemas.microsoft.com/office/mac/drawingml/2011/main" val="1"/>
+              <ma14:placeholderFlag xmlns:ma14="http://schemas.microsoft.com/office/mac/drawingml/2011/main" xmlns="" val="1"/>
             </a:ext>
           </a:extLst>
         </p:spPr>
@@ -1720,7 +1514,7 @@
           <a:ln/>
           <a:extLst>
             <a:ext uri="{FAA26D3D-D897-4be2-8F04-BA451C77F1D7}">
-              <ma14:placeholderFlag xmlns="" xmlns:ma14="http://schemas.microsoft.com/office/mac/drawingml/2011/main" val="1"/>
+              <ma14:placeholderFlag xmlns:ma14="http://schemas.microsoft.com/office/mac/drawingml/2011/main" xmlns="" val="1"/>
             </a:ext>
           </a:extLst>
         </p:spPr>
@@ -1818,7 +1612,7 @@
           <a:ln/>
           <a:extLst>
             <a:ext uri="{FAA26D3D-D897-4be2-8F04-BA451C77F1D7}">
-              <ma14:placeholderFlag xmlns="" xmlns:ma14="http://schemas.microsoft.com/office/mac/drawingml/2011/main" val="1"/>
+              <ma14:placeholderFlag xmlns:ma14="http://schemas.microsoft.com/office/mac/drawingml/2011/main" xmlns="" val="1"/>
             </a:ext>
           </a:extLst>
         </p:spPr>
@@ -2562,7 +2356,7 @@
           <a:p>
             <a:fld id="{2AAA8945-93FC-CD4D-85EF-05021FBA20E6}" type="datetimeFigureOut">
               <a:rPr lang="en-US" smtClean="0"/>
-              <a:t>10/19/20</a:t>
+              <a:t>11/16/20</a:t>
             </a:fld>
             <a:endParaRPr lang="en-US"/>
           </a:p>
@@ -2675,7 +2469,7 @@
           <a:p>
             <a:fld id="{2AAA8945-93FC-CD4D-85EF-05021FBA20E6}" type="datetimeFigureOut">
               <a:rPr lang="en-US" smtClean="0"/>
-              <a:t>10/19/20</a:t>
+              <a:t>11/16/20</a:t>
             </a:fld>
             <a:endParaRPr lang="en-US"/>
           </a:p>
@@ -4972,7 +4766,7 @@
             <a:pPr>
               <a:defRPr/>
             </a:pPr>
-            <a:fld id="{38B7EEC1-9D65-5747-9CFA-9399DFCFFA6D}" type="slidenum">
+            <a:fld id="{DA495866-BF73-C449-BFDE-1A9F7CF7CF63}" type="slidenum">
               <a:rPr lang="en-US"/>
               <a:pPr>
                 <a:defRPr/>
@@ -4985,7 +4779,7 @@
       </p:sp>
       <p:sp>
         <p:nvSpPr>
-          <p:cNvPr id="4098" name="Rectangle 2"/>
+          <p:cNvPr id="8194" name="Rectangle 2"/>
           <p:cNvSpPr>
             <a:spLocks noGrp="1" noChangeArrowheads="1"/>
           </p:cNvSpPr>
@@ -5005,14 +4799,14 @@
               <a:rPr lang="en-US" dirty="0">
                 <a:cs typeface="+mj-cs"/>
               </a:rPr>
-              <a:t>Ways to Collect Data</a:t>
-            </a:r>
-          </a:p>
-        </p:txBody>
-      </p:sp>
-      <p:sp>
-        <p:nvSpPr>
-          <p:cNvPr id="4099" name="Rectangle 3"/>
+              <a:t>Before Machine Learning: Data Quality!</a:t>
+            </a:r>
+          </a:p>
+        </p:txBody>
+      </p:sp>
+      <p:sp>
+        <p:nvSpPr>
+          <p:cNvPr id="8195" name="Rectangle 3"/>
           <p:cNvSpPr>
             <a:spLocks noGrp="1" noChangeArrowheads="1"/>
           </p:cNvSpPr>
@@ -5022,14 +4816,12 @@
         </p:nvSpPr>
         <p:spPr>
           <a:xfrm>
-            <a:off x="381000" y="1665736"/>
-            <a:ext cx="8229600" cy="4200990"/>
+            <a:off x="1152375" y="1874664"/>
+            <a:ext cx="9645496" cy="3691248"/>
           </a:xfrm>
         </p:spPr>
         <p:txBody>
-          <a:bodyPr>
-            <a:normAutofit/>
-          </a:bodyPr>
+          <a:bodyPr/>
           <a:lstStyle/>
           <a:p>
             <a:pPr eaLnBrk="1" hangingPunct="1">
@@ -5039,10 +4831,8 @@
               <a:defRPr/>
             </a:pPr>
             <a:r>
-              <a:rPr lang="en-US" sz="2000" dirty="0">
-                <a:cs typeface="+mn-cs"/>
-              </a:rPr>
-              <a:t>Aspects of Data Collection</a:t>
+              <a:rPr lang="en-US" dirty="0"/>
+              <a:t>Cross-validation</a:t>
             </a:r>
           </a:p>
           <a:p>
@@ -5053,16 +4843,8 @@
               <a:defRPr/>
             </a:pPr>
             <a:r>
-              <a:rPr lang="en-US" sz="1800" b="1" dirty="0">
-                <a:solidFill>
-                  <a:srgbClr val="FF0000"/>
-                </a:solidFill>
-              </a:rPr>
-              <a:t>Precision:</a:t>
-            </a:r>
-            <a:r>
-              <a:rPr lang="en-US" sz="1800" dirty="0"/>
-              <a:t> At what granularity are measurements taken?</a:t>
+              <a:rPr lang="en-US" dirty="0"/>
+              <a:t>consistency checks</a:t>
             </a:r>
           </a:p>
           <a:p>
@@ -5073,16 +4855,8 @@
               <a:defRPr/>
             </a:pPr>
             <a:r>
-              <a:rPr lang="en-US" sz="1800" b="1" dirty="0">
-                <a:solidFill>
-                  <a:srgbClr val="FF0000"/>
-                </a:solidFill>
-              </a:rPr>
-              <a:t>Accuracy:</a:t>
-            </a:r>
-            <a:r>
-              <a:rPr lang="en-US" sz="1800" dirty="0"/>
-              <a:t> Does the data capture phenomenon of interest?</a:t>
+              <a:rPr lang="en-US" dirty="0"/>
+              <a:t>Multiple independent measurements of the same phenomenon</a:t>
             </a:r>
           </a:p>
           <a:p>
@@ -5093,16 +4867,10 @@
               <a:defRPr/>
             </a:pPr>
             <a:r>
-              <a:rPr lang="en-US" sz="1800" b="1" dirty="0">
-                <a:solidFill>
-                  <a:srgbClr val="FF0000"/>
-                </a:solidFill>
+              <a:rPr lang="en-US" dirty="0">
+                <a:cs typeface="+mn-cs"/>
               </a:rPr>
-              <a:t>Context:</a:t>
-            </a:r>
-            <a:r>
-              <a:rPr lang="en-US" sz="1800" dirty="0"/>
-              <a:t> How was the data collected?</a:t>
+              <a:t>Database queries can be a useful tool</a:t>
             </a:r>
           </a:p>
           <a:p>
@@ -5112,7 +4880,7 @@
               </a:lnSpc>
               <a:defRPr/>
             </a:pPr>
-            <a:endParaRPr lang="en-US" sz="1800" dirty="0"/>
+            <a:endParaRPr lang="en-US" dirty="0"/>
           </a:p>
           <a:p>
             <a:pPr eaLnBrk="1" hangingPunct="1">
@@ -5122,10 +4890,10 @@
               <a:defRPr/>
             </a:pPr>
             <a:r>
-              <a:rPr lang="en-US" sz="2000" dirty="0">
+              <a:rPr lang="en-US" dirty="0">
                 <a:cs typeface="+mn-cs"/>
               </a:rPr>
-              <a:t>Tools</a:t>
+              <a:t>Other considerations</a:t>
             </a:r>
           </a:p>
           <a:p>
@@ -5136,46 +4904,13 @@
               <a:defRPr/>
             </a:pPr>
             <a:r>
-              <a:rPr lang="en-US" sz="1800" dirty="0"/>
-              <a:t>Active</a:t>
-            </a:r>
-          </a:p>
-          <a:p>
-            <a:pPr lvl="2" eaLnBrk="1" hangingPunct="1">
-              <a:lnSpc>
-                <a:spcPct val="90000"/>
-              </a:lnSpc>
-              <a:defRPr/>
-            </a:pPr>
-            <a:r>
-              <a:rPr lang="en-US" sz="1800" dirty="0"/>
-              <a:t>Ping, </a:t>
-            </a:r>
-            <a:r>
-              <a:rPr lang="en-US" sz="1800" dirty="0" err="1"/>
-              <a:t>traceroute</a:t>
-            </a:r>
-            <a:r>
-              <a:rPr lang="en-US" sz="1800" dirty="0"/>
-              <a:t>, etc.</a:t>
-            </a:r>
-          </a:p>
-          <a:p>
-            <a:pPr lvl="2" eaLnBrk="1" hangingPunct="1">
-              <a:lnSpc>
-                <a:spcPct val="90000"/>
-              </a:lnSpc>
-              <a:defRPr/>
-            </a:pPr>
-            <a:r>
-              <a:rPr lang="en-US" sz="1800" dirty="0"/>
-              <a:t>Accuracy pitfall example: </a:t>
-            </a:r>
-            <a:r>
-              <a:rPr lang="en-US" sz="1800" dirty="0" err="1"/>
-              <a:t>traceroute</a:t>
-            </a:r>
-            <a:endParaRPr lang="en-US" sz="1800" dirty="0"/>
+              <a:rPr lang="en-US" dirty="0" err="1"/>
+              <a:t>Anonymization</a:t>
+            </a:r>
+            <a:r>
+              <a:rPr lang="en-US" dirty="0"/>
+              <a:t> and privacy</a:t>
+            </a:r>
           </a:p>
           <a:p>
             <a:pPr lvl="1" eaLnBrk="1" hangingPunct="1">
@@ -5185,99 +4920,25 @@
               <a:defRPr/>
             </a:pPr>
             <a:r>
-              <a:rPr lang="en-US" sz="1800" dirty="0"/>
-              <a:t>Passive</a:t>
-            </a:r>
-          </a:p>
-          <a:p>
-            <a:pPr lvl="2" eaLnBrk="1" hangingPunct="1">
+              <a:rPr lang="en-US" dirty="0"/>
+              <a:t>Maintaining longitudinal data</a:t>
+            </a:r>
+          </a:p>
+          <a:p>
+            <a:pPr lvl="1" eaLnBrk="1" hangingPunct="1">
               <a:lnSpc>
                 <a:spcPct val="90000"/>
               </a:lnSpc>
               <a:defRPr/>
             </a:pPr>
-            <a:r>
-              <a:rPr lang="en-US" sz="1800" dirty="0"/>
-              <a:t>Packet captures (</a:t>
-            </a:r>
-            <a:r>
-              <a:rPr lang="en-US" sz="1800" i="1" dirty="0"/>
-              <a:t>e.g.</a:t>
-            </a:r>
-            <a:r>
-              <a:rPr lang="en-US" sz="1800" dirty="0"/>
-              <a:t>, </a:t>
-            </a:r>
-            <a:r>
-              <a:rPr lang="en-US" sz="1800" dirty="0" err="1"/>
-              <a:t>tcpdump</a:t>
-            </a:r>
-            <a:r>
-              <a:rPr lang="en-US" sz="1800" dirty="0"/>
-              <a:t>, DAG)</a:t>
-            </a:r>
-          </a:p>
-          <a:p>
-            <a:pPr lvl="2" eaLnBrk="1" hangingPunct="1">
-              <a:lnSpc>
-                <a:spcPct val="90000"/>
-              </a:lnSpc>
-              <a:defRPr/>
-            </a:pPr>
-            <a:r>
-              <a:rPr lang="en-US" sz="1800" dirty="0"/>
-              <a:t>Flow records (</a:t>
-            </a:r>
-            <a:r>
-              <a:rPr lang="en-US" sz="1800" i="1" dirty="0"/>
-              <a:t>e.g., </a:t>
-            </a:r>
-            <a:r>
-              <a:rPr lang="en-US" sz="1800" dirty="0" err="1"/>
-              <a:t>netflow</a:t>
-            </a:r>
-            <a:r>
-              <a:rPr lang="en-US" sz="1800" dirty="0"/>
-              <a:t>)</a:t>
-            </a:r>
-          </a:p>
-          <a:p>
-            <a:pPr lvl="2" eaLnBrk="1" hangingPunct="1">
-              <a:lnSpc>
-                <a:spcPct val="90000"/>
-              </a:lnSpc>
-              <a:defRPr/>
-            </a:pPr>
-            <a:r>
-              <a:rPr lang="en-US" sz="1800" dirty="0"/>
-              <a:t>Routing data (</a:t>
-            </a:r>
-            <a:r>
-              <a:rPr lang="en-US" sz="1800" i="1" dirty="0"/>
-              <a:t>e.g., </a:t>
-            </a:r>
-            <a:r>
-              <a:rPr lang="en-US" sz="1800" dirty="0"/>
-              <a:t>BGP, IS-IS, etc.)</a:t>
-            </a:r>
-          </a:p>
-          <a:p>
-            <a:pPr eaLnBrk="1" hangingPunct="1">
-              <a:lnSpc>
-                <a:spcPct val="90000"/>
-              </a:lnSpc>
-              <a:defRPr/>
-            </a:pPr>
-            <a:endParaRPr lang="en-US" sz="2000" i="1" dirty="0">
-              <a:cs typeface="+mn-cs"/>
-            </a:endParaRPr>
+            <a:endParaRPr lang="en-US" dirty="0"/>
           </a:p>
         </p:txBody>
       </p:sp>
     </p:spTree>
     <p:extLst>
       <p:ext uri="{BB962C8B-B14F-4D97-AF65-F5344CB8AC3E}">
-        <p14:creationId xmlns:p14="http://schemas.microsoft.com/office/powerpoint/2010/main" val="171127331"/>
+        <p14:creationId xmlns:p14="http://schemas.microsoft.com/office/powerpoint/2010/main" val="1574202945"/>
       </p:ext>
     </p:extLst>
   </p:cSld>
@@ -5319,14 +4980,9 @@
           <a:bodyPr/>
           <a:lstStyle/>
           <a:p>
-            <a:pPr>
-              <a:defRPr/>
-            </a:pPr>
-            <a:fld id="{DA495866-BF73-C449-BFDE-1A9F7CF7CF63}" type="slidenum">
+            <a:fld id="{06E7A626-03D1-CC48-8165-8CF353DD6B78}" type="slidenum">
               <a:rPr lang="en-US"/>
-              <a:pPr>
-                <a:defRPr/>
-              </a:pPr>
+              <a:pPr/>
               <a:t>11</a:t>
             </a:fld>
             <a:endParaRPr lang="en-US"/>
@@ -5335,7 +4991,7 @@
       </p:sp>
       <p:sp>
         <p:nvSpPr>
-          <p:cNvPr id="8194" name="Rectangle 2"/>
+          <p:cNvPr id="6146" name="Rectangle 2"/>
           <p:cNvSpPr>
             <a:spLocks noGrp="1" noChangeArrowheads="1"/>
           </p:cNvSpPr>
@@ -5348,21 +5004,23 @@
           <a:bodyPr/>
           <a:lstStyle/>
           <a:p>
-            <a:pPr eaLnBrk="1" hangingPunct="1">
-              <a:defRPr/>
-            </a:pPr>
-            <a:r>
-              <a:rPr lang="en-US" dirty="0">
-                <a:cs typeface="+mj-cs"/>
-              </a:rPr>
-              <a:t>Strategies for Sound Internet Measurement</a:t>
-            </a:r>
-          </a:p>
-        </p:txBody>
-      </p:sp>
-      <p:sp>
-        <p:nvSpPr>
-          <p:cNvPr id="8195" name="Rectangle 3"/>
+            <a:r>
+              <a:rPr lang="en-US" dirty="0"/>
+              <a:t>Measuring Network Traffic:</a:t>
+            </a:r>
+            <a:br>
+              <a:rPr lang="en-US" dirty="0"/>
+            </a:br>
+            <a:r>
+              <a:rPr lang="en-US" dirty="0"/>
+              <a:t>Two Main Approaches</a:t>
+            </a:r>
+          </a:p>
+        </p:txBody>
+      </p:sp>
+      <p:sp>
+        <p:nvSpPr>
+          <p:cNvPr id="6147" name="Rectangle 3"/>
           <p:cNvSpPr>
             <a:spLocks noGrp="1" noChangeArrowheads="1"/>
           </p:cNvSpPr>
@@ -5370,151 +5028,83 @@
             <p:ph type="body" idx="1"/>
           </p:nvPr>
         </p:nvSpPr>
-        <p:spPr>
-          <a:xfrm>
-            <a:off x="516271" y="1516856"/>
-            <a:ext cx="8229600" cy="4876800"/>
-          </a:xfrm>
-        </p:spPr>
+        <p:spPr/>
         <p:txBody>
           <a:bodyPr/>
           <a:lstStyle/>
           <a:p>
-            <a:pPr eaLnBrk="1" hangingPunct="1">
-              <a:lnSpc>
-                <a:spcPct val="90000"/>
-              </a:lnSpc>
-              <a:defRPr/>
-            </a:pPr>
+            <a:r>
+              <a:rPr lang="en-US" b="1" dirty="0">
+                <a:solidFill>
+                  <a:schemeClr val="accent1"/>
+                </a:solidFill>
+              </a:rPr>
+              <a:t>Packet-level Monitoring</a:t>
+            </a:r>
+          </a:p>
+          <a:p>
+            <a:pPr lvl="1"/>
             <a:r>
               <a:rPr lang="en-US" dirty="0"/>
-              <a:t>Cross validation</a:t>
-            </a:r>
-          </a:p>
-          <a:p>
-            <a:pPr lvl="1" eaLnBrk="1" hangingPunct="1">
-              <a:lnSpc>
-                <a:spcPct val="90000"/>
-              </a:lnSpc>
-              <a:defRPr/>
-            </a:pPr>
+              <a:t>Keep packet-level statistics</a:t>
+            </a:r>
+          </a:p>
+          <a:p>
+            <a:pPr lvl="1"/>
             <a:r>
               <a:rPr lang="en-US" dirty="0"/>
-              <a:t>consistency checks</a:t>
-            </a:r>
-          </a:p>
-          <a:p>
-            <a:pPr lvl="1" eaLnBrk="1" hangingPunct="1">
-              <a:lnSpc>
-                <a:spcPct val="90000"/>
-              </a:lnSpc>
-              <a:defRPr/>
-            </a:pPr>
+              <a:t>Examine (and potentially, log) variety of packet-level statistics.  Essentially, anything in the packet.</a:t>
+            </a:r>
+          </a:p>
+          <a:p>
+            <a:pPr lvl="1"/>
+            <a:r>
+              <a:rPr lang="en-US" b="1" dirty="0">
+                <a:solidFill>
+                  <a:schemeClr val="accent1"/>
+                </a:solidFill>
+              </a:rPr>
+              <a:t>Timing</a:t>
+            </a:r>
+          </a:p>
+          <a:p>
+            <a:pPr lvl="1"/>
+            <a:endParaRPr lang="en-US" b="1" dirty="0">
+              <a:solidFill>
+                <a:srgbClr val="FF0000"/>
+              </a:solidFill>
+            </a:endParaRPr>
+          </a:p>
+          <a:p>
+            <a:r>
+              <a:rPr lang="en-US" b="1" dirty="0">
+                <a:solidFill>
+                  <a:schemeClr val="accent1"/>
+                </a:solidFill>
+              </a:rPr>
+              <a:t>Flow-level Monitoring</a:t>
+            </a:r>
+          </a:p>
+          <a:p>
+            <a:pPr lvl="1"/>
             <a:r>
               <a:rPr lang="en-US" dirty="0"/>
-              <a:t>multiple </a:t>
-            </a:r>
-            <a:r>
-              <a:rPr lang="ja-JP" altLang="en-US" dirty="0">
-                <a:latin typeface="Arial"/>
-              </a:rPr>
-              <a:t>“</a:t>
-            </a:r>
+              <a:t>Monitor packet-by-packet (though sometimes sampled)</a:t>
+            </a:r>
+          </a:p>
+          <a:p>
+            <a:pPr lvl="1"/>
             <a:r>
               <a:rPr lang="en-US" dirty="0"/>
-              <a:t>overlapping</a:t>
-            </a:r>
-            <a:r>
-              <a:rPr lang="ja-JP" altLang="en-US">
-                <a:latin typeface="Arial"/>
-              </a:rPr>
-              <a:t>”</a:t>
-            </a:r>
-            <a:r>
-              <a:rPr lang="en-US" dirty="0"/>
-              <a:t> measurements</a:t>
-            </a:r>
-          </a:p>
-          <a:p>
-            <a:pPr lvl="1" eaLnBrk="1" hangingPunct="1">
-              <a:lnSpc>
-                <a:spcPct val="90000"/>
-              </a:lnSpc>
-              <a:defRPr/>
-            </a:pPr>
-            <a:r>
-              <a:rPr lang="en-US" dirty="0">
-                <a:cs typeface="+mn-cs"/>
-              </a:rPr>
-              <a:t>database is a useful tool for cross-checking</a:t>
-            </a:r>
-          </a:p>
-          <a:p>
-            <a:pPr lvl="1" eaLnBrk="1" hangingPunct="1">
-              <a:lnSpc>
-                <a:spcPct val="90000"/>
-              </a:lnSpc>
-              <a:defRPr/>
-            </a:pPr>
-            <a:endParaRPr lang="en-US" dirty="0"/>
-          </a:p>
-          <a:p>
-            <a:pPr eaLnBrk="1" hangingPunct="1">
-              <a:lnSpc>
-                <a:spcPct val="90000"/>
-              </a:lnSpc>
-              <a:defRPr/>
-            </a:pPr>
-            <a:r>
-              <a:rPr lang="en-US" dirty="0">
-                <a:cs typeface="+mn-cs"/>
-              </a:rPr>
-              <a:t>Other considerations</a:t>
-            </a:r>
-          </a:p>
-          <a:p>
-            <a:pPr lvl="1" eaLnBrk="1" hangingPunct="1">
-              <a:lnSpc>
-                <a:spcPct val="90000"/>
-              </a:lnSpc>
-              <a:defRPr/>
-            </a:pPr>
-            <a:r>
-              <a:rPr lang="en-US" dirty="0" err="1"/>
-              <a:t>Anonymization</a:t>
-            </a:r>
-            <a:r>
-              <a:rPr lang="en-US" dirty="0"/>
-              <a:t> and privacy</a:t>
-            </a:r>
-          </a:p>
-          <a:p>
-            <a:pPr lvl="1" eaLnBrk="1" hangingPunct="1">
-              <a:lnSpc>
-                <a:spcPct val="90000"/>
-              </a:lnSpc>
-              <a:defRPr/>
-            </a:pPr>
-            <a:r>
-              <a:rPr lang="en-US" dirty="0"/>
-              <a:t>Maintaining longitudinal data</a:t>
-            </a:r>
-          </a:p>
-          <a:p>
-            <a:pPr lvl="1" eaLnBrk="1" hangingPunct="1">
-              <a:lnSpc>
-                <a:spcPct val="90000"/>
-              </a:lnSpc>
-              <a:defRPr/>
-            </a:pPr>
-            <a:endParaRPr lang="en-US" dirty="0"/>
+              <a:t>Keep aggregate statistics on a flow</a:t>
+            </a:r>
           </a:p>
         </p:txBody>
       </p:sp>
     </p:spTree>
     <p:extLst>
       <p:ext uri="{BB962C8B-B14F-4D97-AF65-F5344CB8AC3E}">
-        <p14:creationId xmlns:p14="http://schemas.microsoft.com/office/powerpoint/2010/main" val="1574202945"/>
+        <p14:creationId xmlns:p14="http://schemas.microsoft.com/office/powerpoint/2010/main" val="3159294731"/>
       </p:ext>
     </p:extLst>
   </p:cSld>
@@ -5543,7 +5133,7 @@
       </p:grpSpPr>
       <p:sp>
         <p:nvSpPr>
-          <p:cNvPr id="6" name="Slide Number Placeholder 5"/>
+          <p:cNvPr id="10" name="Slide Number Placeholder 5"/>
           <p:cNvSpPr>
             <a:spLocks noGrp="1"/>
           </p:cNvSpPr>
@@ -5556,7 +5146,7 @@
           <a:bodyPr/>
           <a:lstStyle/>
           <a:p>
-            <a:fld id="{06E7A626-03D1-CC48-8165-8CF353DD6B78}" type="slidenum">
+            <a:fld id="{1647E03D-B1FC-544F-85FD-187833F2B10F}" type="slidenum">
               <a:rPr lang="en-US"/>
               <a:pPr/>
               <a:t>12</a:t>
@@ -5567,7 +5157,7 @@
       </p:sp>
       <p:sp>
         <p:nvSpPr>
-          <p:cNvPr id="6146" name="Rectangle 2"/>
+          <p:cNvPr id="8194" name="Rectangle 2"/>
           <p:cNvSpPr>
             <a:spLocks noGrp="1" noChangeArrowheads="1"/>
           </p:cNvSpPr>
@@ -5582,14 +5172,14 @@
           <a:p>
             <a:r>
               <a:rPr lang="en-US"/>
-              <a:t>Two Main Approaches</a:t>
-            </a:r>
-          </a:p>
-        </p:txBody>
-      </p:sp>
-      <p:sp>
-        <p:nvSpPr>
-          <p:cNvPr id="6147" name="Rectangle 3"/>
+              <a:t>Packet Capture: tcpdump/bpf</a:t>
+            </a:r>
+          </a:p>
+        </p:txBody>
+      </p:sp>
+      <p:sp>
+        <p:nvSpPr>
+          <p:cNvPr id="8195" name="Rectangle 3"/>
           <p:cNvSpPr>
             <a:spLocks noGrp="1" noChangeArrowheads="1"/>
           </p:cNvSpPr>
@@ -5597,75 +5187,352 @@
             <p:ph type="body" idx="1"/>
           </p:nvPr>
         </p:nvSpPr>
-        <p:spPr/>
+        <p:spPr>
+          <a:xfrm>
+            <a:off x="1981200" y="1981200"/>
+            <a:ext cx="4724400" cy="914400"/>
+          </a:xfrm>
+        </p:spPr>
         <p:txBody>
           <a:bodyPr/>
           <a:lstStyle/>
           <a:p>
-            <a:r>
-              <a:rPr lang="en-US"/>
-              <a:t>Packet-level Monitoring</a:t>
-            </a:r>
-          </a:p>
-          <a:p>
-            <a:pPr lvl="1"/>
-            <a:r>
-              <a:rPr lang="en-US"/>
-              <a:t>Keep packet-level statistics</a:t>
-            </a:r>
-          </a:p>
-          <a:p>
-            <a:pPr lvl="1"/>
-            <a:r>
-              <a:rPr lang="en-US"/>
-              <a:t>Examine (and potentially, log) variety of packet-level statistics.  Essentially, anything in the packet.</a:t>
-            </a:r>
-          </a:p>
-          <a:p>
-            <a:pPr lvl="1"/>
-            <a:r>
-              <a:rPr lang="en-US" b="1">
+            <a:pPr>
+              <a:lnSpc>
+                <a:spcPct val="90000"/>
+              </a:lnSpc>
+            </a:pPr>
+            <a:r>
+              <a:rPr lang="en-US" sz="2000"/>
+              <a:t>Put interface in promiscuous mode</a:t>
+            </a:r>
+          </a:p>
+          <a:p>
+            <a:pPr>
+              <a:lnSpc>
+                <a:spcPct val="90000"/>
+              </a:lnSpc>
+            </a:pPr>
+            <a:r>
+              <a:rPr lang="en-US" sz="2000"/>
+              <a:t>Use bpf to extract packets of interest</a:t>
+            </a:r>
+          </a:p>
+        </p:txBody>
+      </p:sp>
+      <p:sp>
+        <p:nvSpPr>
+          <p:cNvPr id="8196" name="Rectangle 4"/>
+          <p:cNvSpPr>
+            <a:spLocks noChangeArrowheads="1"/>
+          </p:cNvSpPr>
+          <p:nvPr/>
+        </p:nvSpPr>
+        <p:spPr bwMode="auto">
+          <a:xfrm>
+            <a:off x="2057400" y="4191000"/>
+            <a:ext cx="8229600" cy="1219200"/>
+          </a:xfrm>
+          <a:prstGeom prst="rect">
+            <a:avLst/>
+          </a:prstGeom>
+          <a:noFill/>
+          <a:ln>
+            <a:noFill/>
+          </a:ln>
+          <a:effectLst/>
+          <a:extLst>
+            <a:ext uri="{909E8E84-426E-40dd-AFC4-6F175D3DCCD1}">
+              <a14:hiddenFill xmlns:a14="http://schemas.microsoft.com/office/drawing/2010/main" xmlns="">
+                <a:solidFill>
+                  <a:schemeClr val="accent1"/>
+                </a:solidFill>
+              </a14:hiddenFill>
+            </a:ext>
+            <a:ext uri="{91240B29-F687-4f45-9708-019B960494DF}">
+              <a14:hiddenLine xmlns:a14="http://schemas.microsoft.com/office/drawing/2010/main" xmlns="" w="9525">
+                <a:solidFill>
+                  <a:schemeClr val="tx1"/>
+                </a:solidFill>
+                <a:miter lim="800000"/>
+                <a:headEnd/>
+                <a:tailEnd/>
+              </a14:hiddenLine>
+            </a:ext>
+            <a:ext uri="{AF507438-7753-43e0-B8FC-AC1667EBCBE1}">
+              <a14:hiddenEffects xmlns:a14="http://schemas.microsoft.com/office/drawing/2010/main" xmlns="">
+                <a:effectLst>
+                  <a:outerShdw blurRad="63500" dist="38099" dir="2700000" algn="ctr" rotWithShape="0">
+                    <a:schemeClr val="bg2">
+                      <a:alpha val="74998"/>
+                    </a:schemeClr>
+                  </a:outerShdw>
+                </a:effectLst>
+              </a14:hiddenEffects>
+            </a:ext>
+          </a:extLst>
+        </p:spPr>
+        <p:txBody>
+          <a:bodyPr/>
+          <a:lstStyle/>
+          <a:p>
+            <a:pPr marL="342891" indent="-342891">
+              <a:spcBef>
+                <a:spcPct val="20000"/>
+              </a:spcBef>
+              <a:buFontTx/>
+              <a:buChar char="•"/>
+            </a:pPr>
+            <a:r>
+              <a:rPr lang="en-US" sz="2800"/>
+              <a:t>Packets may be dropped by filter</a:t>
+            </a:r>
+          </a:p>
+          <a:p>
+            <a:pPr marL="742932" lvl="1" indent="-285744">
+              <a:spcBef>
+                <a:spcPct val="20000"/>
+              </a:spcBef>
+              <a:buFontTx/>
+              <a:buChar char="–"/>
+            </a:pPr>
+            <a:r>
+              <a:rPr lang="en-US" sz="2400"/>
+              <a:t>Failure of tcpdump to keep up with filter</a:t>
+            </a:r>
+          </a:p>
+          <a:p>
+            <a:pPr marL="742932" lvl="1" indent="-285744">
+              <a:spcBef>
+                <a:spcPct val="20000"/>
+              </a:spcBef>
+              <a:buFontTx/>
+              <a:buChar char="–"/>
+            </a:pPr>
+            <a:r>
+              <a:rPr lang="en-US" sz="2400"/>
+              <a:t>Failure of filter to keep up with dump speeds</a:t>
+            </a:r>
+          </a:p>
+        </p:txBody>
+      </p:sp>
+      <p:sp>
+        <p:nvSpPr>
+          <p:cNvPr id="8197" name="Text Box 5"/>
+          <p:cNvSpPr txBox="1">
+            <a:spLocks noChangeArrowheads="1"/>
+          </p:cNvSpPr>
+          <p:nvPr/>
+        </p:nvSpPr>
+        <p:spPr bwMode="auto">
+          <a:xfrm>
+            <a:off x="2438400" y="6019800"/>
+            <a:ext cx="7543800" cy="400110"/>
+          </a:xfrm>
+          <a:prstGeom prst="rect">
+            <a:avLst/>
+          </a:prstGeom>
+          <a:solidFill>
+            <a:schemeClr val="accent1"/>
+          </a:solidFill>
+          <a:ln>
+            <a:noFill/>
+          </a:ln>
+          <a:effectLst/>
+          <a:extLst>
+            <a:ext uri="{91240B29-F687-4f45-9708-019B960494DF}">
+              <a14:hiddenLine xmlns:a14="http://schemas.microsoft.com/office/drawing/2010/main" xmlns="" w="9525">
+                <a:solidFill>
+                  <a:schemeClr val="tx1"/>
+                </a:solidFill>
+                <a:miter lim="800000"/>
+                <a:headEnd/>
+                <a:tailEnd/>
+              </a14:hiddenLine>
+            </a:ext>
+            <a:ext uri="{AF507438-7753-43e0-B8FC-AC1667EBCBE1}">
+              <a14:hiddenEffects xmlns:a14="http://schemas.microsoft.com/office/drawing/2010/main" xmlns="">
+                <a:effectLst>
+                  <a:outerShdw blurRad="63500" dist="38099" dir="2700000" algn="ctr" rotWithShape="0">
+                    <a:schemeClr val="bg2">
+                      <a:alpha val="74998"/>
+                    </a:schemeClr>
+                  </a:outerShdw>
+                </a:effectLst>
+              </a14:hiddenEffects>
+            </a:ext>
+          </a:extLst>
+        </p:spPr>
+        <p:txBody>
+          <a:bodyPr>
+            <a:spAutoFit/>
+          </a:bodyPr>
+          <a:lstStyle/>
+          <a:p>
+            <a:pPr algn="ctr">
+              <a:spcBef>
+                <a:spcPct val="50000"/>
+              </a:spcBef>
+            </a:pPr>
+            <a:r>
+              <a:rPr lang="en-US" sz="2000" b="1">
                 <a:solidFill>
                   <a:srgbClr val="FF0000"/>
                 </a:solidFill>
               </a:rPr>
-              <a:t>Timing</a:t>
-            </a:r>
-          </a:p>
-          <a:p>
-            <a:pPr lvl="1"/>
-            <a:endParaRPr lang="en-US" b="1">
-              <a:solidFill>
-                <a:srgbClr val="FF0000"/>
-              </a:solidFill>
-            </a:endParaRPr>
-          </a:p>
-          <a:p>
-            <a:r>
-              <a:rPr lang="en-US"/>
-              <a:t>Flow-level Monitoring</a:t>
-            </a:r>
-          </a:p>
-          <a:p>
-            <a:pPr lvl="1"/>
-            <a:r>
-              <a:rPr lang="en-US"/>
-              <a:t>Monitor packet-by-packet (though sometimes sampled)</a:t>
-            </a:r>
-          </a:p>
-          <a:p>
-            <a:pPr lvl="1"/>
-            <a:r>
-              <a:rPr lang="en-US"/>
-              <a:t>Keep aggregate statistics on a flow</a:t>
-            </a:r>
-          </a:p>
-        </p:txBody>
-      </p:sp>
+              <a:t>Question:</a:t>
+            </a:r>
+            <a:r>
+              <a:rPr lang="en-US" sz="2000"/>
+              <a:t> How to recover lost information from packet drops?</a:t>
+            </a:r>
+          </a:p>
+        </p:txBody>
+      </p:sp>
+      <p:sp>
+        <p:nvSpPr>
+          <p:cNvPr id="8198" name="Text Box 6"/>
+          <p:cNvSpPr txBox="1">
+            <a:spLocks noChangeArrowheads="1"/>
+          </p:cNvSpPr>
+          <p:nvPr/>
+        </p:nvSpPr>
+        <p:spPr bwMode="auto">
+          <a:xfrm>
+            <a:off x="2057400" y="3733801"/>
+            <a:ext cx="3352800" cy="461665"/>
+          </a:xfrm>
+          <a:prstGeom prst="rect">
+            <a:avLst/>
+          </a:prstGeom>
+          <a:noFill/>
+          <a:ln>
+            <a:noFill/>
+          </a:ln>
+          <a:effectLst/>
+          <a:extLst>
+            <a:ext uri="{909E8E84-426E-40dd-AFC4-6F175D3DCCD1}">
+              <a14:hiddenFill xmlns:a14="http://schemas.microsoft.com/office/drawing/2010/main" xmlns="">
+                <a:solidFill>
+                  <a:schemeClr val="accent1"/>
+                </a:solidFill>
+              </a14:hiddenFill>
+            </a:ext>
+            <a:ext uri="{91240B29-F687-4f45-9708-019B960494DF}">
+              <a14:hiddenLine xmlns:a14="http://schemas.microsoft.com/office/drawing/2010/main" xmlns="" w="9525">
+                <a:solidFill>
+                  <a:schemeClr val="tx1"/>
+                </a:solidFill>
+                <a:miter lim="800000"/>
+                <a:headEnd/>
+                <a:tailEnd/>
+              </a14:hiddenLine>
+            </a:ext>
+            <a:ext uri="{AF507438-7753-43e0-B8FC-AC1667EBCBE1}">
+              <a14:hiddenEffects xmlns:a14="http://schemas.microsoft.com/office/drawing/2010/main" xmlns="">
+                <a:effectLst>
+                  <a:outerShdw blurRad="63500" dist="38099" dir="2700000" algn="ctr" rotWithShape="0">
+                    <a:schemeClr val="bg2">
+                      <a:alpha val="74998"/>
+                    </a:schemeClr>
+                  </a:outerShdw>
+                </a:effectLst>
+              </a14:hiddenEffects>
+            </a:ext>
+          </a:extLst>
+        </p:spPr>
+        <p:txBody>
+          <a:bodyPr>
+            <a:spAutoFit/>
+          </a:bodyPr>
+          <a:lstStyle/>
+          <a:p>
+            <a:pPr>
+              <a:spcBef>
+                <a:spcPct val="50000"/>
+              </a:spcBef>
+            </a:pPr>
+            <a:r>
+              <a:rPr lang="en-US" sz="2400" b="1">
+                <a:solidFill>
+                  <a:srgbClr val="FF0000"/>
+                </a:solidFill>
+              </a:rPr>
+              <a:t>Accuracy Issues</a:t>
+            </a:r>
+          </a:p>
+        </p:txBody>
+      </p:sp>
+      <p:pic>
+        <p:nvPicPr>
+          <p:cNvPr id="8199" name="Picture 7"/>
+          <p:cNvPicPr>
+            <a:picLocks noChangeAspect="1" noChangeArrowheads="1"/>
+          </p:cNvPicPr>
+          <p:nvPr/>
+        </p:nvPicPr>
+        <p:blipFill>
+          <a:blip r:embed="rId3">
+            <a:extLst>
+              <a:ext uri="{28A0092B-C50C-407E-A947-70E740481C1C}">
+                <a14:useLocalDpi xmlns:a14="http://schemas.microsoft.com/office/drawing/2010/main" val="0"/>
+              </a:ext>
+            </a:extLst>
+          </a:blip>
+          <a:srcRect/>
+          <a:stretch>
+            <a:fillRect/>
+          </a:stretch>
+        </p:blipFill>
+        <p:spPr bwMode="auto">
+          <a:xfrm>
+            <a:off x="6858000" y="1295401"/>
+            <a:ext cx="3565525" cy="2943225"/>
+          </a:xfrm>
+          <a:prstGeom prst="rect">
+            <a:avLst/>
+          </a:prstGeom>
+          <a:noFill/>
+          <a:ln>
+            <a:noFill/>
+          </a:ln>
+          <a:effectLst/>
+          <a:extLst>
+            <a:ext uri="{909E8E84-426E-40dd-AFC4-6F175D3DCCD1}">
+              <a14:hiddenFill xmlns:a14="http://schemas.microsoft.com/office/drawing/2010/main" xmlns="">
+                <a:solidFill>
+                  <a:schemeClr val="accent1"/>
+                </a:solidFill>
+              </a14:hiddenFill>
+            </a:ext>
+            <a:ext uri="{91240B29-F687-4f45-9708-019B960494DF}">
+              <a14:hiddenLine xmlns:a14="http://schemas.microsoft.com/office/drawing/2010/main" xmlns="" w="9525">
+                <a:solidFill>
+                  <a:schemeClr val="tx1"/>
+                </a:solidFill>
+                <a:miter lim="800000"/>
+                <a:headEnd/>
+                <a:tailEnd/>
+              </a14:hiddenLine>
+            </a:ext>
+            <a:ext uri="{AF507438-7753-43e0-B8FC-AC1667EBCBE1}">
+              <a14:hiddenEffects xmlns:a14="http://schemas.microsoft.com/office/drawing/2010/main" xmlns="">
+                <a:effectLst>
+                  <a:outerShdw blurRad="63500" dist="38099" dir="2700000" algn="ctr" rotWithShape="0">
+                    <a:schemeClr val="bg2">
+                      <a:alpha val="74998"/>
+                    </a:schemeClr>
+                  </a:outerShdw>
+                </a:effectLst>
+              </a14:hiddenEffects>
+            </a:ext>
+          </a:extLst>
+        </p:spPr>
+      </p:pic>
     </p:spTree>
     <p:extLst>
       <p:ext uri="{BB962C8B-B14F-4D97-AF65-F5344CB8AC3E}">
-        <p14:creationId xmlns:p14="http://schemas.microsoft.com/office/powerpoint/2010/main" val="3159294731"/>
+        <p14:creationId xmlns:p14="http://schemas.microsoft.com/office/powerpoint/2010/main" val="1727606496"/>
       </p:ext>
     </p:extLst>
   </p:cSld>
@@ -5754,57 +5621,61 @@
           <a:lstStyle/>
           <a:p>
             <a:r>
-              <a:rPr lang="en-US" i="1"/>
-              <a:t>Flow monitoring</a:t>
-            </a:r>
-            <a:r>
-              <a:rPr lang="en-US"/>
-              <a:t> (</a:t>
-            </a:r>
-            <a:r>
-              <a:rPr lang="en-US" i="1"/>
+              <a:rPr lang="en-US" dirty="0"/>
+              <a:t>Flow monitoring (</a:t>
+            </a:r>
+            <a:r>
+              <a:rPr lang="en-US" i="1" dirty="0"/>
               <a:t>e.g</a:t>
             </a:r>
             <a:r>
-              <a:rPr lang="en-US"/>
-              <a:t>., Cisco Netflow)</a:t>
+              <a:rPr lang="en-US" dirty="0"/>
+              <a:t>., Cisco </a:t>
+            </a:r>
+            <a:r>
+              <a:rPr lang="en-US" dirty="0" err="1"/>
+              <a:t>Netflow</a:t>
+            </a:r>
+            <a:r>
+              <a:rPr lang="en-US" dirty="0"/>
+              <a:t>)</a:t>
             </a:r>
           </a:p>
           <a:p>
             <a:pPr lvl="1"/>
             <a:r>
-              <a:rPr lang="en-US"/>
+              <a:rPr lang="en-US" dirty="0"/>
               <a:t>Statistics about groups of related packets (</a:t>
             </a:r>
             <a:r>
-              <a:rPr lang="en-US" i="1"/>
+              <a:rPr lang="en-US" i="1" dirty="0"/>
               <a:t>e.g.,</a:t>
             </a:r>
             <a:r>
-              <a:rPr lang="en-US"/>
+              <a:rPr lang="en-US" dirty="0"/>
               <a:t> same IP/TCP headers and close in time)</a:t>
             </a:r>
           </a:p>
           <a:p>
             <a:pPr lvl="1"/>
             <a:r>
-              <a:rPr lang="en-US"/>
+              <a:rPr lang="en-US" dirty="0"/>
               <a:t>Recording header information, counts, and time</a:t>
             </a:r>
           </a:p>
           <a:p>
-            <a:endParaRPr lang="en-US"/>
-          </a:p>
-          <a:p>
-            <a:r>
-              <a:rPr lang="en-US"/>
+            <a:endParaRPr lang="en-US" dirty="0"/>
+          </a:p>
+          <a:p>
+            <a:r>
+              <a:rPr lang="en-US" dirty="0"/>
               <a:t>More detail than SNMP, less overhead than packet capture</a:t>
             </a:r>
           </a:p>
           <a:p>
             <a:pPr lvl="1"/>
             <a:r>
-              <a:rPr lang="en-US"/>
+              <a:rPr lang="en-US" dirty="0"/>
               <a:t>Typically implemented directly on line card</a:t>
             </a:r>
           </a:p>
@@ -5880,8 +5751,8 @@
           <a:lstStyle/>
           <a:p>
             <a:r>
-              <a:rPr lang="en-US"/>
-              <a:t>What is a flow?</a:t>
+              <a:rPr lang="en-US" dirty="0"/>
+              <a:t>What is a Flow?</a:t>
             </a:r>
           </a:p>
         </p:txBody>
@@ -6565,14 +6436,14 @@
               <a:effectLst/>
               <a:extLst>
                 <a:ext uri="{909E8E84-426E-40dd-AFC4-6F175D3DCCD1}">
-                  <a14:hiddenFill xmlns="" xmlns:a14="http://schemas.microsoft.com/office/drawing/2010/main">
+                  <a14:hiddenFill xmlns:a14="http://schemas.microsoft.com/office/drawing/2010/main" xmlns="">
                     <a:solidFill>
                       <a:schemeClr val="accent1"/>
                     </a:solidFill>
                   </a14:hiddenFill>
                 </a:ext>
                 <a:ext uri="{91240B29-F687-4f45-9708-019B960494DF}">
-                  <a14:hiddenLine xmlns="" xmlns:a14="http://schemas.microsoft.com/office/drawing/2010/main" w="9525">
+                  <a14:hiddenLine xmlns:a14="http://schemas.microsoft.com/office/drawing/2010/main" xmlns="" w="9525">
                     <a:solidFill>
                       <a:schemeClr val="tx1"/>
                     </a:solidFill>
@@ -6582,7 +6453,7 @@
                   </a14:hiddenLine>
                 </a:ext>
                 <a:ext uri="{AF507438-7753-43e0-B8FC-AC1667EBCBE1}">
-                  <a14:hiddenEffects xmlns="" xmlns:a14="http://schemas.microsoft.com/office/drawing/2010/main">
+                  <a14:hiddenEffects xmlns:a14="http://schemas.microsoft.com/office/drawing/2010/main" xmlns="">
                     <a:effectLst>
                       <a:outerShdw blurRad="63500" dist="38099" dir="2700000" algn="ctr" rotWithShape="0">
                         <a:schemeClr val="bg2">
@@ -6643,7 +6514,7 @@
             <a:effectLst/>
             <a:extLst>
               <a:ext uri="{AF507438-7753-43e0-B8FC-AC1667EBCBE1}">
-                <a14:hiddenEffects xmlns="" xmlns:a14="http://schemas.microsoft.com/office/drawing/2010/main">
+                <a14:hiddenEffects xmlns:a14="http://schemas.microsoft.com/office/drawing/2010/main" xmlns="">
                   <a:effectLst>
                     <a:outerShdw blurRad="63500" dist="38099" dir="2700000" algn="ctr" rotWithShape="0">
                       <a:schemeClr val="bg2">
@@ -6730,14 +6601,14 @@
           <a:effectLst/>
           <a:extLst>
             <a:ext uri="{909E8E84-426E-40dd-AFC4-6F175D3DCCD1}">
-              <a14:hiddenFill xmlns="" xmlns:a14="http://schemas.microsoft.com/office/drawing/2010/main">
+              <a14:hiddenFill xmlns:a14="http://schemas.microsoft.com/office/drawing/2010/main" xmlns="">
                 <a:solidFill>
                   <a:schemeClr val="accent1"/>
                 </a:solidFill>
               </a14:hiddenFill>
             </a:ext>
             <a:ext uri="{AF507438-7753-43e0-B8FC-AC1667EBCBE1}">
-              <a14:hiddenEffects xmlns="" xmlns:a14="http://schemas.microsoft.com/office/drawing/2010/main">
+              <a14:hiddenEffects xmlns:a14="http://schemas.microsoft.com/office/drawing/2010/main" xmlns="">
                 <a:effectLst>
                   <a:outerShdw blurRad="63500" dist="38099" dir="2700000" algn="ctr" rotWithShape="0">
                     <a:schemeClr val="bg2">
@@ -6823,14 +6694,14 @@
           <a:effectLst/>
           <a:extLst>
             <a:ext uri="{909E8E84-426E-40dd-AFC4-6F175D3DCCD1}">
-              <a14:hiddenFill xmlns="" xmlns:a14="http://schemas.microsoft.com/office/drawing/2010/main">
+              <a14:hiddenFill xmlns:a14="http://schemas.microsoft.com/office/drawing/2010/main" xmlns="">
                 <a:solidFill>
                   <a:schemeClr val="accent1"/>
                 </a:solidFill>
               </a14:hiddenFill>
             </a:ext>
             <a:ext uri="{AF507438-7753-43e0-B8FC-AC1667EBCBE1}">
-              <a14:hiddenEffects xmlns="" xmlns:a14="http://schemas.microsoft.com/office/drawing/2010/main">
+              <a14:hiddenEffects xmlns:a14="http://schemas.microsoft.com/office/drawing/2010/main" xmlns="">
                 <a:effectLst>
                   <a:outerShdw blurRad="63500" dist="38099" dir="2700000" algn="ctr" rotWithShape="0">
                     <a:schemeClr val="bg2">
@@ -6916,14 +6787,14 @@
           <a:effectLst/>
           <a:extLst>
             <a:ext uri="{909E8E84-426E-40dd-AFC4-6F175D3DCCD1}">
-              <a14:hiddenFill xmlns="" xmlns:a14="http://schemas.microsoft.com/office/drawing/2010/main">
+              <a14:hiddenFill xmlns:a14="http://schemas.microsoft.com/office/drawing/2010/main" xmlns="">
                 <a:solidFill>
                   <a:schemeClr val="accent1"/>
                 </a:solidFill>
               </a14:hiddenFill>
             </a:ext>
             <a:ext uri="{AF507438-7753-43e0-B8FC-AC1667EBCBE1}">
-              <a14:hiddenEffects xmlns="" xmlns:a14="http://schemas.microsoft.com/office/drawing/2010/main">
+              <a14:hiddenEffects xmlns:a14="http://schemas.microsoft.com/office/drawing/2010/main" xmlns="">
                 <a:effectLst>
                   <a:outerShdw blurRad="63500" dist="38099" dir="2700000" algn="ctr" rotWithShape="0">
                     <a:schemeClr val="bg2">
@@ -6968,7 +6839,7 @@
           <a:effectLst/>
           <a:extLst>
             <a:ext uri="{91240B29-F687-4f45-9708-019B960494DF}">
-              <a14:hiddenLine xmlns="" xmlns:a14="http://schemas.microsoft.com/office/drawing/2010/main" w="9525">
+              <a14:hiddenLine xmlns:a14="http://schemas.microsoft.com/office/drawing/2010/main" xmlns="" w="9525">
                 <a:solidFill>
                   <a:schemeClr val="tx1"/>
                 </a:solidFill>
@@ -6978,7 +6849,7 @@
               </a14:hiddenLine>
             </a:ext>
             <a:ext uri="{AF507438-7753-43e0-B8FC-AC1667EBCBE1}">
-              <a14:hiddenEffects xmlns="" xmlns:a14="http://schemas.microsoft.com/office/drawing/2010/main">
+              <a14:hiddenEffects xmlns:a14="http://schemas.microsoft.com/office/drawing/2010/main" xmlns="">
                 <a:effectLst>
                   <a:outerShdw blurRad="63500" dist="38099" dir="2700000" algn="ctr" rotWithShape="0">
                     <a:schemeClr val="bg2">
@@ -7041,12 +6912,12 @@
           <a:effectLst/>
           <a:extLst>
             <a:ext uri="{909E8E84-426E-40dd-AFC4-6F175D3DCCD1}">
-              <a14:hiddenFill xmlns="" xmlns:a14="http://schemas.microsoft.com/office/drawing/2010/main">
+              <a14:hiddenFill xmlns:a14="http://schemas.microsoft.com/office/drawing/2010/main" xmlns="">
                 <a:noFill/>
               </a14:hiddenFill>
             </a:ext>
             <a:ext uri="{AF507438-7753-43e0-B8FC-AC1667EBCBE1}">
-              <a14:hiddenEffects xmlns="" xmlns:a14="http://schemas.microsoft.com/office/drawing/2010/main">
+              <a14:hiddenEffects xmlns:a14="http://schemas.microsoft.com/office/drawing/2010/main" xmlns="">
                 <a:effectLst>
                   <a:outerShdw blurRad="63500" dist="38099" dir="2700000" algn="ctr" rotWithShape="0">
                     <a:schemeClr val="bg2">
@@ -7132,14 +7003,14 @@
           <a:effectLst/>
           <a:extLst>
             <a:ext uri="{909E8E84-426E-40dd-AFC4-6F175D3DCCD1}">
-              <a14:hiddenFill xmlns="" xmlns:a14="http://schemas.microsoft.com/office/drawing/2010/main">
+              <a14:hiddenFill xmlns:a14="http://schemas.microsoft.com/office/drawing/2010/main" xmlns="">
                 <a:solidFill>
                   <a:schemeClr val="accent1"/>
                 </a:solidFill>
               </a14:hiddenFill>
             </a:ext>
             <a:ext uri="{AF507438-7753-43e0-B8FC-AC1667EBCBE1}">
-              <a14:hiddenEffects xmlns="" xmlns:a14="http://schemas.microsoft.com/office/drawing/2010/main">
+              <a14:hiddenEffects xmlns:a14="http://schemas.microsoft.com/office/drawing/2010/main" xmlns="">
                 <a:effectLst>
                   <a:outerShdw blurRad="63500" dist="38099" dir="2700000" algn="ctr" rotWithShape="0">
                     <a:schemeClr val="bg2">
@@ -7191,7 +7062,7 @@
           <a:noFill/>
           <a:extLst>
             <a:ext uri="{909E8E84-426E-40dd-AFC4-6F175D3DCCD1}">
-              <a14:hiddenFill xmlns="" xmlns:a14="http://schemas.microsoft.com/office/drawing/2010/main">
+              <a14:hiddenFill xmlns:a14="http://schemas.microsoft.com/office/drawing/2010/main" xmlns="">
                 <a:solidFill>
                   <a:srgbClr val="FFFFFF"/>
                 </a:solidFill>
@@ -7223,14 +7094,14 @@
           <a:effectLst/>
           <a:extLst>
             <a:ext uri="{909E8E84-426E-40dd-AFC4-6F175D3DCCD1}">
-              <a14:hiddenFill xmlns="" xmlns:a14="http://schemas.microsoft.com/office/drawing/2010/main">
+              <a14:hiddenFill xmlns:a14="http://schemas.microsoft.com/office/drawing/2010/main" xmlns="">
                 <a:solidFill>
                   <a:schemeClr val="accent1"/>
                 </a:solidFill>
               </a14:hiddenFill>
             </a:ext>
             <a:ext uri="{91240B29-F687-4f45-9708-019B960494DF}">
-              <a14:hiddenLine xmlns="" xmlns:a14="http://schemas.microsoft.com/office/drawing/2010/main" w="9525">
+              <a14:hiddenLine xmlns:a14="http://schemas.microsoft.com/office/drawing/2010/main" xmlns="" w="9525">
                 <a:solidFill>
                   <a:schemeClr val="tx1"/>
                 </a:solidFill>
@@ -7240,7 +7111,7 @@
               </a14:hiddenLine>
             </a:ext>
             <a:ext uri="{AF507438-7753-43e0-B8FC-AC1667EBCBE1}">
-              <a14:hiddenEffects xmlns="" xmlns:a14="http://schemas.microsoft.com/office/drawing/2010/main">
+              <a14:hiddenEffects xmlns:a14="http://schemas.microsoft.com/office/drawing/2010/main" xmlns="">
                 <a:effectLst>
                   <a:outerShdw blurRad="63500" dist="38099" dir="2700000" algn="ctr" rotWithShape="0">
                     <a:schemeClr val="bg2">
@@ -7300,14 +7171,14 @@
           <a:effectLst/>
           <a:extLst>
             <a:ext uri="{909E8E84-426E-40dd-AFC4-6F175D3DCCD1}">
-              <a14:hiddenFill xmlns="" xmlns:a14="http://schemas.microsoft.com/office/drawing/2010/main">
+              <a14:hiddenFill xmlns:a14="http://schemas.microsoft.com/office/drawing/2010/main" xmlns="">
                 <a:solidFill>
                   <a:schemeClr val="accent1"/>
                 </a:solidFill>
               </a14:hiddenFill>
             </a:ext>
             <a:ext uri="{91240B29-F687-4f45-9708-019B960494DF}">
-              <a14:hiddenLine xmlns="" xmlns:a14="http://schemas.microsoft.com/office/drawing/2010/main" w="9525">
+              <a14:hiddenLine xmlns:a14="http://schemas.microsoft.com/office/drawing/2010/main" xmlns="" w="9525">
                 <a:solidFill>
                   <a:schemeClr val="tx1"/>
                 </a:solidFill>
@@ -7317,7 +7188,7 @@
               </a14:hiddenLine>
             </a:ext>
             <a:ext uri="{AF507438-7753-43e0-B8FC-AC1667EBCBE1}">
-              <a14:hiddenEffects xmlns="" xmlns:a14="http://schemas.microsoft.com/office/drawing/2010/main">
+              <a14:hiddenEffects xmlns:a14="http://schemas.microsoft.com/office/drawing/2010/main" xmlns="">
                 <a:effectLst>
                   <a:outerShdw blurRad="63500" dist="38099" dir="2700000" algn="ctr" rotWithShape="0">
                     <a:schemeClr val="bg2">
@@ -7367,14 +7238,14 @@
           <a:effectLst/>
           <a:extLst>
             <a:ext uri="{909E8E84-426E-40dd-AFC4-6F175D3DCCD1}">
-              <a14:hiddenFill xmlns="" xmlns:a14="http://schemas.microsoft.com/office/drawing/2010/main">
+              <a14:hiddenFill xmlns:a14="http://schemas.microsoft.com/office/drawing/2010/main" xmlns="">
                 <a:solidFill>
                   <a:schemeClr val="accent1"/>
                 </a:solidFill>
               </a14:hiddenFill>
             </a:ext>
             <a:ext uri="{91240B29-F687-4f45-9708-019B960494DF}">
-              <a14:hiddenLine xmlns="" xmlns:a14="http://schemas.microsoft.com/office/drawing/2010/main" w="9525">
+              <a14:hiddenLine xmlns:a14="http://schemas.microsoft.com/office/drawing/2010/main" xmlns="" w="9525">
                 <a:solidFill>
                   <a:schemeClr val="tx1"/>
                 </a:solidFill>
@@ -7384,7 +7255,7 @@
               </a14:hiddenLine>
             </a:ext>
             <a:ext uri="{AF507438-7753-43e0-B8FC-AC1667EBCBE1}">
-              <a14:hiddenEffects xmlns="" xmlns:a14="http://schemas.microsoft.com/office/drawing/2010/main">
+              <a14:hiddenEffects xmlns:a14="http://schemas.microsoft.com/office/drawing/2010/main" xmlns="">
                 <a:effectLst>
                   <a:outerShdw blurRad="63500" dist="38099" dir="2700000" algn="ctr" rotWithShape="0">
                     <a:schemeClr val="bg2">
@@ -7434,14 +7305,14 @@
           <a:effectLst/>
           <a:extLst>
             <a:ext uri="{909E8E84-426E-40dd-AFC4-6F175D3DCCD1}">
-              <a14:hiddenFill xmlns="" xmlns:a14="http://schemas.microsoft.com/office/drawing/2010/main">
+              <a14:hiddenFill xmlns:a14="http://schemas.microsoft.com/office/drawing/2010/main" xmlns="">
                 <a:solidFill>
                   <a:schemeClr val="accent1"/>
                 </a:solidFill>
               </a14:hiddenFill>
             </a:ext>
             <a:ext uri="{91240B29-F687-4f45-9708-019B960494DF}">
-              <a14:hiddenLine xmlns="" xmlns:a14="http://schemas.microsoft.com/office/drawing/2010/main" w="9525">
+              <a14:hiddenLine xmlns:a14="http://schemas.microsoft.com/office/drawing/2010/main" xmlns="" w="9525">
                 <a:solidFill>
                   <a:schemeClr val="tx1"/>
                 </a:solidFill>
@@ -7451,7 +7322,7 @@
               </a14:hiddenLine>
             </a:ext>
             <a:ext uri="{AF507438-7753-43e0-B8FC-AC1667EBCBE1}">
-              <a14:hiddenEffects xmlns="" xmlns:a14="http://schemas.microsoft.com/office/drawing/2010/main">
+              <a14:hiddenEffects xmlns:a14="http://schemas.microsoft.com/office/drawing/2010/main" xmlns="">
                 <a:effectLst>
                   <a:outerShdw blurRad="63500" dist="38099" dir="2700000" algn="ctr" rotWithShape="0">
                     <a:schemeClr val="bg2">
@@ -7635,14 +7506,14 @@
           <a:effectLst/>
           <a:extLst>
             <a:ext uri="{909E8E84-426E-40dd-AFC4-6F175D3DCCD1}">
-              <a14:hiddenFill xmlns="" xmlns:a14="http://schemas.microsoft.com/office/drawing/2010/main">
+              <a14:hiddenFill xmlns:a14="http://schemas.microsoft.com/office/drawing/2010/main" xmlns="">
                 <a:solidFill>
                   <a:schemeClr val="accent1"/>
                 </a:solidFill>
               </a14:hiddenFill>
             </a:ext>
             <a:ext uri="{91240B29-F687-4f45-9708-019B960494DF}">
-              <a14:hiddenLine xmlns="" xmlns:a14="http://schemas.microsoft.com/office/drawing/2010/main" w="9525">
+              <a14:hiddenLine xmlns:a14="http://schemas.microsoft.com/office/drawing/2010/main" xmlns="" w="9525">
                 <a:solidFill>
                   <a:schemeClr val="tx1"/>
                 </a:solidFill>
@@ -7652,7 +7523,7 @@
               </a14:hiddenLine>
             </a:ext>
             <a:ext uri="{AF507438-7753-43e0-B8FC-AC1667EBCBE1}">
-              <a14:hiddenEffects xmlns="" xmlns:a14="http://schemas.microsoft.com/office/drawing/2010/main">
+              <a14:hiddenEffects xmlns:a14="http://schemas.microsoft.com/office/drawing/2010/main" xmlns="">
                 <a:effectLst>
                   <a:outerShdw blurRad="63500" dist="38099" dir="2700000" algn="ctr" rotWithShape="0">
                     <a:schemeClr val="bg2">
@@ -7709,14 +7580,14 @@
           <a:effectLst/>
           <a:extLst>
             <a:ext uri="{909E8E84-426E-40dd-AFC4-6F175D3DCCD1}">
-              <a14:hiddenFill xmlns="" xmlns:a14="http://schemas.microsoft.com/office/drawing/2010/main">
+              <a14:hiddenFill xmlns:a14="http://schemas.microsoft.com/office/drawing/2010/main" xmlns="">
                 <a:solidFill>
                   <a:schemeClr val="accent1"/>
                 </a:solidFill>
               </a14:hiddenFill>
             </a:ext>
             <a:ext uri="{91240B29-F687-4f45-9708-019B960494DF}">
-              <a14:hiddenLine xmlns="" xmlns:a14="http://schemas.microsoft.com/office/drawing/2010/main" w="9525">
+              <a14:hiddenLine xmlns:a14="http://schemas.microsoft.com/office/drawing/2010/main" xmlns="" w="9525">
                 <a:solidFill>
                   <a:schemeClr val="tx1"/>
                 </a:solidFill>
@@ -7726,7 +7597,7 @@
               </a14:hiddenLine>
             </a:ext>
             <a:ext uri="{AF507438-7753-43e0-B8FC-AC1667EBCBE1}">
-              <a14:hiddenEffects xmlns="" xmlns:a14="http://schemas.microsoft.com/office/drawing/2010/main">
+              <a14:hiddenEffects xmlns:a14="http://schemas.microsoft.com/office/drawing/2010/main" xmlns="">
                 <a:effectLst>
                   <a:outerShdw blurRad="63500" dist="38099" dir="2700000" algn="ctr" rotWithShape="0">
                     <a:schemeClr val="bg2">
@@ -7783,14 +7654,14 @@
           <a:effectLst/>
           <a:extLst>
             <a:ext uri="{909E8E84-426E-40dd-AFC4-6F175D3DCCD1}">
-              <a14:hiddenFill xmlns="" xmlns:a14="http://schemas.microsoft.com/office/drawing/2010/main">
+              <a14:hiddenFill xmlns:a14="http://schemas.microsoft.com/office/drawing/2010/main" xmlns="">
                 <a:solidFill>
                   <a:schemeClr val="accent1"/>
                 </a:solidFill>
               </a14:hiddenFill>
             </a:ext>
             <a:ext uri="{91240B29-F687-4f45-9708-019B960494DF}">
-              <a14:hiddenLine xmlns="" xmlns:a14="http://schemas.microsoft.com/office/drawing/2010/main" w="9525">
+              <a14:hiddenLine xmlns:a14="http://schemas.microsoft.com/office/drawing/2010/main" xmlns="" w="9525">
                 <a:solidFill>
                   <a:schemeClr val="tx1"/>
                 </a:solidFill>
@@ -7800,7 +7671,7 @@
               </a14:hiddenLine>
             </a:ext>
             <a:ext uri="{AF507438-7753-43e0-B8FC-AC1667EBCBE1}">
-              <a14:hiddenEffects xmlns="" xmlns:a14="http://schemas.microsoft.com/office/drawing/2010/main">
+              <a14:hiddenEffects xmlns:a14="http://schemas.microsoft.com/office/drawing/2010/main" xmlns="">
                 <a:effectLst>
                   <a:outerShdw blurRad="63500" dist="38099" dir="2700000" algn="ctr" rotWithShape="0">
                     <a:schemeClr val="bg2">
@@ -7940,7 +7811,7 @@
           <a:effectLst/>
           <a:extLst>
             <a:ext uri="{AF507438-7753-43e0-B8FC-AC1667EBCBE1}">
-              <a14:hiddenEffects xmlns="" xmlns:a14="http://schemas.microsoft.com/office/drawing/2010/main">
+              <a14:hiddenEffects xmlns:a14="http://schemas.microsoft.com/office/drawing/2010/main" xmlns="">
                 <a:effectLst>
                   <a:outerShdw blurRad="63500" dist="38099" dir="2700000" algn="ctr" rotWithShape="0">
                     <a:schemeClr val="bg2">
@@ -7990,7 +7861,7 @@
           <a:effectLst/>
           <a:extLst>
             <a:ext uri="{AF507438-7753-43e0-B8FC-AC1667EBCBE1}">
-              <a14:hiddenEffects xmlns="" xmlns:a14="http://schemas.microsoft.com/office/drawing/2010/main">
+              <a14:hiddenEffects xmlns:a14="http://schemas.microsoft.com/office/drawing/2010/main" xmlns="">
                 <a:effectLst>
                   <a:outerShdw blurRad="63500" dist="38099" dir="2700000" algn="ctr" rotWithShape="0">
                     <a:schemeClr val="bg2">
@@ -8040,7 +7911,7 @@
           <a:effectLst/>
           <a:extLst>
             <a:ext uri="{AF507438-7753-43e0-B8FC-AC1667EBCBE1}">
-              <a14:hiddenEffects xmlns="" xmlns:a14="http://schemas.microsoft.com/office/drawing/2010/main">
+              <a14:hiddenEffects xmlns:a14="http://schemas.microsoft.com/office/drawing/2010/main" xmlns="">
                 <a:effectLst>
                   <a:outerShdw blurRad="63500" dist="38099" dir="2700000" algn="ctr" rotWithShape="0">
                     <a:schemeClr val="bg2">
@@ -8090,7 +7961,7 @@
           <a:effectLst/>
           <a:extLst>
             <a:ext uri="{AF507438-7753-43e0-B8FC-AC1667EBCBE1}">
-              <a14:hiddenEffects xmlns="" xmlns:a14="http://schemas.microsoft.com/office/drawing/2010/main">
+              <a14:hiddenEffects xmlns:a14="http://schemas.microsoft.com/office/drawing/2010/main" xmlns="">
                 <a:effectLst>
                   <a:outerShdw blurRad="63500" dist="38099" dir="2700000" algn="ctr" rotWithShape="0">
                     <a:schemeClr val="bg2">
@@ -8140,7 +8011,7 @@
           <a:effectLst/>
           <a:extLst>
             <a:ext uri="{AF507438-7753-43e0-B8FC-AC1667EBCBE1}">
-              <a14:hiddenEffects xmlns="" xmlns:a14="http://schemas.microsoft.com/office/drawing/2010/main">
+              <a14:hiddenEffects xmlns:a14="http://schemas.microsoft.com/office/drawing/2010/main" xmlns="">
                 <a:effectLst>
                   <a:outerShdw blurRad="63500" dist="38099" dir="2700000" algn="ctr" rotWithShape="0">
                     <a:schemeClr val="bg2">
@@ -8190,7 +8061,7 @@
           <a:effectLst/>
           <a:extLst>
             <a:ext uri="{AF507438-7753-43e0-B8FC-AC1667EBCBE1}">
-              <a14:hiddenEffects xmlns="" xmlns:a14="http://schemas.microsoft.com/office/drawing/2010/main">
+              <a14:hiddenEffects xmlns:a14="http://schemas.microsoft.com/office/drawing/2010/main" xmlns="">
                 <a:effectLst>
                   <a:outerShdw blurRad="63500" dist="38099" dir="2700000" algn="ctr" rotWithShape="0">
                     <a:schemeClr val="bg2">
@@ -8240,7 +8111,7 @@
           <a:effectLst/>
           <a:extLst>
             <a:ext uri="{AF507438-7753-43e0-B8FC-AC1667EBCBE1}">
-              <a14:hiddenEffects xmlns="" xmlns:a14="http://schemas.microsoft.com/office/drawing/2010/main">
+              <a14:hiddenEffects xmlns:a14="http://schemas.microsoft.com/office/drawing/2010/main" xmlns="">
                 <a:effectLst>
                   <a:outerShdw blurRad="63500" dist="38099" dir="2700000" algn="ctr" rotWithShape="0">
                     <a:schemeClr val="bg2">
@@ -8290,7 +8161,7 @@
           <a:effectLst/>
           <a:extLst>
             <a:ext uri="{AF507438-7753-43e0-B8FC-AC1667EBCBE1}">
-              <a14:hiddenEffects xmlns="" xmlns:a14="http://schemas.microsoft.com/office/drawing/2010/main">
+              <a14:hiddenEffects xmlns:a14="http://schemas.microsoft.com/office/drawing/2010/main" xmlns="">
                 <a:effectLst>
                   <a:outerShdw blurRad="63500" dist="38099" dir="2700000" algn="ctr" rotWithShape="0">
                     <a:schemeClr val="bg2">
@@ -8340,7 +8211,7 @@
           <a:effectLst/>
           <a:extLst>
             <a:ext uri="{AF507438-7753-43e0-B8FC-AC1667EBCBE1}">
-              <a14:hiddenEffects xmlns="" xmlns:a14="http://schemas.microsoft.com/office/drawing/2010/main">
+              <a14:hiddenEffects xmlns:a14="http://schemas.microsoft.com/office/drawing/2010/main" xmlns="">
                 <a:effectLst>
                   <a:outerShdw blurRad="63500" dist="38099" dir="2700000" algn="ctr" rotWithShape="0">
                     <a:schemeClr val="bg2">
@@ -8390,7 +8261,7 @@
           <a:effectLst/>
           <a:extLst>
             <a:ext uri="{AF507438-7753-43e0-B8FC-AC1667EBCBE1}">
-              <a14:hiddenEffects xmlns="" xmlns:a14="http://schemas.microsoft.com/office/drawing/2010/main">
+              <a14:hiddenEffects xmlns:a14="http://schemas.microsoft.com/office/drawing/2010/main" xmlns="">
                 <a:effectLst>
                   <a:outerShdw blurRad="63500" dist="38099" dir="2700000" algn="ctr" rotWithShape="0">
                     <a:schemeClr val="bg2">
@@ -8438,12 +8309,12 @@
           <a:effectLst/>
           <a:extLst>
             <a:ext uri="{909E8E84-426E-40dd-AFC4-6F175D3DCCD1}">
-              <a14:hiddenFill xmlns="" xmlns:a14="http://schemas.microsoft.com/office/drawing/2010/main">
+              <a14:hiddenFill xmlns:a14="http://schemas.microsoft.com/office/drawing/2010/main" xmlns="">
                 <a:noFill/>
               </a14:hiddenFill>
             </a:ext>
             <a:ext uri="{AF507438-7753-43e0-B8FC-AC1667EBCBE1}">
-              <a14:hiddenEffects xmlns="" xmlns:a14="http://schemas.microsoft.com/office/drawing/2010/main">
+              <a14:hiddenEffects xmlns:a14="http://schemas.microsoft.com/office/drawing/2010/main" xmlns="">
                 <a:effectLst>
                   <a:outerShdw blurRad="63500" dist="38099" dir="2700000" algn="ctr" rotWithShape="0">
                     <a:schemeClr val="bg2">
@@ -8491,12 +8362,12 @@
           <a:effectLst/>
           <a:extLst>
             <a:ext uri="{909E8E84-426E-40dd-AFC4-6F175D3DCCD1}">
-              <a14:hiddenFill xmlns="" xmlns:a14="http://schemas.microsoft.com/office/drawing/2010/main">
+              <a14:hiddenFill xmlns:a14="http://schemas.microsoft.com/office/drawing/2010/main" xmlns="">
                 <a:noFill/>
               </a14:hiddenFill>
             </a:ext>
             <a:ext uri="{AF507438-7753-43e0-B8FC-AC1667EBCBE1}">
-              <a14:hiddenEffects xmlns="" xmlns:a14="http://schemas.microsoft.com/office/drawing/2010/main">
+              <a14:hiddenEffects xmlns:a14="http://schemas.microsoft.com/office/drawing/2010/main" xmlns="">
                 <a:effectLst>
                   <a:outerShdw blurRad="63500" dist="38099" dir="2700000" algn="ctr" rotWithShape="0">
                     <a:schemeClr val="bg2">
@@ -8544,12 +8415,12 @@
           <a:effectLst/>
           <a:extLst>
             <a:ext uri="{909E8E84-426E-40dd-AFC4-6F175D3DCCD1}">
-              <a14:hiddenFill xmlns="" xmlns:a14="http://schemas.microsoft.com/office/drawing/2010/main">
+              <a14:hiddenFill xmlns:a14="http://schemas.microsoft.com/office/drawing/2010/main" xmlns="">
                 <a:noFill/>
               </a14:hiddenFill>
             </a:ext>
             <a:ext uri="{AF507438-7753-43e0-B8FC-AC1667EBCBE1}">
-              <a14:hiddenEffects xmlns="" xmlns:a14="http://schemas.microsoft.com/office/drawing/2010/main">
+              <a14:hiddenEffects xmlns:a14="http://schemas.microsoft.com/office/drawing/2010/main" xmlns="">
                 <a:effectLst>
                   <a:outerShdw blurRad="63500" dist="38099" dir="2700000" algn="ctr" rotWithShape="0">
                     <a:schemeClr val="bg2">
@@ -8597,12 +8468,12 @@
           <a:effectLst/>
           <a:extLst>
             <a:ext uri="{909E8E84-426E-40dd-AFC4-6F175D3DCCD1}">
-              <a14:hiddenFill xmlns="" xmlns:a14="http://schemas.microsoft.com/office/drawing/2010/main">
+              <a14:hiddenFill xmlns:a14="http://schemas.microsoft.com/office/drawing/2010/main" xmlns="">
                 <a:noFill/>
               </a14:hiddenFill>
             </a:ext>
             <a:ext uri="{AF507438-7753-43e0-B8FC-AC1667EBCBE1}">
-              <a14:hiddenEffects xmlns="" xmlns:a14="http://schemas.microsoft.com/office/drawing/2010/main">
+              <a14:hiddenEffects xmlns:a14="http://schemas.microsoft.com/office/drawing/2010/main" xmlns="">
                 <a:effectLst>
                   <a:outerShdw blurRad="63500" dist="38099" dir="2700000" algn="ctr" rotWithShape="0">
                     <a:schemeClr val="bg2">
@@ -8650,12 +8521,12 @@
           <a:effectLst/>
           <a:extLst>
             <a:ext uri="{909E8E84-426E-40dd-AFC4-6F175D3DCCD1}">
-              <a14:hiddenFill xmlns="" xmlns:a14="http://schemas.microsoft.com/office/drawing/2010/main">
+              <a14:hiddenFill xmlns:a14="http://schemas.microsoft.com/office/drawing/2010/main" xmlns="">
                 <a:noFill/>
               </a14:hiddenFill>
             </a:ext>
             <a:ext uri="{AF507438-7753-43e0-B8FC-AC1667EBCBE1}">
-              <a14:hiddenEffects xmlns="" xmlns:a14="http://schemas.microsoft.com/office/drawing/2010/main">
+              <a14:hiddenEffects xmlns:a14="http://schemas.microsoft.com/office/drawing/2010/main" xmlns="">
                 <a:effectLst>
                   <a:outerShdw blurRad="63500" dist="38099" dir="2700000" algn="ctr" rotWithShape="0">
                     <a:schemeClr val="bg2">
@@ -8703,12 +8574,12 @@
           <a:effectLst/>
           <a:extLst>
             <a:ext uri="{909E8E84-426E-40dd-AFC4-6F175D3DCCD1}">
-              <a14:hiddenFill xmlns="" xmlns:a14="http://schemas.microsoft.com/office/drawing/2010/main">
+              <a14:hiddenFill xmlns:a14="http://schemas.microsoft.com/office/drawing/2010/main" xmlns="">
                 <a:noFill/>
               </a14:hiddenFill>
             </a:ext>
             <a:ext uri="{AF507438-7753-43e0-B8FC-AC1667EBCBE1}">
-              <a14:hiddenEffects xmlns="" xmlns:a14="http://schemas.microsoft.com/office/drawing/2010/main">
+              <a14:hiddenEffects xmlns:a14="http://schemas.microsoft.com/office/drawing/2010/main" xmlns="">
                 <a:effectLst>
                   <a:outerShdw blurRad="63500" dist="38099" dir="2700000" algn="ctr" rotWithShape="0">
                     <a:schemeClr val="bg2">
@@ -8756,12 +8627,12 @@
           <a:effectLst/>
           <a:extLst>
             <a:ext uri="{909E8E84-426E-40dd-AFC4-6F175D3DCCD1}">
-              <a14:hiddenFill xmlns="" xmlns:a14="http://schemas.microsoft.com/office/drawing/2010/main">
+              <a14:hiddenFill xmlns:a14="http://schemas.microsoft.com/office/drawing/2010/main" xmlns="">
                 <a:noFill/>
               </a14:hiddenFill>
             </a:ext>
             <a:ext uri="{AF507438-7753-43e0-B8FC-AC1667EBCBE1}">
-              <a14:hiddenEffects xmlns="" xmlns:a14="http://schemas.microsoft.com/office/drawing/2010/main">
+              <a14:hiddenEffects xmlns:a14="http://schemas.microsoft.com/office/drawing/2010/main" xmlns="">
                 <a:effectLst>
                   <a:outerShdw blurRad="63500" dist="38099" dir="2700000" algn="ctr" rotWithShape="0">
                     <a:schemeClr val="bg2">
@@ -8809,12 +8680,12 @@
           <a:effectLst/>
           <a:extLst>
             <a:ext uri="{909E8E84-426E-40dd-AFC4-6F175D3DCCD1}">
-              <a14:hiddenFill xmlns="" xmlns:a14="http://schemas.microsoft.com/office/drawing/2010/main">
+              <a14:hiddenFill xmlns:a14="http://schemas.microsoft.com/office/drawing/2010/main" xmlns="">
                 <a:noFill/>
               </a14:hiddenFill>
             </a:ext>
             <a:ext uri="{AF507438-7753-43e0-B8FC-AC1667EBCBE1}">
-              <a14:hiddenEffects xmlns="" xmlns:a14="http://schemas.microsoft.com/office/drawing/2010/main">
+              <a14:hiddenEffects xmlns:a14="http://schemas.microsoft.com/office/drawing/2010/main" xmlns="">
                 <a:effectLst>
                   <a:outerShdw blurRad="63500" dist="38099" dir="2700000" algn="ctr" rotWithShape="0">
                     <a:schemeClr val="bg2">
@@ -8862,12 +8733,12 @@
           <a:effectLst/>
           <a:extLst>
             <a:ext uri="{909E8E84-426E-40dd-AFC4-6F175D3DCCD1}">
-              <a14:hiddenFill xmlns="" xmlns:a14="http://schemas.microsoft.com/office/drawing/2010/main">
+              <a14:hiddenFill xmlns:a14="http://schemas.microsoft.com/office/drawing/2010/main" xmlns="">
                 <a:noFill/>
               </a14:hiddenFill>
             </a:ext>
             <a:ext uri="{AF507438-7753-43e0-B8FC-AC1667EBCBE1}">
-              <a14:hiddenEffects xmlns="" xmlns:a14="http://schemas.microsoft.com/office/drawing/2010/main">
+              <a14:hiddenEffects xmlns:a14="http://schemas.microsoft.com/office/drawing/2010/main" xmlns="">
                 <a:effectLst>
                   <a:outerShdw blurRad="63500" dist="38099" dir="2700000" algn="ctr" rotWithShape="0">
                     <a:schemeClr val="bg2">
@@ -8915,12 +8786,12 @@
           <a:effectLst/>
           <a:extLst>
             <a:ext uri="{909E8E84-426E-40dd-AFC4-6F175D3DCCD1}">
-              <a14:hiddenFill xmlns="" xmlns:a14="http://schemas.microsoft.com/office/drawing/2010/main">
+              <a14:hiddenFill xmlns:a14="http://schemas.microsoft.com/office/drawing/2010/main" xmlns="">
                 <a:noFill/>
               </a14:hiddenFill>
             </a:ext>
             <a:ext uri="{AF507438-7753-43e0-B8FC-AC1667EBCBE1}">
-              <a14:hiddenEffects xmlns="" xmlns:a14="http://schemas.microsoft.com/office/drawing/2010/main">
+              <a14:hiddenEffects xmlns:a14="http://schemas.microsoft.com/office/drawing/2010/main" xmlns="">
                 <a:effectLst>
                   <a:outerShdw blurRad="63500" dist="38099" dir="2700000" algn="ctr" rotWithShape="0">
                     <a:schemeClr val="bg2">
@@ -8963,14 +8834,14 @@
           <a:effectLst/>
           <a:extLst>
             <a:ext uri="{909E8E84-426E-40dd-AFC4-6F175D3DCCD1}">
-              <a14:hiddenFill xmlns="" xmlns:a14="http://schemas.microsoft.com/office/drawing/2010/main">
+              <a14:hiddenFill xmlns:a14="http://schemas.microsoft.com/office/drawing/2010/main" xmlns="">
                 <a:solidFill>
                   <a:schemeClr val="accent1"/>
                 </a:solidFill>
               </a14:hiddenFill>
             </a:ext>
             <a:ext uri="{91240B29-F687-4f45-9708-019B960494DF}">
-              <a14:hiddenLine xmlns="" xmlns:a14="http://schemas.microsoft.com/office/drawing/2010/main" w="9525">
+              <a14:hiddenLine xmlns:a14="http://schemas.microsoft.com/office/drawing/2010/main" xmlns="" w="9525">
                 <a:solidFill>
                   <a:schemeClr val="tx1"/>
                 </a:solidFill>
@@ -8980,7 +8851,7 @@
               </a14:hiddenLine>
             </a:ext>
             <a:ext uri="{AF507438-7753-43e0-B8FC-AC1667EBCBE1}">
-              <a14:hiddenEffects xmlns="" xmlns:a14="http://schemas.microsoft.com/office/drawing/2010/main">
+              <a14:hiddenEffects xmlns:a14="http://schemas.microsoft.com/office/drawing/2010/main" xmlns="">
                 <a:effectLst>
                   <a:outerShdw blurRad="63500" dist="38099" dir="2700000" algn="ctr" rotWithShape="0">
                     <a:schemeClr val="bg2">
@@ -9033,14 +8904,14 @@
           <a:effectLst/>
           <a:extLst>
             <a:ext uri="{909E8E84-426E-40dd-AFC4-6F175D3DCCD1}">
-              <a14:hiddenFill xmlns="" xmlns:a14="http://schemas.microsoft.com/office/drawing/2010/main">
+              <a14:hiddenFill xmlns:a14="http://schemas.microsoft.com/office/drawing/2010/main" xmlns="">
                 <a:solidFill>
                   <a:schemeClr val="accent1"/>
                 </a:solidFill>
               </a14:hiddenFill>
             </a:ext>
             <a:ext uri="{91240B29-F687-4f45-9708-019B960494DF}">
-              <a14:hiddenLine xmlns="" xmlns:a14="http://schemas.microsoft.com/office/drawing/2010/main" w="9525">
+              <a14:hiddenLine xmlns:a14="http://schemas.microsoft.com/office/drawing/2010/main" xmlns="" w="9525">
                 <a:solidFill>
                   <a:schemeClr val="tx1"/>
                 </a:solidFill>
@@ -9050,7 +8921,7 @@
               </a14:hiddenLine>
             </a:ext>
             <a:ext uri="{AF507438-7753-43e0-B8FC-AC1667EBCBE1}">
-              <a14:hiddenEffects xmlns="" xmlns:a14="http://schemas.microsoft.com/office/drawing/2010/main">
+              <a14:hiddenEffects xmlns:a14="http://schemas.microsoft.com/office/drawing/2010/main" xmlns="">
                 <a:effectLst>
                   <a:outerShdw blurRad="63500" dist="38099" dir="2700000" algn="ctr" rotWithShape="0">
                     <a:schemeClr val="bg2">
@@ -9103,14 +8974,14 @@
           <a:effectLst/>
           <a:extLst>
             <a:ext uri="{909E8E84-426E-40dd-AFC4-6F175D3DCCD1}">
-              <a14:hiddenFill xmlns="" xmlns:a14="http://schemas.microsoft.com/office/drawing/2010/main">
+              <a14:hiddenFill xmlns:a14="http://schemas.microsoft.com/office/drawing/2010/main" xmlns="">
                 <a:solidFill>
                   <a:schemeClr val="accent1"/>
                 </a:solidFill>
               </a14:hiddenFill>
             </a:ext>
             <a:ext uri="{91240B29-F687-4f45-9708-019B960494DF}">
-              <a14:hiddenLine xmlns="" xmlns:a14="http://schemas.microsoft.com/office/drawing/2010/main" w="9525">
+              <a14:hiddenLine xmlns:a14="http://schemas.microsoft.com/office/drawing/2010/main" xmlns="" w="9525">
                 <a:solidFill>
                   <a:schemeClr val="tx1"/>
                 </a:solidFill>
@@ -9120,7 +8991,7 @@
               </a14:hiddenLine>
             </a:ext>
             <a:ext uri="{AF507438-7753-43e0-B8FC-AC1667EBCBE1}">
-              <a14:hiddenEffects xmlns="" xmlns:a14="http://schemas.microsoft.com/office/drawing/2010/main">
+              <a14:hiddenEffects xmlns:a14="http://schemas.microsoft.com/office/drawing/2010/main" xmlns="">
                 <a:effectLst>
                   <a:outerShdw blurRad="63500" dist="38099" dir="2700000" algn="ctr" rotWithShape="0">
                     <a:schemeClr val="bg2">
@@ -9173,14 +9044,14 @@
           <a:effectLst/>
           <a:extLst>
             <a:ext uri="{909E8E84-426E-40dd-AFC4-6F175D3DCCD1}">
-              <a14:hiddenFill xmlns="" xmlns:a14="http://schemas.microsoft.com/office/drawing/2010/main">
+              <a14:hiddenFill xmlns:a14="http://schemas.microsoft.com/office/drawing/2010/main" xmlns="">
                 <a:solidFill>
                   <a:schemeClr val="accent1"/>
                 </a:solidFill>
               </a14:hiddenFill>
             </a:ext>
             <a:ext uri="{91240B29-F687-4f45-9708-019B960494DF}">
-              <a14:hiddenLine xmlns="" xmlns:a14="http://schemas.microsoft.com/office/drawing/2010/main" w="9525">
+              <a14:hiddenLine xmlns:a14="http://schemas.microsoft.com/office/drawing/2010/main" xmlns="" w="9525">
                 <a:solidFill>
                   <a:schemeClr val="tx1"/>
                 </a:solidFill>
@@ -9190,7 +9061,7 @@
               </a14:hiddenLine>
             </a:ext>
             <a:ext uri="{AF507438-7753-43e0-B8FC-AC1667EBCBE1}">
-              <a14:hiddenEffects xmlns="" xmlns:a14="http://schemas.microsoft.com/office/drawing/2010/main">
+              <a14:hiddenEffects xmlns:a14="http://schemas.microsoft.com/office/drawing/2010/main" xmlns="">
                 <a:effectLst>
                   <a:outerShdw blurRad="63500" dist="38099" dir="2700000" algn="ctr" rotWithShape="0">
                     <a:schemeClr val="bg2">
@@ -9441,2473 +9312,37 @@
       </p:grpSpPr>
       <p:sp>
         <p:nvSpPr>
-          <p:cNvPr id="27" name="Slide Number Placeholder 5"/>
+          <p:cNvPr id="5" name="Title 4">
+            <a:extLst>
+              <a:ext uri="{FF2B5EF4-FFF2-40B4-BE49-F238E27FC236}">
+                <a16:creationId xmlns:a16="http://schemas.microsoft.com/office/drawing/2014/main" id="{3C485A7A-6D4C-6449-95D3-D40C9E876BB6}"/>
+              </a:ext>
+            </a:extLst>
+          </p:cNvPr>
           <p:cNvSpPr>
             <a:spLocks noGrp="1"/>
           </p:cNvSpPr>
           <p:nvPr>
-            <p:ph type="sldNum" sz="quarter" idx="12"/>
+            <p:ph type="ctrTitle"/>
           </p:nvPr>
         </p:nvSpPr>
         <p:spPr/>
         <p:txBody>
-          <a:bodyPr/>
-          <a:lstStyle/>
-          <a:p>
-            <a:fld id="{EE57AEBE-EF3A-0842-9B43-17A51AF0CA97}" type="slidenum">
-              <a:rPr lang="en-US"/>
-              <a:pPr/>
-              <a:t>18</a:t>
-            </a:fld>
-            <a:endParaRPr lang="en-US"/>
-          </a:p>
-        </p:txBody>
-      </p:sp>
-      <p:sp>
-        <p:nvSpPr>
-          <p:cNvPr id="14338" name="Rectangle 2"/>
-          <p:cNvSpPr>
-            <a:spLocks noGrp="1" noChangeArrowheads="1"/>
-          </p:cNvSpPr>
-          <p:nvPr>
-            <p:ph type="title"/>
-          </p:nvPr>
-        </p:nvSpPr>
-        <p:spPr/>
-        <p:txBody>
-          <a:bodyPr/>
-          <a:lstStyle/>
-          <a:p>
-            <a:r>
-              <a:rPr lang="en-US"/>
-              <a:t>Netflow Processing</a:t>
-            </a:r>
-          </a:p>
-        </p:txBody>
-      </p:sp>
-      <p:sp>
-        <p:nvSpPr>
-          <p:cNvPr id="14339" name="AutoShape 3"/>
-          <p:cNvSpPr>
-            <a:spLocks noChangeArrowheads="1"/>
-          </p:cNvSpPr>
-          <p:nvPr/>
-        </p:nvSpPr>
-        <p:spPr bwMode="auto">
-          <a:xfrm rot="1800000">
-            <a:off x="6467475" y="4065588"/>
-            <a:ext cx="933451" cy="487363"/>
-          </a:xfrm>
-          <a:custGeom>
-            <a:avLst/>
-            <a:gdLst>
-              <a:gd name="G0" fmla="+- 16200 0 0"/>
-              <a:gd name="G1" fmla="+- 5400 0 0"/>
-              <a:gd name="G2" fmla="+- 21600 0 5400"/>
-              <a:gd name="G3" fmla="+- 10800 0 5400"/>
-              <a:gd name="G4" fmla="+- 21600 0 16200"/>
-              <a:gd name="G5" fmla="*/ G4 G3 10800"/>
-              <a:gd name="G6" fmla="+- 21600 0 G5"/>
-              <a:gd name="T0" fmla="*/ 16200 w 21600"/>
-              <a:gd name="T1" fmla="*/ 0 h 21600"/>
-              <a:gd name="T2" fmla="*/ 0 w 21600"/>
-              <a:gd name="T3" fmla="*/ 10800 h 21600"/>
-              <a:gd name="T4" fmla="*/ 16200 w 21600"/>
-              <a:gd name="T5" fmla="*/ 21600 h 21600"/>
-              <a:gd name="T6" fmla="*/ 21600 w 21600"/>
-              <a:gd name="T7" fmla="*/ 10800 h 21600"/>
-              <a:gd name="T8" fmla="*/ 17694720 60000 65536"/>
-              <a:gd name="T9" fmla="*/ 11796480 60000 65536"/>
-              <a:gd name="T10" fmla="*/ 5898240 60000 65536"/>
-              <a:gd name="T11" fmla="*/ 0 60000 65536"/>
-              <a:gd name="T12" fmla="*/ 3375 w 21600"/>
-              <a:gd name="T13" fmla="*/ G1 h 21600"/>
-              <a:gd name="T14" fmla="*/ G6 w 21600"/>
-              <a:gd name="T15" fmla="*/ G2 h 21600"/>
-            </a:gdLst>
-            <a:ahLst/>
-            <a:cxnLst>
-              <a:cxn ang="T8">
-                <a:pos x="T0" y="T1"/>
-              </a:cxn>
-              <a:cxn ang="T9">
-                <a:pos x="T2" y="T3"/>
-              </a:cxn>
-              <a:cxn ang="T10">
-                <a:pos x="T4" y="T5"/>
-              </a:cxn>
-              <a:cxn ang="T11">
-                <a:pos x="T6" y="T7"/>
-              </a:cxn>
-            </a:cxnLst>
-            <a:rect l="T12" t="T13" r="T14" b="T15"/>
-            <a:pathLst>
-              <a:path w="21600" h="21600">
-                <a:moveTo>
-                  <a:pt x="16200" y="0"/>
-                </a:moveTo>
-                <a:lnTo>
-                  <a:pt x="16200" y="5400"/>
-                </a:lnTo>
-                <a:lnTo>
-                  <a:pt x="3375" y="5400"/>
-                </a:lnTo>
-                <a:lnTo>
-                  <a:pt x="3375" y="16200"/>
-                </a:lnTo>
-                <a:lnTo>
-                  <a:pt x="16200" y="16200"/>
-                </a:lnTo>
-                <a:lnTo>
-                  <a:pt x="16200" y="21600"/>
-                </a:lnTo>
-                <a:lnTo>
-                  <a:pt x="21600" y="10800"/>
-                </a:lnTo>
-                <a:close/>
-              </a:path>
-              <a:path w="21600" h="21600">
-                <a:moveTo>
-                  <a:pt x="1350" y="5400"/>
-                </a:moveTo>
-                <a:lnTo>
-                  <a:pt x="1350" y="16200"/>
-                </a:lnTo>
-                <a:lnTo>
-                  <a:pt x="2700" y="16200"/>
-                </a:lnTo>
-                <a:lnTo>
-                  <a:pt x="2700" y="5400"/>
-                </a:lnTo>
-                <a:close/>
-              </a:path>
-              <a:path w="21600" h="21600">
-                <a:moveTo>
-                  <a:pt x="0" y="5400"/>
-                </a:moveTo>
-                <a:lnTo>
-                  <a:pt x="0" y="16200"/>
-                </a:lnTo>
-                <a:lnTo>
-                  <a:pt x="675" y="16200"/>
-                </a:lnTo>
-                <a:lnTo>
-                  <a:pt x="675" y="5400"/>
-                </a:lnTo>
-                <a:close/>
-              </a:path>
-            </a:pathLst>
-          </a:custGeom>
-          <a:solidFill>
-            <a:srgbClr val="CCCC66"/>
-          </a:solidFill>
-          <a:ln w="9525">
-            <a:solidFill>
-              <a:srgbClr val="000080"/>
-            </a:solidFill>
-            <a:miter lim="800000"/>
-            <a:headEnd/>
-            <a:tailEnd/>
-          </a:ln>
-          <a:effectLst/>
-          <a:extLst>
-            <a:ext uri="{AF507438-7753-43e0-B8FC-AC1667EBCBE1}">
-              <a14:hiddenEffects xmlns="" xmlns:a14="http://schemas.microsoft.com/office/drawing/2010/main">
-                <a:effectLst>
-                  <a:outerShdw blurRad="63500" dist="38099" dir="2700000" algn="ctr" rotWithShape="0">
-                    <a:schemeClr val="bg2">
-                      <a:alpha val="74998"/>
-                    </a:schemeClr>
-                  </a:outerShdw>
-                </a:effectLst>
-              </a14:hiddenEffects>
-            </a:ext>
-          </a:extLst>
-        </p:spPr>
-        <p:txBody>
-          <a:bodyPr wrap="none" lIns="73025" tIns="36512" rIns="73025" bIns="36512" anchor="ctr"/>
-          <a:lstStyle/>
-          <a:p>
-            <a:endParaRPr lang="en-US"/>
-          </a:p>
-        </p:txBody>
-      </p:sp>
-      <p:sp>
-        <p:nvSpPr>
-          <p:cNvPr id="14340" name="AutoShape 4"/>
-          <p:cNvSpPr>
-            <a:spLocks noChangeArrowheads="1"/>
-          </p:cNvSpPr>
-          <p:nvPr/>
-        </p:nvSpPr>
-        <p:spPr bwMode="auto">
-          <a:xfrm rot="5400000">
-            <a:off x="5595939" y="-750887"/>
-            <a:ext cx="1016000" cy="7620000"/>
-          </a:xfrm>
-          <a:custGeom>
-            <a:avLst/>
-            <a:gdLst>
-              <a:gd name="G0" fmla="+- 16773 0 0"/>
-              <a:gd name="G1" fmla="+- 4122 0 0"/>
-              <a:gd name="G2" fmla="+- 21600 0 4122"/>
-              <a:gd name="G3" fmla="+- 10800 0 4122"/>
-              <a:gd name="G4" fmla="+- 21600 0 16773"/>
-              <a:gd name="G5" fmla="*/ G4 G3 10800"/>
-              <a:gd name="G6" fmla="+- 21600 0 G5"/>
-              <a:gd name="T0" fmla="*/ 16773 w 21600"/>
-              <a:gd name="T1" fmla="*/ 0 h 21600"/>
-              <a:gd name="T2" fmla="*/ 0 w 21600"/>
-              <a:gd name="T3" fmla="*/ 10800 h 21600"/>
-              <a:gd name="T4" fmla="*/ 16773 w 21600"/>
-              <a:gd name="T5" fmla="*/ 21600 h 21600"/>
-              <a:gd name="T6" fmla="*/ 21600 w 21600"/>
-              <a:gd name="T7" fmla="*/ 10800 h 21600"/>
-              <a:gd name="T8" fmla="*/ 17694720 60000 65536"/>
-              <a:gd name="T9" fmla="*/ 11796480 60000 65536"/>
-              <a:gd name="T10" fmla="*/ 5898240 60000 65536"/>
-              <a:gd name="T11" fmla="*/ 0 60000 65536"/>
-              <a:gd name="T12" fmla="*/ 3375 w 21600"/>
-              <a:gd name="T13" fmla="*/ G1 h 21600"/>
-              <a:gd name="T14" fmla="*/ G6 w 21600"/>
-              <a:gd name="T15" fmla="*/ G2 h 21600"/>
-            </a:gdLst>
-            <a:ahLst/>
-            <a:cxnLst>
-              <a:cxn ang="T8">
-                <a:pos x="T0" y="T1"/>
-              </a:cxn>
-              <a:cxn ang="T9">
-                <a:pos x="T2" y="T3"/>
-              </a:cxn>
-              <a:cxn ang="T10">
-                <a:pos x="T4" y="T5"/>
-              </a:cxn>
-              <a:cxn ang="T11">
-                <a:pos x="T6" y="T7"/>
-              </a:cxn>
-            </a:cxnLst>
-            <a:rect l="T12" t="T13" r="T14" b="T15"/>
-            <a:pathLst>
-              <a:path w="21600" h="21600">
-                <a:moveTo>
-                  <a:pt x="16773" y="0"/>
-                </a:moveTo>
-                <a:lnTo>
-                  <a:pt x="16773" y="4122"/>
-                </a:lnTo>
-                <a:lnTo>
-                  <a:pt x="3375" y="4122"/>
-                </a:lnTo>
-                <a:lnTo>
-                  <a:pt x="3375" y="17478"/>
-                </a:lnTo>
-                <a:lnTo>
-                  <a:pt x="16773" y="17478"/>
-                </a:lnTo>
-                <a:lnTo>
-                  <a:pt x="16773" y="21600"/>
-                </a:lnTo>
-                <a:lnTo>
-                  <a:pt x="21600" y="10800"/>
-                </a:lnTo>
-                <a:close/>
-              </a:path>
-              <a:path w="21600" h="21600">
-                <a:moveTo>
-                  <a:pt x="1350" y="4122"/>
-                </a:moveTo>
-                <a:lnTo>
-                  <a:pt x="1350" y="17478"/>
-                </a:lnTo>
-                <a:lnTo>
-                  <a:pt x="2700" y="17478"/>
-                </a:lnTo>
-                <a:lnTo>
-                  <a:pt x="2700" y="4122"/>
-                </a:lnTo>
-                <a:close/>
-              </a:path>
-              <a:path w="21600" h="21600">
-                <a:moveTo>
-                  <a:pt x="0" y="4122"/>
-                </a:moveTo>
-                <a:lnTo>
-                  <a:pt x="0" y="17478"/>
-                </a:lnTo>
-                <a:lnTo>
-                  <a:pt x="675" y="17478"/>
-                </a:lnTo>
-                <a:lnTo>
-                  <a:pt x="675" y="4122"/>
-                </a:lnTo>
-                <a:close/>
-              </a:path>
-            </a:pathLst>
-          </a:custGeom>
-          <a:solidFill>
-            <a:srgbClr val="CCCC66"/>
-          </a:solidFill>
-          <a:ln w="9525">
-            <a:solidFill>
-              <a:srgbClr val="000080"/>
-            </a:solidFill>
-            <a:miter lim="800000"/>
-            <a:headEnd/>
-            <a:tailEnd/>
-          </a:ln>
-          <a:effectLst/>
-          <a:extLst>
-            <a:ext uri="{AF507438-7753-43e0-B8FC-AC1667EBCBE1}">
-              <a14:hiddenEffects xmlns="" xmlns:a14="http://schemas.microsoft.com/office/drawing/2010/main">
-                <a:effectLst>
-                  <a:outerShdw blurRad="63500" dist="38099" dir="2700000" algn="ctr" rotWithShape="0">
-                    <a:schemeClr val="bg2">
-                      <a:alpha val="74998"/>
-                    </a:schemeClr>
-                  </a:outerShdw>
-                </a:effectLst>
-              </a14:hiddenEffects>
-            </a:ext>
-          </a:extLst>
-        </p:spPr>
-        <p:txBody>
-          <a:bodyPr wrap="none" lIns="73025" tIns="36512" rIns="73025" bIns="36512" anchor="ctr"/>
-          <a:lstStyle/>
-          <a:p>
-            <a:endParaRPr lang="en-US"/>
-          </a:p>
-        </p:txBody>
-      </p:sp>
-      <p:sp>
-        <p:nvSpPr>
-          <p:cNvPr id="14341" name="Text Box 5"/>
-          <p:cNvSpPr txBox="1">
-            <a:spLocks noChangeArrowheads="1"/>
-          </p:cNvSpPr>
-          <p:nvPr/>
-        </p:nvSpPr>
-        <p:spPr bwMode="auto">
-          <a:xfrm>
-            <a:off x="1700158" y="1370064"/>
-            <a:ext cx="5264262" cy="350736"/>
-          </a:xfrm>
-          <a:prstGeom prst="rect">
-            <a:avLst/>
-          </a:prstGeom>
-          <a:noFill/>
-          <a:ln>
-            <a:noFill/>
-          </a:ln>
-          <a:effectLst/>
-          <a:extLst>
-            <a:ext uri="{909E8E84-426E-40dd-AFC4-6F175D3DCCD1}">
-              <a14:hiddenFill xmlns="" xmlns:a14="http://schemas.microsoft.com/office/drawing/2010/main">
-                <a:solidFill>
-                  <a:schemeClr val="accent1"/>
-                </a:solidFill>
-              </a14:hiddenFill>
-            </a:ext>
-            <a:ext uri="{91240B29-F687-4f45-9708-019B960494DF}">
-              <a14:hiddenLine xmlns="" xmlns:a14="http://schemas.microsoft.com/office/drawing/2010/main" w="9525">
-                <a:solidFill>
-                  <a:schemeClr val="tx1"/>
-                </a:solidFill>
-                <a:miter lim="800000"/>
-                <a:headEnd/>
-                <a:tailEnd/>
-              </a14:hiddenLine>
-            </a:ext>
-            <a:ext uri="{AF507438-7753-43e0-B8FC-AC1667EBCBE1}">
-              <a14:hiddenEffects xmlns="" xmlns:a14="http://schemas.microsoft.com/office/drawing/2010/main">
-                <a:effectLst>
-                  <a:outerShdw blurRad="63500" dist="38099" dir="2700000" algn="ctr" rotWithShape="0">
-                    <a:schemeClr val="bg2">
-                      <a:alpha val="74998"/>
-                    </a:schemeClr>
-                  </a:outerShdw>
-                </a:effectLst>
-              </a14:hiddenEffects>
-            </a:ext>
-          </a:extLst>
-        </p:spPr>
-        <p:txBody>
-          <a:bodyPr wrap="none" lIns="73025" tIns="36512" rIns="73025" bIns="36512" anchor="ctr">
-            <a:spAutoFit/>
-          </a:bodyPr>
-          <a:lstStyle>
-            <a:lvl1pPr marL="457200" indent="-457200">
-              <a:defRPr>
-                <a:solidFill>
-                  <a:schemeClr val="tx1"/>
-                </a:solidFill>
-                <a:latin typeface="Arial" charset="0"/>
-                <a:ea typeface="ＭＳ Ｐゴシック" charset="0"/>
-              </a:defRPr>
-            </a:lvl1pPr>
-            <a:lvl2pPr marL="914400" indent="-457200">
-              <a:defRPr>
-                <a:solidFill>
-                  <a:schemeClr val="tx1"/>
-                </a:solidFill>
-                <a:latin typeface="Arial" charset="0"/>
-                <a:ea typeface="ＭＳ Ｐゴシック" charset="0"/>
-              </a:defRPr>
-            </a:lvl2pPr>
-            <a:lvl3pPr marL="1371600" indent="-457200">
-              <a:defRPr>
-                <a:solidFill>
-                  <a:schemeClr val="tx1"/>
-                </a:solidFill>
-                <a:latin typeface="Arial" charset="0"/>
-                <a:ea typeface="ＭＳ Ｐゴシック" charset="0"/>
-              </a:defRPr>
-            </a:lvl3pPr>
-            <a:lvl4pPr marL="1828800" indent="-457200">
-              <a:defRPr>
-                <a:solidFill>
-                  <a:schemeClr val="tx1"/>
-                </a:solidFill>
-                <a:latin typeface="Arial" charset="0"/>
-                <a:ea typeface="ＭＳ Ｐゴシック" charset="0"/>
-              </a:defRPr>
-            </a:lvl4pPr>
-            <a:lvl5pPr marL="2286000" indent="-457200">
-              <a:defRPr>
-                <a:solidFill>
-                  <a:schemeClr val="tx1"/>
-                </a:solidFill>
-                <a:latin typeface="Arial" charset="0"/>
-                <a:ea typeface="ＭＳ Ｐゴシック" charset="0"/>
-              </a:defRPr>
-            </a:lvl5pPr>
-            <a:lvl6pPr marL="2743200" indent="-457200" fontAlgn="base">
-              <a:spcBef>
-                <a:spcPct val="0"/>
-              </a:spcBef>
-              <a:spcAft>
-                <a:spcPct val="0"/>
-              </a:spcAft>
-              <a:defRPr>
-                <a:solidFill>
-                  <a:schemeClr val="tx1"/>
-                </a:solidFill>
-                <a:latin typeface="Arial" charset="0"/>
-                <a:ea typeface="ＭＳ Ｐゴシック" charset="0"/>
-              </a:defRPr>
-            </a:lvl6pPr>
-            <a:lvl7pPr marL="3200400" indent="-457200" fontAlgn="base">
-              <a:spcBef>
-                <a:spcPct val="0"/>
-              </a:spcBef>
-              <a:spcAft>
-                <a:spcPct val="0"/>
-              </a:spcAft>
-              <a:defRPr>
-                <a:solidFill>
-                  <a:schemeClr val="tx1"/>
-                </a:solidFill>
-                <a:latin typeface="Arial" charset="0"/>
-                <a:ea typeface="ＭＳ Ｐゴシック" charset="0"/>
-              </a:defRPr>
-            </a:lvl7pPr>
-            <a:lvl8pPr marL="3657600" indent="-457200" fontAlgn="base">
-              <a:spcBef>
-                <a:spcPct val="0"/>
-              </a:spcBef>
-              <a:spcAft>
-                <a:spcPct val="0"/>
-              </a:spcAft>
-              <a:defRPr>
-                <a:solidFill>
-                  <a:schemeClr val="tx1"/>
-                </a:solidFill>
-                <a:latin typeface="Arial" charset="0"/>
-                <a:ea typeface="ＭＳ Ｐゴシック" charset="0"/>
-              </a:defRPr>
-            </a:lvl8pPr>
-            <a:lvl9pPr marL="4114800" indent="-457200" fontAlgn="base">
-              <a:spcBef>
-                <a:spcPct val="0"/>
-              </a:spcBef>
-              <a:spcAft>
-                <a:spcPct val="0"/>
-              </a:spcAft>
-              <a:defRPr>
-                <a:solidFill>
-                  <a:schemeClr val="tx1"/>
-                </a:solidFill>
-                <a:latin typeface="Arial" charset="0"/>
-                <a:ea typeface="ＭＳ Ｐゴシック" charset="0"/>
-              </a:defRPr>
-            </a:lvl9pPr>
-          </a:lstStyle>
-          <a:p>
-            <a:pPr algn="ctr" eaLnBrk="0" hangingPunct="0">
-              <a:buFontTx/>
-              <a:buAutoNum type="arabicPeriod"/>
-            </a:pPr>
-            <a:r>
-              <a:rPr lang="en-US" b="1"/>
-              <a:t>Create and update flows in NetFlow Cache</a:t>
-            </a:r>
-          </a:p>
-        </p:txBody>
-      </p:sp>
-      <p:sp>
-        <p:nvSpPr>
-          <p:cNvPr id="14342" name="Text Box 6"/>
-          <p:cNvSpPr txBox="1">
-            <a:spLocks noChangeArrowheads="1"/>
-          </p:cNvSpPr>
-          <p:nvPr/>
-        </p:nvSpPr>
-        <p:spPr bwMode="auto">
-          <a:xfrm>
-            <a:off x="4381500" y="2667201"/>
-            <a:ext cx="3844707" cy="812401"/>
-          </a:xfrm>
-          <a:prstGeom prst="rect">
-            <a:avLst/>
-          </a:prstGeom>
-          <a:noFill/>
-          <a:ln>
-            <a:noFill/>
-          </a:ln>
-          <a:effectLst/>
-          <a:extLst>
-            <a:ext uri="{909E8E84-426E-40dd-AFC4-6F175D3DCCD1}">
-              <a14:hiddenFill xmlns="" xmlns:a14="http://schemas.microsoft.com/office/drawing/2010/main">
-                <a:solidFill>
-                  <a:schemeClr val="accent1"/>
-                </a:solidFill>
-              </a14:hiddenFill>
-            </a:ext>
-            <a:ext uri="{91240B29-F687-4f45-9708-019B960494DF}">
-              <a14:hiddenLine xmlns="" xmlns:a14="http://schemas.microsoft.com/office/drawing/2010/main" w="9525">
-                <a:solidFill>
-                  <a:schemeClr val="tx1"/>
-                </a:solidFill>
-                <a:miter lim="800000"/>
-                <a:headEnd/>
-                <a:tailEnd/>
-              </a14:hiddenLine>
-            </a:ext>
-            <a:ext uri="{AF507438-7753-43e0-B8FC-AC1667EBCBE1}">
-              <a14:hiddenEffects xmlns="" xmlns:a14="http://schemas.microsoft.com/office/drawing/2010/main">
-                <a:effectLst>
-                  <a:outerShdw blurRad="63500" dist="38099" dir="2700000" algn="ctr" rotWithShape="0">
-                    <a:schemeClr val="bg2">
-                      <a:alpha val="74998"/>
-                    </a:schemeClr>
-                  </a:outerShdw>
-                </a:effectLst>
-              </a14:hiddenEffects>
-            </a:ext>
-          </a:extLst>
-        </p:spPr>
-        <p:txBody>
-          <a:bodyPr wrap="none" lIns="73025" tIns="36512" rIns="73025" bIns="36512" anchor="ctr">
-            <a:spAutoFit/>
+          <a:bodyPr>
+            <a:normAutofit/>
           </a:bodyPr>
           <a:lstStyle/>
           <a:p>
-            <a:pPr eaLnBrk="0" hangingPunct="0">
-              <a:buFontTx/>
-              <a:buChar char="•"/>
-            </a:pPr>
-            <a:r>
-              <a:rPr lang="en-US" sz="1200" b="1">
-                <a:solidFill>
-                  <a:srgbClr val="0000FF"/>
-                </a:solidFill>
-              </a:rPr>
-              <a:t> Inactive timer</a:t>
-            </a:r>
-            <a:r>
-              <a:rPr lang="en-US" sz="1200" b="1"/>
-              <a:t> expired (15 sec is default)</a:t>
-            </a:r>
-          </a:p>
-          <a:p>
-            <a:pPr eaLnBrk="0" hangingPunct="0">
-              <a:buFontTx/>
-              <a:buChar char="•"/>
-            </a:pPr>
-            <a:r>
-              <a:rPr lang="en-US" sz="1200" b="1">
-                <a:solidFill>
-                  <a:srgbClr val="FF0000"/>
-                </a:solidFill>
-              </a:rPr>
-              <a:t> </a:t>
-            </a:r>
-            <a:r>
-              <a:rPr lang="en-US" sz="1200" b="1">
-                <a:solidFill>
-                  <a:srgbClr val="0000FF"/>
-                </a:solidFill>
-              </a:rPr>
-              <a:t>Active timer</a:t>
-            </a:r>
-            <a:r>
-              <a:rPr lang="en-US" sz="1200" b="1"/>
-              <a:t> expired (30 min (1800 sec) is default)</a:t>
-            </a:r>
-          </a:p>
-          <a:p>
-            <a:pPr eaLnBrk="0" hangingPunct="0">
-              <a:buFontTx/>
-              <a:buChar char="•"/>
-            </a:pPr>
-            <a:r>
-              <a:rPr lang="en-US" sz="1200" b="1"/>
-              <a:t>NetFlow </a:t>
-            </a:r>
-            <a:r>
-              <a:rPr lang="en-US" sz="1200" b="1">
-                <a:solidFill>
-                  <a:srgbClr val="0000FF"/>
-                </a:solidFill>
-              </a:rPr>
-              <a:t>cache is full</a:t>
-            </a:r>
-            <a:r>
-              <a:rPr lang="en-US" sz="1200" b="1"/>
-              <a:t> (oldest flows are expired)</a:t>
-            </a:r>
-          </a:p>
-          <a:p>
-            <a:pPr eaLnBrk="0" hangingPunct="0">
-              <a:buFontTx/>
-              <a:buChar char="•"/>
-            </a:pPr>
-            <a:r>
-              <a:rPr lang="en-US" sz="1200" b="1">
-                <a:solidFill>
-                  <a:srgbClr val="FF0000"/>
-                </a:solidFill>
-              </a:rPr>
-              <a:t> </a:t>
-            </a:r>
-            <a:r>
-              <a:rPr lang="en-US" sz="1200" b="1">
-                <a:solidFill>
-                  <a:srgbClr val="0000FF"/>
-                </a:solidFill>
-              </a:rPr>
-              <a:t>RST or FIN</a:t>
-            </a:r>
-            <a:r>
-              <a:rPr lang="en-US" sz="1200" b="1"/>
-              <a:t> TCP Flag</a:t>
-            </a:r>
-          </a:p>
-        </p:txBody>
-      </p:sp>
-      <p:sp>
-        <p:nvSpPr>
-          <p:cNvPr id="14343" name="AutoShape 7"/>
-          <p:cNvSpPr>
-            <a:spLocks noChangeArrowheads="1"/>
-          </p:cNvSpPr>
-          <p:nvPr/>
-        </p:nvSpPr>
-        <p:spPr bwMode="auto">
-          <a:xfrm>
-            <a:off x="5287963" y="5943601"/>
-            <a:ext cx="1447800" cy="581025"/>
-          </a:xfrm>
-          <a:prstGeom prst="roundRect">
-            <a:avLst>
-              <a:gd name="adj" fmla="val 16667"/>
-            </a:avLst>
-          </a:prstGeom>
-          <a:solidFill>
-            <a:srgbClr val="CCFFCC"/>
-          </a:solidFill>
-          <a:ln w="9525">
-            <a:solidFill>
-              <a:schemeClr val="tx1"/>
-            </a:solidFill>
-            <a:round/>
-            <a:headEnd/>
-            <a:tailEnd/>
-          </a:ln>
-          <a:effectLst/>
-          <a:extLst>
-            <a:ext uri="{AF507438-7753-43e0-B8FC-AC1667EBCBE1}">
-              <a14:hiddenEffects xmlns="" xmlns:a14="http://schemas.microsoft.com/office/drawing/2010/main">
-                <a:effectLst>
-                  <a:outerShdw blurRad="63500" dist="38099" dir="2700000" algn="ctr" rotWithShape="0">
-                    <a:schemeClr val="bg2">
-                      <a:alpha val="74998"/>
-                    </a:schemeClr>
-                  </a:outerShdw>
-                </a:effectLst>
-              </a14:hiddenEffects>
-            </a:ext>
-          </a:extLst>
-        </p:spPr>
-        <p:txBody>
-          <a:bodyPr wrap="none" lIns="73025" tIns="36512" rIns="73025" bIns="36512" anchor="ctr"/>
-          <a:lstStyle/>
-          <a:p>
-            <a:endParaRPr lang="en-US"/>
-          </a:p>
-        </p:txBody>
-      </p:sp>
-      <p:sp>
-        <p:nvSpPr>
-          <p:cNvPr id="14344" name="Oval 8"/>
-          <p:cNvSpPr>
-            <a:spLocks noChangeArrowheads="1"/>
-          </p:cNvSpPr>
-          <p:nvPr/>
-        </p:nvSpPr>
-        <p:spPr bwMode="auto">
-          <a:xfrm rot="16200000">
-            <a:off x="5014120" y="5919420"/>
-            <a:ext cx="879475" cy="623039"/>
-          </a:xfrm>
-          <a:prstGeom prst="ellipse">
-            <a:avLst/>
-          </a:prstGeom>
-          <a:noFill/>
-          <a:ln>
-            <a:noFill/>
-          </a:ln>
-          <a:effectLst/>
-          <a:extLst>
-            <a:ext uri="{909E8E84-426E-40dd-AFC4-6F175D3DCCD1}">
-              <a14:hiddenFill xmlns="" xmlns:a14="http://schemas.microsoft.com/office/drawing/2010/main">
-                <a:solidFill>
-                  <a:schemeClr val="accent1"/>
-                </a:solidFill>
-              </a14:hiddenFill>
-            </a:ext>
-            <a:ext uri="{91240B29-F687-4f45-9708-019B960494DF}">
-              <a14:hiddenLine xmlns="" xmlns:a14="http://schemas.microsoft.com/office/drawing/2010/main" w="9525">
-                <a:solidFill>
-                  <a:schemeClr val="tx1"/>
-                </a:solidFill>
-                <a:round/>
-                <a:headEnd/>
-                <a:tailEnd/>
-              </a14:hiddenLine>
-            </a:ext>
-            <a:ext uri="{AF507438-7753-43e0-B8FC-AC1667EBCBE1}">
-              <a14:hiddenEffects xmlns="" xmlns:a14="http://schemas.microsoft.com/office/drawing/2010/main">
-                <a:effectLst>
-                  <a:outerShdw blurRad="63500" dist="38099" dir="2700000" algn="ctr" rotWithShape="0">
-                    <a:schemeClr val="bg2">
-                      <a:alpha val="74998"/>
-                    </a:schemeClr>
-                  </a:outerShdw>
-                </a:effectLst>
-              </a14:hiddenEffects>
-            </a:ext>
-          </a:extLst>
-        </p:spPr>
-        <p:txBody>
-          <a:bodyPr lIns="73025" tIns="36512" rIns="73025" bIns="36512" anchor="ctr">
-            <a:spAutoFit/>
-          </a:bodyPr>
-          <a:lstStyle/>
-          <a:p>
-            <a:pPr marL="225420" indent="-225420" eaLnBrk="0" hangingPunct="0">
-              <a:buClr>
-                <a:schemeClr val="folHlink"/>
-              </a:buClr>
-            </a:pPr>
-            <a:r>
-              <a:rPr lang="en-US" sz="1200" b="1"/>
-              <a:t>Header</a:t>
-            </a:r>
-          </a:p>
-        </p:txBody>
-      </p:sp>
-      <p:sp>
-        <p:nvSpPr>
-          <p:cNvPr id="14345" name="Line 9"/>
-          <p:cNvSpPr>
-            <a:spLocks noChangeShapeType="1"/>
-          </p:cNvSpPr>
-          <p:nvPr/>
-        </p:nvSpPr>
-        <p:spPr bwMode="auto">
-          <a:xfrm>
-            <a:off x="5592764" y="5943601"/>
-            <a:ext cx="1587" cy="581025"/>
-          </a:xfrm>
-          <a:prstGeom prst="line">
-            <a:avLst/>
-          </a:prstGeom>
-          <a:noFill/>
-          <a:ln w="9525">
-            <a:solidFill>
-              <a:schemeClr val="tx1"/>
-            </a:solidFill>
-            <a:round/>
-            <a:headEnd/>
-            <a:tailEnd/>
-          </a:ln>
-          <a:effectLst/>
-          <a:extLst>
-            <a:ext uri="{909E8E84-426E-40dd-AFC4-6F175D3DCCD1}">
-              <a14:hiddenFill xmlns="" xmlns:a14="http://schemas.microsoft.com/office/drawing/2010/main">
-                <a:noFill/>
-              </a14:hiddenFill>
-            </a:ext>
-            <a:ext uri="{AF507438-7753-43e0-B8FC-AC1667EBCBE1}">
-              <a14:hiddenEffects xmlns="" xmlns:a14="http://schemas.microsoft.com/office/drawing/2010/main">
-                <a:effectLst>
-                  <a:outerShdw blurRad="63500" dist="38099" dir="2700000" algn="ctr" rotWithShape="0">
-                    <a:schemeClr val="bg2">
-                      <a:alpha val="74998"/>
-                    </a:schemeClr>
-                  </a:outerShdw>
-                </a:effectLst>
-              </a14:hiddenEffects>
-            </a:ext>
-          </a:extLst>
-        </p:spPr>
-        <p:txBody>
-          <a:bodyPr lIns="73025" tIns="36512" rIns="73025" bIns="36512"/>
-          <a:lstStyle/>
-          <a:p>
-            <a:endParaRPr lang="en-US"/>
-          </a:p>
-        </p:txBody>
-      </p:sp>
-      <p:sp>
-        <p:nvSpPr>
-          <p:cNvPr id="14346" name="Oval 10"/>
-          <p:cNvSpPr>
-            <a:spLocks noChangeArrowheads="1"/>
-          </p:cNvSpPr>
-          <p:nvPr/>
-        </p:nvSpPr>
-        <p:spPr bwMode="auto">
-          <a:xfrm>
-            <a:off x="4341814" y="5826928"/>
-            <a:ext cx="1018865" cy="709597"/>
-          </a:xfrm>
-          <a:prstGeom prst="ellipse">
-            <a:avLst/>
-          </a:prstGeom>
-          <a:noFill/>
-          <a:ln>
-            <a:noFill/>
-          </a:ln>
-          <a:effectLst/>
-          <a:extLst>
-            <a:ext uri="{909E8E84-426E-40dd-AFC4-6F175D3DCCD1}">
-              <a14:hiddenFill xmlns="" xmlns:a14="http://schemas.microsoft.com/office/drawing/2010/main">
-                <a:solidFill>
-                  <a:schemeClr val="accent1"/>
-                </a:solidFill>
-              </a14:hiddenFill>
-            </a:ext>
-            <a:ext uri="{91240B29-F687-4f45-9708-019B960494DF}">
-              <a14:hiddenLine xmlns="" xmlns:a14="http://schemas.microsoft.com/office/drawing/2010/main" w="9525">
-                <a:solidFill>
-                  <a:schemeClr val="tx1"/>
-                </a:solidFill>
-                <a:round/>
-                <a:headEnd/>
-                <a:tailEnd/>
-              </a14:hiddenLine>
-            </a:ext>
-            <a:ext uri="{AF507438-7753-43e0-B8FC-AC1667EBCBE1}">
-              <a14:hiddenEffects xmlns="" xmlns:a14="http://schemas.microsoft.com/office/drawing/2010/main">
-                <a:effectLst>
-                  <a:outerShdw blurRad="63500" dist="38099" dir="2700000" algn="ctr" rotWithShape="0">
-                    <a:schemeClr val="bg2">
-                      <a:alpha val="74998"/>
-                    </a:schemeClr>
-                  </a:outerShdw>
-                </a:effectLst>
-              </a14:hiddenEffects>
-            </a:ext>
-          </a:extLst>
-        </p:spPr>
-        <p:txBody>
-          <a:bodyPr wrap="none" lIns="73025" tIns="36512" rIns="73025" bIns="36512" anchor="ctr">
-            <a:spAutoFit/>
-          </a:bodyPr>
-          <a:lstStyle/>
-          <a:p>
-            <a:pPr marL="225420" indent="-225420" eaLnBrk="0" hangingPunct="0">
-              <a:buClr>
-                <a:schemeClr val="folHlink"/>
-              </a:buClr>
-            </a:pPr>
-            <a:r>
-              <a:rPr lang="en-US" sz="1400" b="1"/>
-              <a:t>Export</a:t>
-            </a:r>
-          </a:p>
-          <a:p>
-            <a:pPr marL="225420" indent="-225420" eaLnBrk="0" hangingPunct="0">
-              <a:buClr>
-                <a:schemeClr val="folHlink"/>
-              </a:buClr>
-            </a:pPr>
-            <a:r>
-              <a:rPr lang="en-US" sz="1400" b="1"/>
-              <a:t>Packet</a:t>
-            </a:r>
-          </a:p>
-        </p:txBody>
-      </p:sp>
-      <p:sp>
-        <p:nvSpPr>
-          <p:cNvPr id="14347" name="Oval 11"/>
-          <p:cNvSpPr>
-            <a:spLocks noChangeArrowheads="1"/>
-          </p:cNvSpPr>
-          <p:nvPr/>
-        </p:nvSpPr>
-        <p:spPr bwMode="auto">
-          <a:xfrm>
-            <a:off x="5594351" y="5914657"/>
-            <a:ext cx="1104900" cy="623039"/>
-          </a:xfrm>
-          <a:prstGeom prst="ellipse">
-            <a:avLst/>
-          </a:prstGeom>
-          <a:noFill/>
-          <a:ln>
-            <a:noFill/>
-          </a:ln>
-          <a:effectLst/>
-          <a:extLst>
-            <a:ext uri="{909E8E84-426E-40dd-AFC4-6F175D3DCCD1}">
-              <a14:hiddenFill xmlns="" xmlns:a14="http://schemas.microsoft.com/office/drawing/2010/main">
-                <a:solidFill>
-                  <a:schemeClr val="accent1"/>
-                </a:solidFill>
-              </a14:hiddenFill>
-            </a:ext>
-            <a:ext uri="{91240B29-F687-4f45-9708-019B960494DF}">
-              <a14:hiddenLine xmlns="" xmlns:a14="http://schemas.microsoft.com/office/drawing/2010/main" w="9525">
-                <a:solidFill>
-                  <a:schemeClr val="tx1"/>
-                </a:solidFill>
-                <a:round/>
-                <a:headEnd/>
-                <a:tailEnd/>
-              </a14:hiddenLine>
-            </a:ext>
-            <a:ext uri="{AF507438-7753-43e0-B8FC-AC1667EBCBE1}">
-              <a14:hiddenEffects xmlns="" xmlns:a14="http://schemas.microsoft.com/office/drawing/2010/main">
-                <a:effectLst>
-                  <a:outerShdw blurRad="63500" dist="38099" dir="2700000" algn="ctr" rotWithShape="0">
-                    <a:schemeClr val="bg2">
-                      <a:alpha val="74998"/>
-                    </a:schemeClr>
-                  </a:outerShdw>
-                </a:effectLst>
-              </a14:hiddenEffects>
-            </a:ext>
-          </a:extLst>
-        </p:spPr>
-        <p:txBody>
-          <a:bodyPr lIns="73025" tIns="36512" rIns="73025" bIns="36512" anchor="ctr">
-            <a:spAutoFit/>
-          </a:bodyPr>
-          <a:lstStyle/>
-          <a:p>
-            <a:pPr marL="225420" indent="-225420" algn="ctr" eaLnBrk="0" hangingPunct="0">
-              <a:buClr>
-                <a:schemeClr val="folHlink"/>
-              </a:buClr>
-            </a:pPr>
-            <a:r>
-              <a:rPr lang="en-US" sz="1200" b="1"/>
-              <a:t>Payload</a:t>
-            </a:r>
-          </a:p>
-          <a:p>
-            <a:pPr marL="225420" indent="-225420" algn="ctr" eaLnBrk="0" hangingPunct="0">
-              <a:buClr>
-                <a:schemeClr val="folHlink"/>
-              </a:buClr>
-            </a:pPr>
-            <a:r>
-              <a:rPr lang="en-US" sz="1200"/>
-              <a:t>(flows)</a:t>
-            </a:r>
-          </a:p>
-        </p:txBody>
-      </p:sp>
-      <p:sp>
-        <p:nvSpPr>
-          <p:cNvPr id="14348" name="Text Box 12"/>
-          <p:cNvSpPr txBox="1">
-            <a:spLocks noChangeArrowheads="1"/>
-          </p:cNvSpPr>
-          <p:nvPr/>
-        </p:nvSpPr>
-        <p:spPr bwMode="auto">
-          <a:xfrm>
-            <a:off x="1758485" y="2832152"/>
-            <a:ext cx="1737655" cy="350736"/>
-          </a:xfrm>
-          <a:prstGeom prst="rect">
-            <a:avLst/>
-          </a:prstGeom>
-          <a:noFill/>
-          <a:ln>
-            <a:noFill/>
-          </a:ln>
-          <a:effectLst/>
-          <a:extLst>
-            <a:ext uri="{909E8E84-426E-40dd-AFC4-6F175D3DCCD1}">
-              <a14:hiddenFill xmlns="" xmlns:a14="http://schemas.microsoft.com/office/drawing/2010/main">
-                <a:solidFill>
-                  <a:schemeClr val="accent1"/>
-                </a:solidFill>
-              </a14:hiddenFill>
-            </a:ext>
-            <a:ext uri="{91240B29-F687-4f45-9708-019B960494DF}">
-              <a14:hiddenLine xmlns="" xmlns:a14="http://schemas.microsoft.com/office/drawing/2010/main" w="9525">
-                <a:solidFill>
-                  <a:schemeClr val="tx1"/>
-                </a:solidFill>
-                <a:miter lim="800000"/>
-                <a:headEnd/>
-                <a:tailEnd/>
-              </a14:hiddenLine>
-            </a:ext>
-            <a:ext uri="{AF507438-7753-43e0-B8FC-AC1667EBCBE1}">
-              <a14:hiddenEffects xmlns="" xmlns:a14="http://schemas.microsoft.com/office/drawing/2010/main">
-                <a:effectLst>
-                  <a:outerShdw blurRad="63500" dist="38099" dir="2700000" algn="ctr" rotWithShape="0">
-                    <a:schemeClr val="bg2">
-                      <a:alpha val="74998"/>
-                    </a:schemeClr>
-                  </a:outerShdw>
-                </a:effectLst>
-              </a14:hiddenEffects>
-            </a:ext>
-          </a:extLst>
-        </p:spPr>
-        <p:txBody>
-          <a:bodyPr wrap="none" lIns="73025" tIns="36512" rIns="73025" bIns="36512" anchor="ctr">
-            <a:spAutoFit/>
-          </a:bodyPr>
-          <a:lstStyle>
-            <a:lvl1pPr marL="457200" indent="-457200">
-              <a:defRPr>
-                <a:solidFill>
-                  <a:schemeClr val="tx1"/>
-                </a:solidFill>
-                <a:latin typeface="Arial" charset="0"/>
-                <a:ea typeface="ＭＳ Ｐゴシック" charset="0"/>
-              </a:defRPr>
-            </a:lvl1pPr>
-            <a:lvl2pPr marL="914400" indent="-457200">
-              <a:defRPr>
-                <a:solidFill>
-                  <a:schemeClr val="tx1"/>
-                </a:solidFill>
-                <a:latin typeface="Arial" charset="0"/>
-                <a:ea typeface="ＭＳ Ｐゴシック" charset="0"/>
-              </a:defRPr>
-            </a:lvl2pPr>
-            <a:lvl3pPr marL="1371600" indent="-457200">
-              <a:defRPr>
-                <a:solidFill>
-                  <a:schemeClr val="tx1"/>
-                </a:solidFill>
-                <a:latin typeface="Arial" charset="0"/>
-                <a:ea typeface="ＭＳ Ｐゴシック" charset="0"/>
-              </a:defRPr>
-            </a:lvl3pPr>
-            <a:lvl4pPr marL="1828800" indent="-457200">
-              <a:defRPr>
-                <a:solidFill>
-                  <a:schemeClr val="tx1"/>
-                </a:solidFill>
-                <a:latin typeface="Arial" charset="0"/>
-                <a:ea typeface="ＭＳ Ｐゴシック" charset="0"/>
-              </a:defRPr>
-            </a:lvl4pPr>
-            <a:lvl5pPr marL="2286000" indent="-457200">
-              <a:defRPr>
-                <a:solidFill>
-                  <a:schemeClr val="tx1"/>
-                </a:solidFill>
-                <a:latin typeface="Arial" charset="0"/>
-                <a:ea typeface="ＭＳ Ｐゴシック" charset="0"/>
-              </a:defRPr>
-            </a:lvl5pPr>
-            <a:lvl6pPr marL="2743200" indent="-457200" fontAlgn="base">
-              <a:spcBef>
-                <a:spcPct val="0"/>
-              </a:spcBef>
-              <a:spcAft>
-                <a:spcPct val="0"/>
-              </a:spcAft>
-              <a:defRPr>
-                <a:solidFill>
-                  <a:schemeClr val="tx1"/>
-                </a:solidFill>
-                <a:latin typeface="Arial" charset="0"/>
-                <a:ea typeface="ＭＳ Ｐゴシック" charset="0"/>
-              </a:defRPr>
-            </a:lvl6pPr>
-            <a:lvl7pPr marL="3200400" indent="-457200" fontAlgn="base">
-              <a:spcBef>
-                <a:spcPct val="0"/>
-              </a:spcBef>
-              <a:spcAft>
-                <a:spcPct val="0"/>
-              </a:spcAft>
-              <a:defRPr>
-                <a:solidFill>
-                  <a:schemeClr val="tx1"/>
-                </a:solidFill>
-                <a:latin typeface="Arial" charset="0"/>
-                <a:ea typeface="ＭＳ Ｐゴシック" charset="0"/>
-              </a:defRPr>
-            </a:lvl7pPr>
-            <a:lvl8pPr marL="3657600" indent="-457200" fontAlgn="base">
-              <a:spcBef>
-                <a:spcPct val="0"/>
-              </a:spcBef>
-              <a:spcAft>
-                <a:spcPct val="0"/>
-              </a:spcAft>
-              <a:defRPr>
-                <a:solidFill>
-                  <a:schemeClr val="tx1"/>
-                </a:solidFill>
-                <a:latin typeface="Arial" charset="0"/>
-                <a:ea typeface="ＭＳ Ｐゴシック" charset="0"/>
-              </a:defRPr>
-            </a:lvl8pPr>
-            <a:lvl9pPr marL="4114800" indent="-457200" fontAlgn="base">
-              <a:spcBef>
-                <a:spcPct val="0"/>
-              </a:spcBef>
-              <a:spcAft>
-                <a:spcPct val="0"/>
-              </a:spcAft>
-              <a:defRPr>
-                <a:solidFill>
-                  <a:schemeClr val="tx1"/>
-                </a:solidFill>
-                <a:latin typeface="Arial" charset="0"/>
-                <a:ea typeface="ＭＳ Ｐゴシック" charset="0"/>
-              </a:defRPr>
-            </a:lvl9pPr>
-          </a:lstStyle>
-          <a:p>
-            <a:pPr algn="ctr" eaLnBrk="0" hangingPunct="0">
-              <a:buFontTx/>
-              <a:buAutoNum type="arabicPeriod" startAt="2"/>
-            </a:pPr>
-            <a:r>
-              <a:rPr lang="en-US" b="1"/>
-              <a:t>Expiration</a:t>
-            </a:r>
-          </a:p>
-        </p:txBody>
-      </p:sp>
-      <p:sp>
-        <p:nvSpPr>
-          <p:cNvPr id="14349" name="Text Box 13"/>
-          <p:cNvSpPr txBox="1">
-            <a:spLocks noChangeArrowheads="1"/>
-          </p:cNvSpPr>
-          <p:nvPr/>
-        </p:nvSpPr>
-        <p:spPr bwMode="auto">
-          <a:xfrm>
-            <a:off x="1756688" y="4100564"/>
-            <a:ext cx="2109552" cy="350736"/>
-          </a:xfrm>
-          <a:prstGeom prst="rect">
-            <a:avLst/>
-          </a:prstGeom>
-          <a:noFill/>
-          <a:ln>
-            <a:noFill/>
-          </a:ln>
-          <a:effectLst/>
-          <a:extLst>
-            <a:ext uri="{909E8E84-426E-40dd-AFC4-6F175D3DCCD1}">
-              <a14:hiddenFill xmlns="" xmlns:a14="http://schemas.microsoft.com/office/drawing/2010/main">
-                <a:solidFill>
-                  <a:schemeClr val="accent1"/>
-                </a:solidFill>
-              </a14:hiddenFill>
-            </a:ext>
-            <a:ext uri="{91240B29-F687-4f45-9708-019B960494DF}">
-              <a14:hiddenLine xmlns="" xmlns:a14="http://schemas.microsoft.com/office/drawing/2010/main" w="9525">
-                <a:solidFill>
-                  <a:schemeClr val="tx1"/>
-                </a:solidFill>
-                <a:miter lim="800000"/>
-                <a:headEnd/>
-                <a:tailEnd/>
-              </a14:hiddenLine>
-            </a:ext>
-            <a:ext uri="{AF507438-7753-43e0-B8FC-AC1667EBCBE1}">
-              <a14:hiddenEffects xmlns="" xmlns:a14="http://schemas.microsoft.com/office/drawing/2010/main">
-                <a:effectLst>
-                  <a:outerShdw blurRad="63500" dist="38099" dir="2700000" algn="ctr" rotWithShape="0">
-                    <a:schemeClr val="bg2">
-                      <a:alpha val="74998"/>
-                    </a:schemeClr>
-                  </a:outerShdw>
-                </a:effectLst>
-              </a14:hiddenEffects>
-            </a:ext>
-          </a:extLst>
-        </p:spPr>
-        <p:txBody>
-          <a:bodyPr wrap="none" lIns="73025" tIns="36512" rIns="73025" bIns="36512" anchor="ctr">
-            <a:spAutoFit/>
-          </a:bodyPr>
-          <a:lstStyle>
-            <a:lvl1pPr marL="457200" indent="-457200">
-              <a:defRPr>
-                <a:solidFill>
-                  <a:schemeClr val="tx1"/>
-                </a:solidFill>
-                <a:latin typeface="Arial" charset="0"/>
-                <a:ea typeface="ＭＳ Ｐゴシック" charset="0"/>
-              </a:defRPr>
-            </a:lvl1pPr>
-            <a:lvl2pPr marL="914400" indent="-457200">
-              <a:defRPr>
-                <a:solidFill>
-                  <a:schemeClr val="tx1"/>
-                </a:solidFill>
-                <a:latin typeface="Arial" charset="0"/>
-                <a:ea typeface="ＭＳ Ｐゴシック" charset="0"/>
-              </a:defRPr>
-            </a:lvl2pPr>
-            <a:lvl3pPr marL="1371600" indent="-457200">
-              <a:defRPr>
-                <a:solidFill>
-                  <a:schemeClr val="tx1"/>
-                </a:solidFill>
-                <a:latin typeface="Arial" charset="0"/>
-                <a:ea typeface="ＭＳ Ｐゴシック" charset="0"/>
-              </a:defRPr>
-            </a:lvl3pPr>
-            <a:lvl4pPr marL="1828800" indent="-457200">
-              <a:defRPr>
-                <a:solidFill>
-                  <a:schemeClr val="tx1"/>
-                </a:solidFill>
-                <a:latin typeface="Arial" charset="0"/>
-                <a:ea typeface="ＭＳ Ｐゴシック" charset="0"/>
-              </a:defRPr>
-            </a:lvl4pPr>
-            <a:lvl5pPr marL="2286000" indent="-457200">
-              <a:defRPr>
-                <a:solidFill>
-                  <a:schemeClr val="tx1"/>
-                </a:solidFill>
-                <a:latin typeface="Arial" charset="0"/>
-                <a:ea typeface="ＭＳ Ｐゴシック" charset="0"/>
-              </a:defRPr>
-            </a:lvl5pPr>
-            <a:lvl6pPr marL="2743200" indent="-457200" fontAlgn="base">
-              <a:spcBef>
-                <a:spcPct val="0"/>
-              </a:spcBef>
-              <a:spcAft>
-                <a:spcPct val="0"/>
-              </a:spcAft>
-              <a:defRPr>
-                <a:solidFill>
-                  <a:schemeClr val="tx1"/>
-                </a:solidFill>
-                <a:latin typeface="Arial" charset="0"/>
-                <a:ea typeface="ＭＳ Ｐゴシック" charset="0"/>
-              </a:defRPr>
-            </a:lvl6pPr>
-            <a:lvl7pPr marL="3200400" indent="-457200" fontAlgn="base">
-              <a:spcBef>
-                <a:spcPct val="0"/>
-              </a:spcBef>
-              <a:spcAft>
-                <a:spcPct val="0"/>
-              </a:spcAft>
-              <a:defRPr>
-                <a:solidFill>
-                  <a:schemeClr val="tx1"/>
-                </a:solidFill>
-                <a:latin typeface="Arial" charset="0"/>
-                <a:ea typeface="ＭＳ Ｐゴシック" charset="0"/>
-              </a:defRPr>
-            </a:lvl7pPr>
-            <a:lvl8pPr marL="3657600" indent="-457200" fontAlgn="base">
-              <a:spcBef>
-                <a:spcPct val="0"/>
-              </a:spcBef>
-              <a:spcAft>
-                <a:spcPct val="0"/>
-              </a:spcAft>
-              <a:defRPr>
-                <a:solidFill>
-                  <a:schemeClr val="tx1"/>
-                </a:solidFill>
-                <a:latin typeface="Arial" charset="0"/>
-                <a:ea typeface="ＭＳ Ｐゴシック" charset="0"/>
-              </a:defRPr>
-            </a:lvl8pPr>
-            <a:lvl9pPr marL="4114800" indent="-457200" fontAlgn="base">
-              <a:spcBef>
-                <a:spcPct val="0"/>
-              </a:spcBef>
-              <a:spcAft>
-                <a:spcPct val="0"/>
-              </a:spcAft>
-              <a:defRPr>
-                <a:solidFill>
-                  <a:schemeClr val="tx1"/>
-                </a:solidFill>
-                <a:latin typeface="Arial" charset="0"/>
-                <a:ea typeface="ＭＳ Ｐゴシック" charset="0"/>
-              </a:defRPr>
-            </a:lvl9pPr>
-          </a:lstStyle>
-          <a:p>
-            <a:pPr algn="ctr" eaLnBrk="0" hangingPunct="0">
-              <a:buFontTx/>
-              <a:buAutoNum type="arabicPeriod" startAt="3"/>
-            </a:pPr>
-            <a:r>
-              <a:rPr lang="en-US" b="1"/>
-              <a:t>Aggregation?</a:t>
-            </a:r>
-          </a:p>
-        </p:txBody>
-      </p:sp>
-      <p:graphicFrame>
-        <p:nvGraphicFramePr>
-          <p:cNvPr id="14350" name="Object 14"/>
-          <p:cNvGraphicFramePr>
-            <a:graphicFrameLocks noChangeAspect="1"/>
-          </p:cNvGraphicFramePr>
-          <p:nvPr/>
-        </p:nvGraphicFramePr>
-        <p:xfrm>
-          <a:off x="6934201" y="4979990"/>
-          <a:ext cx="2352675" cy="333375"/>
-        </p:xfrm>
-        <a:graphic>
-          <a:graphicData uri="http://schemas.openxmlformats.org/presentationml/2006/ole">
-            <mc:AlternateContent xmlns:mc="http://schemas.openxmlformats.org/markup-compatibility/2006">
-              <mc:Choice xmlns:v="urn:schemas-microsoft-com:vml" Requires="v">
-                <p:oleObj spid="_x0000_s1037" name="Worksheet" r:id="rId4" imgW="2353056" imgH="333756" progId="Excel.Sheet.8">
-                  <p:embed/>
-                </p:oleObj>
-              </mc:Choice>
-              <mc:Fallback>
-                <p:oleObj name="Worksheet" r:id="rId4" imgW="2353056" imgH="333756" progId="Excel.Sheet.8">
-                  <p:embed/>
-                  <p:pic>
-                    <p:nvPicPr>
-                      <p:cNvPr id="14350" name="Object 14"/>
-                      <p:cNvPicPr>
-                        <a:picLocks noChangeAspect="1" noChangeArrowheads="1"/>
-                      </p:cNvPicPr>
-                      <p:nvPr/>
-                    </p:nvPicPr>
-                    <p:blipFill>
-                      <a:blip r:embed="rId5">
-                        <a:extLst>
-                          <a:ext uri="{28A0092B-C50C-407E-A947-70E740481C1C}">
-                            <a14:useLocalDpi xmlns:a14="http://schemas.microsoft.com/office/drawing/2010/main" val="0"/>
-                          </a:ext>
-                        </a:extLst>
-                      </a:blip>
-                      <a:srcRect/>
-                      <a:stretch>
-                        <a:fillRect/>
-                      </a:stretch>
-                    </p:blipFill>
-                    <p:spPr bwMode="auto">
-                      <a:xfrm>
-                        <a:off x="6934201" y="4979990"/>
-                        <a:ext cx="2352675" cy="333375"/>
-                      </a:xfrm>
-                      <a:prstGeom prst="rect">
-                        <a:avLst/>
-                      </a:prstGeom>
-                      <a:noFill/>
-                      <a:ln>
-                        <a:noFill/>
-                      </a:ln>
-                      <a:effectLst/>
-                      <a:extLst>
-                        <a:ext uri="{909E8E84-426E-40dd-AFC4-6F175D3DCCD1}">
-                          <a14:hiddenFill xmlns="" xmlns:a14="http://schemas.microsoft.com/office/drawing/2010/main">
-                            <a:solidFill>
-                              <a:schemeClr val="accent1"/>
-                            </a:solidFill>
-                          </a14:hiddenFill>
-                        </a:ext>
-                        <a:ext uri="{91240B29-F687-4f45-9708-019B960494DF}">
-                          <a14:hiddenLine xmlns="" xmlns:a14="http://schemas.microsoft.com/office/drawing/2010/main" w="9525">
-                            <a:solidFill>
-                              <a:schemeClr val="tx1"/>
-                            </a:solidFill>
-                            <a:miter lim="800000"/>
-                            <a:headEnd/>
-                            <a:tailEnd/>
-                          </a14:hiddenLine>
-                        </a:ext>
-                        <a:ext uri="{AF507438-7753-43e0-B8FC-AC1667EBCBE1}">
-                          <a14:hiddenEffects xmlns="" xmlns:a14="http://schemas.microsoft.com/office/drawing/2010/main">
-                            <a:effectLst>
-                              <a:outerShdw blurRad="63500" dist="38099" dir="2700000" algn="ctr" rotWithShape="0">
-                                <a:schemeClr val="bg2">
-                                  <a:alpha val="74998"/>
-                                </a:schemeClr>
-                              </a:outerShdw>
-                            </a:effectLst>
-                          </a14:hiddenEffects>
-                        </a:ext>
-                      </a:extLst>
-                    </p:spPr>
-                  </p:pic>
-                </p:oleObj>
-              </mc:Fallback>
-            </mc:AlternateContent>
-          </a:graphicData>
-        </a:graphic>
-      </p:graphicFrame>
-      <p:graphicFrame>
-        <p:nvGraphicFramePr>
-          <p:cNvPr id="14351" name="Object 15"/>
-          <p:cNvGraphicFramePr>
-            <a:graphicFrameLocks noChangeAspect="1"/>
-          </p:cNvGraphicFramePr>
-          <p:nvPr/>
-        </p:nvGraphicFramePr>
-        <p:xfrm>
-          <a:off x="1811338" y="3595690"/>
-          <a:ext cx="8058151" cy="333375"/>
-        </p:xfrm>
-        <a:graphic>
-          <a:graphicData uri="http://schemas.openxmlformats.org/presentationml/2006/ole">
-            <mc:AlternateContent xmlns:mc="http://schemas.openxmlformats.org/markup-compatibility/2006">
-              <mc:Choice xmlns:v="urn:schemas-microsoft-com:vml" Requires="v">
-                <p:oleObj spid="_x0000_s1038" name="Worksheet" r:id="rId6" imgW="8058607" imgH="333756" progId="Excel.Sheet.8">
-                  <p:embed/>
-                </p:oleObj>
-              </mc:Choice>
-              <mc:Fallback>
-                <p:oleObj name="Worksheet" r:id="rId6" imgW="8058607" imgH="333756" progId="Excel.Sheet.8">
-                  <p:embed/>
-                  <p:pic>
-                    <p:nvPicPr>
-                      <p:cNvPr id="14351" name="Object 15"/>
-                      <p:cNvPicPr>
-                        <a:picLocks noChangeAspect="1" noChangeArrowheads="1"/>
-                      </p:cNvPicPr>
-                      <p:nvPr/>
-                    </p:nvPicPr>
-                    <p:blipFill>
-                      <a:blip r:embed="rId7">
-                        <a:extLst>
-                          <a:ext uri="{28A0092B-C50C-407E-A947-70E740481C1C}">
-                            <a14:useLocalDpi xmlns:a14="http://schemas.microsoft.com/office/drawing/2010/main" val="0"/>
-                          </a:ext>
-                        </a:extLst>
-                      </a:blip>
-                      <a:srcRect/>
-                      <a:stretch>
-                        <a:fillRect/>
-                      </a:stretch>
-                    </p:blipFill>
-                    <p:spPr bwMode="auto">
-                      <a:xfrm>
-                        <a:off x="1811338" y="3595690"/>
-                        <a:ext cx="8058151" cy="333375"/>
-                      </a:xfrm>
-                      <a:prstGeom prst="rect">
-                        <a:avLst/>
-                      </a:prstGeom>
-                      <a:noFill/>
-                      <a:ln>
-                        <a:noFill/>
-                      </a:ln>
-                      <a:effectLst/>
-                      <a:extLst>
-                        <a:ext uri="{909E8E84-426E-40dd-AFC4-6F175D3DCCD1}">
-                          <a14:hiddenFill xmlns="" xmlns:a14="http://schemas.microsoft.com/office/drawing/2010/main">
-                            <a:solidFill>
-                              <a:schemeClr val="accent1"/>
-                            </a:solidFill>
-                          </a14:hiddenFill>
-                        </a:ext>
-                        <a:ext uri="{91240B29-F687-4f45-9708-019B960494DF}">
-                          <a14:hiddenLine xmlns="" xmlns:a14="http://schemas.microsoft.com/office/drawing/2010/main" w="9525">
-                            <a:solidFill>
-                              <a:schemeClr val="tx1"/>
-                            </a:solidFill>
-                            <a:miter lim="800000"/>
-                            <a:headEnd/>
-                            <a:tailEnd/>
-                          </a14:hiddenLine>
-                        </a:ext>
-                        <a:ext uri="{AF507438-7753-43e0-B8FC-AC1667EBCBE1}">
-                          <a14:hiddenEffects xmlns="" xmlns:a14="http://schemas.microsoft.com/office/drawing/2010/main">
-                            <a:effectLst>
-                              <a:outerShdw blurRad="63500" dist="38099" dir="2700000" algn="ctr" rotWithShape="0">
-                                <a:schemeClr val="bg2">
-                                  <a:alpha val="74998"/>
-                                </a:schemeClr>
-                              </a:outerShdw>
-                            </a:effectLst>
-                          </a14:hiddenEffects>
-                        </a:ext>
-                      </a:extLst>
-                    </p:spPr>
-                  </p:pic>
-                </p:oleObj>
-              </mc:Fallback>
-            </mc:AlternateContent>
-          </a:graphicData>
-        </a:graphic>
-      </p:graphicFrame>
-      <p:sp>
-        <p:nvSpPr>
-          <p:cNvPr id="14352" name="Text Box 16"/>
-          <p:cNvSpPr txBox="1">
-            <a:spLocks noChangeArrowheads="1"/>
-          </p:cNvSpPr>
-          <p:nvPr/>
-        </p:nvSpPr>
-        <p:spPr bwMode="auto">
-          <a:xfrm>
-            <a:off x="6364167" y="4708707"/>
-            <a:ext cx="3518143" cy="258403"/>
-          </a:xfrm>
-          <a:prstGeom prst="rect">
-            <a:avLst/>
-          </a:prstGeom>
-          <a:noFill/>
-          <a:ln>
-            <a:noFill/>
-          </a:ln>
-          <a:effectLst/>
-          <a:extLst>
-            <a:ext uri="{909E8E84-426E-40dd-AFC4-6F175D3DCCD1}">
-              <a14:hiddenFill xmlns="" xmlns:a14="http://schemas.microsoft.com/office/drawing/2010/main">
-                <a:solidFill>
-                  <a:schemeClr val="accent1"/>
-                </a:solidFill>
-              </a14:hiddenFill>
-            </a:ext>
-            <a:ext uri="{91240B29-F687-4f45-9708-019B960494DF}">
-              <a14:hiddenLine xmlns="" xmlns:a14="http://schemas.microsoft.com/office/drawing/2010/main" w="9525">
-                <a:solidFill>
-                  <a:schemeClr val="tx1"/>
-                </a:solidFill>
-                <a:miter lim="800000"/>
-                <a:headEnd/>
-                <a:tailEnd/>
-              </a14:hiddenLine>
-            </a:ext>
-            <a:ext uri="{AF507438-7753-43e0-B8FC-AC1667EBCBE1}">
-              <a14:hiddenEffects xmlns="" xmlns:a14="http://schemas.microsoft.com/office/drawing/2010/main">
-                <a:effectLst>
-                  <a:outerShdw blurRad="63500" dist="38099" dir="2700000" algn="ctr" rotWithShape="0">
-                    <a:schemeClr val="bg2">
-                      <a:alpha val="74998"/>
-                    </a:schemeClr>
-                  </a:outerShdw>
-                </a:effectLst>
-              </a14:hiddenEffects>
-            </a:ext>
-          </a:extLst>
-        </p:spPr>
-        <p:txBody>
-          <a:bodyPr wrap="none" lIns="73025" tIns="36512" rIns="73025" bIns="36512" anchor="ctr">
-            <a:spAutoFit/>
-          </a:bodyPr>
-          <a:lstStyle/>
-          <a:p>
-            <a:pPr algn="ctr" eaLnBrk="0" hangingPunct="0"/>
-            <a:r>
-              <a:rPr lang="en-US" sz="1200"/>
-              <a:t>e.g.  Protocol-Port Aggregation Scheme becomes</a:t>
-            </a:r>
-          </a:p>
-        </p:txBody>
-      </p:sp>
-      <p:sp>
-        <p:nvSpPr>
-          <p:cNvPr id="14353" name="Text Box 17"/>
-          <p:cNvSpPr txBox="1">
-            <a:spLocks noChangeArrowheads="1"/>
-          </p:cNvSpPr>
-          <p:nvPr/>
-        </p:nvSpPr>
-        <p:spPr bwMode="auto">
-          <a:xfrm>
-            <a:off x="1762385" y="5145138"/>
-            <a:ext cx="2237856" cy="350736"/>
-          </a:xfrm>
-          <a:prstGeom prst="rect">
-            <a:avLst/>
-          </a:prstGeom>
-          <a:noFill/>
-          <a:ln>
-            <a:noFill/>
-          </a:ln>
-          <a:effectLst/>
-          <a:extLst>
-            <a:ext uri="{909E8E84-426E-40dd-AFC4-6F175D3DCCD1}">
-              <a14:hiddenFill xmlns="" xmlns:a14="http://schemas.microsoft.com/office/drawing/2010/main">
-                <a:solidFill>
-                  <a:schemeClr val="accent1"/>
-                </a:solidFill>
-              </a14:hiddenFill>
-            </a:ext>
-            <a:ext uri="{91240B29-F687-4f45-9708-019B960494DF}">
-              <a14:hiddenLine xmlns="" xmlns:a14="http://schemas.microsoft.com/office/drawing/2010/main" w="9525">
-                <a:solidFill>
-                  <a:schemeClr val="tx1"/>
-                </a:solidFill>
-                <a:miter lim="800000"/>
-                <a:headEnd/>
-                <a:tailEnd/>
-              </a14:hiddenLine>
-            </a:ext>
-            <a:ext uri="{AF507438-7753-43e0-B8FC-AC1667EBCBE1}">
-              <a14:hiddenEffects xmlns="" xmlns:a14="http://schemas.microsoft.com/office/drawing/2010/main">
-                <a:effectLst>
-                  <a:outerShdw blurRad="63500" dist="38099" dir="2700000" algn="ctr" rotWithShape="0">
-                    <a:schemeClr val="bg2">
-                      <a:alpha val="74998"/>
-                    </a:schemeClr>
-                  </a:outerShdw>
-                </a:effectLst>
-              </a14:hiddenEffects>
-            </a:ext>
-          </a:extLst>
-        </p:spPr>
-        <p:txBody>
-          <a:bodyPr wrap="none" lIns="73025" tIns="36512" rIns="73025" bIns="36512" anchor="ctr">
-            <a:spAutoFit/>
-          </a:bodyPr>
-          <a:lstStyle>
-            <a:lvl1pPr marL="457200" indent="-457200">
-              <a:defRPr>
-                <a:solidFill>
-                  <a:schemeClr val="tx1"/>
-                </a:solidFill>
-                <a:latin typeface="Arial" charset="0"/>
-                <a:ea typeface="ＭＳ Ｐゴシック" charset="0"/>
-              </a:defRPr>
-            </a:lvl1pPr>
-            <a:lvl2pPr marL="914400" indent="-457200">
-              <a:defRPr>
-                <a:solidFill>
-                  <a:schemeClr val="tx1"/>
-                </a:solidFill>
-                <a:latin typeface="Arial" charset="0"/>
-                <a:ea typeface="ＭＳ Ｐゴシック" charset="0"/>
-              </a:defRPr>
-            </a:lvl2pPr>
-            <a:lvl3pPr marL="1371600" indent="-457200">
-              <a:defRPr>
-                <a:solidFill>
-                  <a:schemeClr val="tx1"/>
-                </a:solidFill>
-                <a:latin typeface="Arial" charset="0"/>
-                <a:ea typeface="ＭＳ Ｐゴシック" charset="0"/>
-              </a:defRPr>
-            </a:lvl3pPr>
-            <a:lvl4pPr marL="1828800" indent="-457200">
-              <a:defRPr>
-                <a:solidFill>
-                  <a:schemeClr val="tx1"/>
-                </a:solidFill>
-                <a:latin typeface="Arial" charset="0"/>
-                <a:ea typeface="ＭＳ Ｐゴシック" charset="0"/>
-              </a:defRPr>
-            </a:lvl4pPr>
-            <a:lvl5pPr marL="2286000" indent="-457200">
-              <a:defRPr>
-                <a:solidFill>
-                  <a:schemeClr val="tx1"/>
-                </a:solidFill>
-                <a:latin typeface="Arial" charset="0"/>
-                <a:ea typeface="ＭＳ Ｐゴシック" charset="0"/>
-              </a:defRPr>
-            </a:lvl5pPr>
-            <a:lvl6pPr marL="2743200" indent="-457200" fontAlgn="base">
-              <a:spcBef>
-                <a:spcPct val="0"/>
-              </a:spcBef>
-              <a:spcAft>
-                <a:spcPct val="0"/>
-              </a:spcAft>
-              <a:defRPr>
-                <a:solidFill>
-                  <a:schemeClr val="tx1"/>
-                </a:solidFill>
-                <a:latin typeface="Arial" charset="0"/>
-                <a:ea typeface="ＭＳ Ｐゴシック" charset="0"/>
-              </a:defRPr>
-            </a:lvl6pPr>
-            <a:lvl7pPr marL="3200400" indent="-457200" fontAlgn="base">
-              <a:spcBef>
-                <a:spcPct val="0"/>
-              </a:spcBef>
-              <a:spcAft>
-                <a:spcPct val="0"/>
-              </a:spcAft>
-              <a:defRPr>
-                <a:solidFill>
-                  <a:schemeClr val="tx1"/>
-                </a:solidFill>
-                <a:latin typeface="Arial" charset="0"/>
-                <a:ea typeface="ＭＳ Ｐゴシック" charset="0"/>
-              </a:defRPr>
-            </a:lvl7pPr>
-            <a:lvl8pPr marL="3657600" indent="-457200" fontAlgn="base">
-              <a:spcBef>
-                <a:spcPct val="0"/>
-              </a:spcBef>
-              <a:spcAft>
-                <a:spcPct val="0"/>
-              </a:spcAft>
-              <a:defRPr>
-                <a:solidFill>
-                  <a:schemeClr val="tx1"/>
-                </a:solidFill>
-                <a:latin typeface="Arial" charset="0"/>
-                <a:ea typeface="ＭＳ Ｐゴシック" charset="0"/>
-              </a:defRPr>
-            </a:lvl8pPr>
-            <a:lvl9pPr marL="4114800" indent="-457200" fontAlgn="base">
-              <a:spcBef>
-                <a:spcPct val="0"/>
-              </a:spcBef>
-              <a:spcAft>
-                <a:spcPct val="0"/>
-              </a:spcAft>
-              <a:defRPr>
-                <a:solidFill>
-                  <a:schemeClr val="tx1"/>
-                </a:solidFill>
-                <a:latin typeface="Arial" charset="0"/>
-                <a:ea typeface="ＭＳ Ｐゴシック" charset="0"/>
-              </a:defRPr>
-            </a:lvl9pPr>
-          </a:lstStyle>
-          <a:p>
-            <a:pPr algn="ctr" eaLnBrk="0" hangingPunct="0">
-              <a:buFontTx/>
-              <a:buAutoNum type="arabicPeriod" startAt="4"/>
-            </a:pPr>
-            <a:r>
-              <a:rPr lang="en-US" b="1"/>
-              <a:t>Export Version</a:t>
-            </a:r>
-          </a:p>
-        </p:txBody>
-      </p:sp>
-      <p:graphicFrame>
-        <p:nvGraphicFramePr>
-          <p:cNvPr id="14354" name="Object 18"/>
-          <p:cNvGraphicFramePr>
-            <a:graphicFrameLocks noChangeAspect="1"/>
-          </p:cNvGraphicFramePr>
-          <p:nvPr/>
-        </p:nvGraphicFramePr>
-        <p:xfrm>
-          <a:off x="1811338" y="1719263"/>
-          <a:ext cx="8058151" cy="819151"/>
-        </p:xfrm>
-        <a:graphic>
-          <a:graphicData uri="http://schemas.openxmlformats.org/presentationml/2006/ole">
-            <mc:AlternateContent xmlns:mc="http://schemas.openxmlformats.org/markup-compatibility/2006">
-              <mc:Choice xmlns:v="urn:schemas-microsoft-com:vml" Requires="v">
-                <p:oleObj spid="_x0000_s1039" name="Worksheet" r:id="rId8" imgW="8058607" imgH="819607" progId="Excel.Sheet.8">
-                  <p:embed/>
-                </p:oleObj>
-              </mc:Choice>
-              <mc:Fallback>
-                <p:oleObj name="Worksheet" r:id="rId8" imgW="8058607" imgH="819607" progId="Excel.Sheet.8">
-                  <p:embed/>
-                  <p:pic>
-                    <p:nvPicPr>
-                      <p:cNvPr id="14354" name="Object 18"/>
-                      <p:cNvPicPr>
-                        <a:picLocks noChangeAspect="1" noChangeArrowheads="1"/>
-                      </p:cNvPicPr>
-                      <p:nvPr/>
-                    </p:nvPicPr>
-                    <p:blipFill>
-                      <a:blip r:embed="rId9">
-                        <a:extLst>
-                          <a:ext uri="{28A0092B-C50C-407E-A947-70E740481C1C}">
-                            <a14:useLocalDpi xmlns:a14="http://schemas.microsoft.com/office/drawing/2010/main" val="0"/>
-                          </a:ext>
-                        </a:extLst>
-                      </a:blip>
-                      <a:srcRect/>
-                      <a:stretch>
-                        <a:fillRect/>
-                      </a:stretch>
-                    </p:blipFill>
-                    <p:spPr bwMode="auto">
-                      <a:xfrm>
-                        <a:off x="1811338" y="1719263"/>
-                        <a:ext cx="8058151" cy="819151"/>
-                      </a:xfrm>
-                      <a:prstGeom prst="rect">
-                        <a:avLst/>
-                      </a:prstGeom>
-                      <a:noFill/>
-                      <a:ln>
-                        <a:noFill/>
-                      </a:ln>
-                      <a:effectLst/>
-                      <a:extLst>
-                        <a:ext uri="{909E8E84-426E-40dd-AFC4-6F175D3DCCD1}">
-                          <a14:hiddenFill xmlns="" xmlns:a14="http://schemas.microsoft.com/office/drawing/2010/main">
-                            <a:solidFill>
-                              <a:schemeClr val="accent1"/>
-                            </a:solidFill>
-                          </a14:hiddenFill>
-                        </a:ext>
-                        <a:ext uri="{91240B29-F687-4f45-9708-019B960494DF}">
-                          <a14:hiddenLine xmlns="" xmlns:a14="http://schemas.microsoft.com/office/drawing/2010/main" w="9525">
-                            <a:solidFill>
-                              <a:schemeClr val="tx1"/>
-                            </a:solidFill>
-                            <a:miter lim="800000"/>
-                            <a:headEnd/>
-                            <a:tailEnd/>
-                          </a14:hiddenLine>
-                        </a:ext>
-                        <a:ext uri="{AF507438-7753-43e0-B8FC-AC1667EBCBE1}">
-                          <a14:hiddenEffects xmlns="" xmlns:a14="http://schemas.microsoft.com/office/drawing/2010/main">
-                            <a:effectLst>
-                              <a:outerShdw blurRad="63500" dist="38099" dir="2700000" algn="ctr" rotWithShape="0">
-                                <a:schemeClr val="bg2">
-                                  <a:alpha val="74998"/>
-                                </a:schemeClr>
-                              </a:outerShdw>
-                            </a:effectLst>
-                          </a14:hiddenEffects>
-                        </a:ext>
-                      </a:extLst>
-                    </p:spPr>
-                  </p:pic>
-                </p:oleObj>
-              </mc:Fallback>
-            </mc:AlternateContent>
-          </a:graphicData>
-        </a:graphic>
-      </p:graphicFrame>
-      <p:sp>
-        <p:nvSpPr>
-          <p:cNvPr id="14355" name="Text Box 19"/>
-          <p:cNvSpPr txBox="1">
-            <a:spLocks noChangeArrowheads="1"/>
-          </p:cNvSpPr>
-          <p:nvPr/>
-        </p:nvSpPr>
-        <p:spPr bwMode="auto">
-          <a:xfrm rot="1800000">
-            <a:off x="6695585" y="4162298"/>
-            <a:ext cx="456599" cy="289181"/>
-          </a:xfrm>
-          <a:prstGeom prst="rect">
-            <a:avLst/>
-          </a:prstGeom>
-          <a:noFill/>
-          <a:ln>
-            <a:noFill/>
-          </a:ln>
-          <a:effectLst/>
-          <a:extLst>
-            <a:ext uri="{909E8E84-426E-40dd-AFC4-6F175D3DCCD1}">
-              <a14:hiddenFill xmlns="" xmlns:a14="http://schemas.microsoft.com/office/drawing/2010/main">
-                <a:solidFill>
-                  <a:schemeClr val="accent1"/>
-                </a:solidFill>
-              </a14:hiddenFill>
-            </a:ext>
-            <a:ext uri="{91240B29-F687-4f45-9708-019B960494DF}">
-              <a14:hiddenLine xmlns="" xmlns:a14="http://schemas.microsoft.com/office/drawing/2010/main" w="9525">
-                <a:solidFill>
-                  <a:schemeClr val="tx1"/>
-                </a:solidFill>
-                <a:miter lim="800000"/>
-                <a:headEnd/>
-                <a:tailEnd/>
-              </a14:hiddenLine>
-            </a:ext>
-            <a:ext uri="{AF507438-7753-43e0-B8FC-AC1667EBCBE1}">
-              <a14:hiddenEffects xmlns="" xmlns:a14="http://schemas.microsoft.com/office/drawing/2010/main">
-                <a:effectLst>
-                  <a:outerShdw blurRad="63500" dist="38099" dir="2700000" algn="ctr" rotWithShape="0">
-                    <a:schemeClr val="bg2">
-                      <a:alpha val="74998"/>
-                    </a:schemeClr>
-                  </a:outerShdw>
-                </a:effectLst>
-              </a14:hiddenEffects>
-            </a:ext>
-          </a:extLst>
-        </p:spPr>
-        <p:txBody>
-          <a:bodyPr wrap="none" lIns="73025" tIns="36512" rIns="73025" bIns="36512" anchor="ctr">
-            <a:spAutoFit/>
-          </a:bodyPr>
-          <a:lstStyle/>
-          <a:p>
-            <a:pPr algn="ctr" eaLnBrk="0" hangingPunct="0"/>
-            <a:r>
-              <a:rPr lang="en-US" sz="1400" b="1"/>
-              <a:t>Yes</a:t>
-            </a:r>
-          </a:p>
-        </p:txBody>
-      </p:sp>
-      <p:sp>
-        <p:nvSpPr>
-          <p:cNvPr id="14356" name="AutoShape 20"/>
-          <p:cNvSpPr>
-            <a:spLocks noChangeArrowheads="1"/>
-          </p:cNvSpPr>
-          <p:nvPr/>
-        </p:nvSpPr>
-        <p:spPr bwMode="auto">
-          <a:xfrm rot="9000000">
-            <a:off x="3848100" y="4087813"/>
-            <a:ext cx="933451" cy="487363"/>
-          </a:xfrm>
-          <a:custGeom>
-            <a:avLst/>
-            <a:gdLst>
-              <a:gd name="G0" fmla="+- 16200 0 0"/>
-              <a:gd name="G1" fmla="+- 5400 0 0"/>
-              <a:gd name="G2" fmla="+- 21600 0 5400"/>
-              <a:gd name="G3" fmla="+- 10800 0 5400"/>
-              <a:gd name="G4" fmla="+- 21600 0 16200"/>
-              <a:gd name="G5" fmla="*/ G4 G3 10800"/>
-              <a:gd name="G6" fmla="+- 21600 0 G5"/>
-              <a:gd name="T0" fmla="*/ 16200 w 21600"/>
-              <a:gd name="T1" fmla="*/ 0 h 21600"/>
-              <a:gd name="T2" fmla="*/ 0 w 21600"/>
-              <a:gd name="T3" fmla="*/ 10800 h 21600"/>
-              <a:gd name="T4" fmla="*/ 16200 w 21600"/>
-              <a:gd name="T5" fmla="*/ 21600 h 21600"/>
-              <a:gd name="T6" fmla="*/ 21600 w 21600"/>
-              <a:gd name="T7" fmla="*/ 10800 h 21600"/>
-              <a:gd name="T8" fmla="*/ 17694720 60000 65536"/>
-              <a:gd name="T9" fmla="*/ 11796480 60000 65536"/>
-              <a:gd name="T10" fmla="*/ 5898240 60000 65536"/>
-              <a:gd name="T11" fmla="*/ 0 60000 65536"/>
-              <a:gd name="T12" fmla="*/ 3375 w 21600"/>
-              <a:gd name="T13" fmla="*/ G1 h 21600"/>
-              <a:gd name="T14" fmla="*/ G6 w 21600"/>
-              <a:gd name="T15" fmla="*/ G2 h 21600"/>
-            </a:gdLst>
-            <a:ahLst/>
-            <a:cxnLst>
-              <a:cxn ang="T8">
-                <a:pos x="T0" y="T1"/>
-              </a:cxn>
-              <a:cxn ang="T9">
-                <a:pos x="T2" y="T3"/>
-              </a:cxn>
-              <a:cxn ang="T10">
-                <a:pos x="T4" y="T5"/>
-              </a:cxn>
-              <a:cxn ang="T11">
-                <a:pos x="T6" y="T7"/>
-              </a:cxn>
-            </a:cxnLst>
-            <a:rect l="T12" t="T13" r="T14" b="T15"/>
-            <a:pathLst>
-              <a:path w="21600" h="21600">
-                <a:moveTo>
-                  <a:pt x="16200" y="0"/>
-                </a:moveTo>
-                <a:lnTo>
-                  <a:pt x="16200" y="5400"/>
-                </a:lnTo>
-                <a:lnTo>
-                  <a:pt x="3375" y="5400"/>
-                </a:lnTo>
-                <a:lnTo>
-                  <a:pt x="3375" y="16200"/>
-                </a:lnTo>
-                <a:lnTo>
-                  <a:pt x="16200" y="16200"/>
-                </a:lnTo>
-                <a:lnTo>
-                  <a:pt x="16200" y="21600"/>
-                </a:lnTo>
-                <a:lnTo>
-                  <a:pt x="21600" y="10800"/>
-                </a:lnTo>
-                <a:close/>
-              </a:path>
-              <a:path w="21600" h="21600">
-                <a:moveTo>
-                  <a:pt x="1350" y="5400"/>
-                </a:moveTo>
-                <a:lnTo>
-                  <a:pt x="1350" y="16200"/>
-                </a:lnTo>
-                <a:lnTo>
-                  <a:pt x="2700" y="16200"/>
-                </a:lnTo>
-                <a:lnTo>
-                  <a:pt x="2700" y="5400"/>
-                </a:lnTo>
-                <a:close/>
-              </a:path>
-              <a:path w="21600" h="21600">
-                <a:moveTo>
-                  <a:pt x="0" y="5400"/>
-                </a:moveTo>
-                <a:lnTo>
-                  <a:pt x="0" y="16200"/>
-                </a:lnTo>
-                <a:lnTo>
-                  <a:pt x="675" y="16200"/>
-                </a:lnTo>
-                <a:lnTo>
-                  <a:pt x="675" y="5400"/>
-                </a:lnTo>
-                <a:close/>
-              </a:path>
-            </a:pathLst>
-          </a:custGeom>
-          <a:solidFill>
-            <a:srgbClr val="CCCC66"/>
-          </a:solidFill>
-          <a:ln w="9525">
-            <a:solidFill>
-              <a:srgbClr val="000080"/>
-            </a:solidFill>
-            <a:miter lim="800000"/>
-            <a:headEnd/>
-            <a:tailEnd/>
-          </a:ln>
-          <a:effectLst/>
-          <a:extLst>
-            <a:ext uri="{AF507438-7753-43e0-B8FC-AC1667EBCBE1}">
-              <a14:hiddenEffects xmlns="" xmlns:a14="http://schemas.microsoft.com/office/drawing/2010/main">
-                <a:effectLst>
-                  <a:outerShdw blurRad="63500" dist="38099" dir="2700000" algn="ctr" rotWithShape="0">
-                    <a:schemeClr val="bg2">
-                      <a:alpha val="74998"/>
-                    </a:schemeClr>
-                  </a:outerShdw>
-                </a:effectLst>
-              </a14:hiddenEffects>
-            </a:ext>
-          </a:extLst>
-        </p:spPr>
-        <p:txBody>
-          <a:bodyPr wrap="none" lIns="73025" tIns="36512" rIns="73025" bIns="36512" anchor="ctr"/>
-          <a:lstStyle/>
-          <a:p>
-            <a:endParaRPr lang="en-US"/>
-          </a:p>
-        </p:txBody>
-      </p:sp>
-      <p:sp>
-        <p:nvSpPr>
-          <p:cNvPr id="14357" name="Text Box 21"/>
-          <p:cNvSpPr txBox="1">
-            <a:spLocks noChangeArrowheads="1"/>
-          </p:cNvSpPr>
-          <p:nvPr/>
-        </p:nvSpPr>
-        <p:spPr bwMode="auto">
-          <a:xfrm rot="19800000">
-            <a:off x="4147858" y="4162298"/>
-            <a:ext cx="386324" cy="289181"/>
-          </a:xfrm>
-          <a:prstGeom prst="rect">
-            <a:avLst/>
-          </a:prstGeom>
-          <a:noFill/>
-          <a:ln>
-            <a:noFill/>
-          </a:ln>
-          <a:effectLst/>
-          <a:extLst>
-            <a:ext uri="{909E8E84-426E-40dd-AFC4-6F175D3DCCD1}">
-              <a14:hiddenFill xmlns="" xmlns:a14="http://schemas.microsoft.com/office/drawing/2010/main">
-                <a:solidFill>
-                  <a:schemeClr val="accent1"/>
-                </a:solidFill>
-              </a14:hiddenFill>
-            </a:ext>
-            <a:ext uri="{91240B29-F687-4f45-9708-019B960494DF}">
-              <a14:hiddenLine xmlns="" xmlns:a14="http://schemas.microsoft.com/office/drawing/2010/main" w="9525">
-                <a:solidFill>
-                  <a:schemeClr val="tx1"/>
-                </a:solidFill>
-                <a:miter lim="800000"/>
-                <a:headEnd/>
-                <a:tailEnd/>
-              </a14:hiddenLine>
-            </a:ext>
-            <a:ext uri="{AF507438-7753-43e0-B8FC-AC1667EBCBE1}">
-              <a14:hiddenEffects xmlns="" xmlns:a14="http://schemas.microsoft.com/office/drawing/2010/main">
-                <a:effectLst>
-                  <a:outerShdw blurRad="63500" dist="38099" dir="2700000" algn="ctr" rotWithShape="0">
-                    <a:schemeClr val="bg2">
-                      <a:alpha val="74998"/>
-                    </a:schemeClr>
-                  </a:outerShdw>
-                </a:effectLst>
-              </a14:hiddenEffects>
-            </a:ext>
-          </a:extLst>
-        </p:spPr>
-        <p:txBody>
-          <a:bodyPr wrap="none" lIns="73025" tIns="36512" rIns="73025" bIns="36512" anchor="ctr">
-            <a:spAutoFit/>
-          </a:bodyPr>
-          <a:lstStyle/>
-          <a:p>
-            <a:pPr algn="ctr" eaLnBrk="0" hangingPunct="0"/>
-            <a:r>
-              <a:rPr lang="en-US" sz="1400" b="1"/>
-              <a:t>No</a:t>
-            </a:r>
-          </a:p>
-        </p:txBody>
-      </p:sp>
-      <p:sp>
-        <p:nvSpPr>
-          <p:cNvPr id="14358" name="Text Box 22"/>
-          <p:cNvSpPr txBox="1">
-            <a:spLocks noChangeArrowheads="1"/>
-          </p:cNvSpPr>
-          <p:nvPr/>
-        </p:nvSpPr>
-        <p:spPr bwMode="auto">
-          <a:xfrm>
-            <a:off x="6366508" y="5492932"/>
-            <a:ext cx="3034036" cy="258403"/>
-          </a:xfrm>
-          <a:prstGeom prst="rect">
-            <a:avLst/>
-          </a:prstGeom>
-          <a:noFill/>
-          <a:ln>
-            <a:noFill/>
-          </a:ln>
-          <a:effectLst/>
-          <a:extLst>
-            <a:ext uri="{909E8E84-426E-40dd-AFC4-6F175D3DCCD1}">
-              <a14:hiddenFill xmlns="" xmlns:a14="http://schemas.microsoft.com/office/drawing/2010/main">
-                <a:solidFill>
-                  <a:schemeClr val="accent1"/>
-                </a:solidFill>
-              </a14:hiddenFill>
-            </a:ext>
-            <a:ext uri="{91240B29-F687-4f45-9708-019B960494DF}">
-              <a14:hiddenLine xmlns="" xmlns:a14="http://schemas.microsoft.com/office/drawing/2010/main" w="9525">
-                <a:solidFill>
-                  <a:schemeClr val="tx1"/>
-                </a:solidFill>
-                <a:miter lim="800000"/>
-                <a:headEnd/>
-                <a:tailEnd/>
-              </a14:hiddenLine>
-            </a:ext>
-            <a:ext uri="{AF507438-7753-43e0-B8FC-AC1667EBCBE1}">
-              <a14:hiddenEffects xmlns="" xmlns:a14="http://schemas.microsoft.com/office/drawing/2010/main">
-                <a:effectLst>
-                  <a:outerShdw blurRad="63500" dist="38099" dir="2700000" algn="ctr" rotWithShape="0">
-                    <a:schemeClr val="bg2">
-                      <a:alpha val="74998"/>
-                    </a:schemeClr>
-                  </a:outerShdw>
-                </a:effectLst>
-              </a14:hiddenEffects>
-            </a:ext>
-          </a:extLst>
-        </p:spPr>
-        <p:txBody>
-          <a:bodyPr wrap="none" lIns="73025" tIns="36512" rIns="73025" bIns="36512" anchor="ctr">
-            <a:spAutoFit/>
-          </a:bodyPr>
-          <a:lstStyle/>
-          <a:p>
-            <a:pPr algn="ctr" eaLnBrk="0" hangingPunct="0"/>
-            <a:r>
-              <a:rPr lang="en-US" sz="1200"/>
-              <a:t>Aggregated Flows – export </a:t>
-            </a:r>
-            <a:r>
-              <a:rPr lang="en-US" sz="1200" b="1"/>
-              <a:t>Version 8 or 9</a:t>
-            </a:r>
-          </a:p>
-        </p:txBody>
-      </p:sp>
-      <p:sp>
-        <p:nvSpPr>
-          <p:cNvPr id="14359" name="Text Box 23"/>
-          <p:cNvSpPr txBox="1">
-            <a:spLocks noChangeArrowheads="1"/>
-          </p:cNvSpPr>
-          <p:nvPr/>
-        </p:nvSpPr>
-        <p:spPr bwMode="auto">
-          <a:xfrm>
-            <a:off x="2206625" y="5534206"/>
-            <a:ext cx="3473451" cy="258403"/>
-          </a:xfrm>
-          <a:prstGeom prst="rect">
-            <a:avLst/>
-          </a:prstGeom>
-          <a:noFill/>
-          <a:ln>
-            <a:noFill/>
-          </a:ln>
-          <a:effectLst/>
-          <a:extLst>
-            <a:ext uri="{909E8E84-426E-40dd-AFC4-6F175D3DCCD1}">
-              <a14:hiddenFill xmlns="" xmlns:a14="http://schemas.microsoft.com/office/drawing/2010/main">
-                <a:solidFill>
-                  <a:schemeClr val="accent1"/>
-                </a:solidFill>
-              </a14:hiddenFill>
-            </a:ext>
-            <a:ext uri="{91240B29-F687-4f45-9708-019B960494DF}">
-              <a14:hiddenLine xmlns="" xmlns:a14="http://schemas.microsoft.com/office/drawing/2010/main" w="9525">
-                <a:solidFill>
-                  <a:schemeClr val="tx1"/>
-                </a:solidFill>
-                <a:miter lim="800000"/>
-                <a:headEnd/>
-                <a:tailEnd/>
-              </a14:hiddenLine>
-            </a:ext>
-            <a:ext uri="{AF507438-7753-43e0-B8FC-AC1667EBCBE1}">
-              <a14:hiddenEffects xmlns="" xmlns:a14="http://schemas.microsoft.com/office/drawing/2010/main">
-                <a:effectLst>
-                  <a:outerShdw blurRad="63500" dist="38099" dir="2700000" algn="ctr" rotWithShape="0">
-                    <a:schemeClr val="bg2">
-                      <a:alpha val="74998"/>
-                    </a:schemeClr>
-                  </a:outerShdw>
-                </a:effectLst>
-              </a14:hiddenEffects>
-            </a:ext>
-          </a:extLst>
-        </p:spPr>
-        <p:txBody>
-          <a:bodyPr lIns="73025" tIns="36512" rIns="73025" bIns="36512" anchor="ctr">
-            <a:spAutoFit/>
-          </a:bodyPr>
-          <a:lstStyle/>
-          <a:p>
-            <a:pPr algn="ctr" eaLnBrk="0" hangingPunct="0"/>
-            <a:r>
-              <a:rPr lang="en-US" sz="1200"/>
-              <a:t>Non-Aggregated Flows – export </a:t>
-            </a:r>
-            <a:r>
-              <a:rPr lang="en-US" sz="1200" b="1"/>
-              <a:t>Version 5 or 9</a:t>
-            </a:r>
-          </a:p>
-        </p:txBody>
-      </p:sp>
-      <p:sp>
-        <p:nvSpPr>
-          <p:cNvPr id="14360" name="Text Box 24"/>
-          <p:cNvSpPr txBox="1">
-            <a:spLocks noChangeArrowheads="1"/>
-          </p:cNvSpPr>
-          <p:nvPr/>
-        </p:nvSpPr>
-        <p:spPr bwMode="auto">
-          <a:xfrm>
-            <a:off x="1760277" y="5842052"/>
-            <a:ext cx="2673874" cy="350736"/>
-          </a:xfrm>
-          <a:prstGeom prst="rect">
-            <a:avLst/>
-          </a:prstGeom>
-          <a:noFill/>
-          <a:ln>
-            <a:noFill/>
-          </a:ln>
-          <a:effectLst/>
-          <a:extLst>
-            <a:ext uri="{909E8E84-426E-40dd-AFC4-6F175D3DCCD1}">
-              <a14:hiddenFill xmlns="" xmlns:a14="http://schemas.microsoft.com/office/drawing/2010/main">
-                <a:solidFill>
-                  <a:schemeClr val="accent1"/>
-                </a:solidFill>
-              </a14:hiddenFill>
-            </a:ext>
-            <a:ext uri="{91240B29-F687-4f45-9708-019B960494DF}">
-              <a14:hiddenLine xmlns="" xmlns:a14="http://schemas.microsoft.com/office/drawing/2010/main" w="9525">
-                <a:solidFill>
-                  <a:schemeClr val="tx1"/>
-                </a:solidFill>
-                <a:miter lim="800000"/>
-                <a:headEnd/>
-                <a:tailEnd/>
-              </a14:hiddenLine>
-            </a:ext>
-            <a:ext uri="{AF507438-7753-43e0-B8FC-AC1667EBCBE1}">
-              <a14:hiddenEffects xmlns="" xmlns:a14="http://schemas.microsoft.com/office/drawing/2010/main">
-                <a:effectLst>
-                  <a:outerShdw blurRad="63500" dist="38099" dir="2700000" algn="ctr" rotWithShape="0">
-                    <a:schemeClr val="bg2">
-                      <a:alpha val="74998"/>
-                    </a:schemeClr>
-                  </a:outerShdw>
-                </a:effectLst>
-              </a14:hiddenEffects>
-            </a:ext>
-          </a:extLst>
-        </p:spPr>
-        <p:txBody>
-          <a:bodyPr wrap="none" lIns="73025" tIns="36512" rIns="73025" bIns="36512" anchor="ctr">
-            <a:spAutoFit/>
-          </a:bodyPr>
-          <a:lstStyle>
-            <a:lvl1pPr marL="457200" indent="-457200">
-              <a:defRPr>
-                <a:solidFill>
-                  <a:schemeClr val="tx1"/>
-                </a:solidFill>
-                <a:latin typeface="Arial" charset="0"/>
-                <a:ea typeface="ＭＳ Ｐゴシック" charset="0"/>
-              </a:defRPr>
-            </a:lvl1pPr>
-            <a:lvl2pPr marL="914400" indent="-457200">
-              <a:defRPr>
-                <a:solidFill>
-                  <a:schemeClr val="tx1"/>
-                </a:solidFill>
-                <a:latin typeface="Arial" charset="0"/>
-                <a:ea typeface="ＭＳ Ｐゴシック" charset="0"/>
-              </a:defRPr>
-            </a:lvl2pPr>
-            <a:lvl3pPr marL="1371600" indent="-457200">
-              <a:defRPr>
-                <a:solidFill>
-                  <a:schemeClr val="tx1"/>
-                </a:solidFill>
-                <a:latin typeface="Arial" charset="0"/>
-                <a:ea typeface="ＭＳ Ｐゴシック" charset="0"/>
-              </a:defRPr>
-            </a:lvl3pPr>
-            <a:lvl4pPr marL="1828800" indent="-457200">
-              <a:defRPr>
-                <a:solidFill>
-                  <a:schemeClr val="tx1"/>
-                </a:solidFill>
-                <a:latin typeface="Arial" charset="0"/>
-                <a:ea typeface="ＭＳ Ｐゴシック" charset="0"/>
-              </a:defRPr>
-            </a:lvl4pPr>
-            <a:lvl5pPr marL="2286000" indent="-457200">
-              <a:defRPr>
-                <a:solidFill>
-                  <a:schemeClr val="tx1"/>
-                </a:solidFill>
-                <a:latin typeface="Arial" charset="0"/>
-                <a:ea typeface="ＭＳ Ｐゴシック" charset="0"/>
-              </a:defRPr>
-            </a:lvl5pPr>
-            <a:lvl6pPr marL="2743200" indent="-457200" fontAlgn="base">
-              <a:spcBef>
-                <a:spcPct val="0"/>
-              </a:spcBef>
-              <a:spcAft>
-                <a:spcPct val="0"/>
-              </a:spcAft>
-              <a:defRPr>
-                <a:solidFill>
-                  <a:schemeClr val="tx1"/>
-                </a:solidFill>
-                <a:latin typeface="Arial" charset="0"/>
-                <a:ea typeface="ＭＳ Ｐゴシック" charset="0"/>
-              </a:defRPr>
-            </a:lvl6pPr>
-            <a:lvl7pPr marL="3200400" indent="-457200" fontAlgn="base">
-              <a:spcBef>
-                <a:spcPct val="0"/>
-              </a:spcBef>
-              <a:spcAft>
-                <a:spcPct val="0"/>
-              </a:spcAft>
-              <a:defRPr>
-                <a:solidFill>
-                  <a:schemeClr val="tx1"/>
-                </a:solidFill>
-                <a:latin typeface="Arial" charset="0"/>
-                <a:ea typeface="ＭＳ Ｐゴシック" charset="0"/>
-              </a:defRPr>
-            </a:lvl7pPr>
-            <a:lvl8pPr marL="3657600" indent="-457200" fontAlgn="base">
-              <a:spcBef>
-                <a:spcPct val="0"/>
-              </a:spcBef>
-              <a:spcAft>
-                <a:spcPct val="0"/>
-              </a:spcAft>
-              <a:defRPr>
-                <a:solidFill>
-                  <a:schemeClr val="tx1"/>
-                </a:solidFill>
-                <a:latin typeface="Arial" charset="0"/>
-                <a:ea typeface="ＭＳ Ｐゴシック" charset="0"/>
-              </a:defRPr>
-            </a:lvl8pPr>
-            <a:lvl9pPr marL="4114800" indent="-457200" fontAlgn="base">
-              <a:spcBef>
-                <a:spcPct val="0"/>
-              </a:spcBef>
-              <a:spcAft>
-                <a:spcPct val="0"/>
-              </a:spcAft>
-              <a:defRPr>
-                <a:solidFill>
-                  <a:schemeClr val="tx1"/>
-                </a:solidFill>
-                <a:latin typeface="Arial" charset="0"/>
-                <a:ea typeface="ＭＳ Ｐゴシック" charset="0"/>
-              </a:defRPr>
-            </a:lvl9pPr>
-          </a:lstStyle>
-          <a:p>
-            <a:pPr algn="ctr" eaLnBrk="0" hangingPunct="0">
-              <a:buFontTx/>
-              <a:buAutoNum type="arabicPeriod" startAt="5"/>
-            </a:pPr>
-            <a:r>
-              <a:rPr lang="en-US" b="1"/>
-              <a:t>Transport Protocol</a:t>
+            <a:r>
+              <a:rPr lang="en-US" sz="4400" dirty="0"/>
+              <a:t>Demonstration:</a:t>
+            </a:r>
+            <a:br>
+              <a:rPr lang="en-US" sz="4400" dirty="0"/>
+            </a:br>
+            <a:r>
+              <a:rPr lang="en-US" sz="4400" dirty="0"/>
+              <a:t>Packet Capture in Python</a:t>
             </a:r>
           </a:p>
         </p:txBody>
@@ -11915,7 +9350,7 @@
     </p:spTree>
     <p:extLst>
       <p:ext uri="{BB962C8B-B14F-4D97-AF65-F5344CB8AC3E}">
-        <p14:creationId xmlns:p14="http://schemas.microsoft.com/office/powerpoint/2010/main" val="2548278083"/>
+        <p14:creationId xmlns:p14="http://schemas.microsoft.com/office/powerpoint/2010/main" val="3617082419"/>
       </p:ext>
     </p:extLst>
   </p:cSld>
@@ -11944,7 +9379,13 @@
       </p:grpSpPr>
       <p:sp>
         <p:nvSpPr>
-          <p:cNvPr id="10" name="Slide Number Placeholder 5"/>
+          <p:cNvPr id="3" name="Slide Number Placeholder 2">
+            <a:extLst>
+              <a:ext uri="{FF2B5EF4-FFF2-40B4-BE49-F238E27FC236}">
+                <a16:creationId xmlns:a16="http://schemas.microsoft.com/office/drawing/2014/main" id="{BCC6CCD6-B825-BC46-BEF8-0B94C44FDDA8}"/>
+              </a:ext>
+            </a:extLst>
+          </p:cNvPr>
           <p:cNvSpPr>
             <a:spLocks noGrp="1"/>
           </p:cNvSpPr>
@@ -11957,393 +9398,48 @@
           <a:bodyPr/>
           <a:lstStyle/>
           <a:p>
-            <a:fld id="{1647E03D-B1FC-544F-85FD-187833F2B10F}" type="slidenum">
-              <a:rPr lang="en-US"/>
-              <a:pPr/>
+            <a:fld id="{D7AA6054-60FB-8048-98AD-326CDDBBD22D}" type="slidenum">
+              <a:rPr lang="en-US" smtClean="0"/>
               <a:t>19</a:t>
             </a:fld>
             <a:endParaRPr lang="en-US"/>
           </a:p>
         </p:txBody>
       </p:sp>
-      <p:sp>
-        <p:nvSpPr>
-          <p:cNvPr id="8194" name="Rectangle 2"/>
-          <p:cNvSpPr>
-            <a:spLocks noGrp="1" noChangeArrowheads="1"/>
-          </p:cNvSpPr>
-          <p:nvPr>
-            <p:ph type="title"/>
-          </p:nvPr>
-        </p:nvSpPr>
-        <p:spPr/>
-        <p:txBody>
-          <a:bodyPr/>
-          <a:lstStyle/>
-          <a:p>
-            <a:r>
-              <a:rPr lang="en-US"/>
-              <a:t>Packet Capture: tcpdump/bpf</a:t>
-            </a:r>
-          </a:p>
-        </p:txBody>
-      </p:sp>
-      <p:sp>
-        <p:nvSpPr>
-          <p:cNvPr id="8195" name="Rectangle 3"/>
-          <p:cNvSpPr>
-            <a:spLocks noGrp="1" noChangeArrowheads="1"/>
-          </p:cNvSpPr>
-          <p:nvPr>
-            <p:ph type="body" idx="1"/>
-          </p:nvPr>
-        </p:nvSpPr>
+      <p:pic>
+        <p:nvPicPr>
+          <p:cNvPr id="5" name="Picture 4">
+            <a:extLst>
+              <a:ext uri="{FF2B5EF4-FFF2-40B4-BE49-F238E27FC236}">
+                <a16:creationId xmlns:a16="http://schemas.microsoft.com/office/drawing/2014/main" id="{BEDAB796-6A00-C346-B2E8-1B4CD0C0B202}"/>
+              </a:ext>
+            </a:extLst>
+          </p:cNvPr>
+          <p:cNvPicPr>
+            <a:picLocks noChangeAspect="1"/>
+          </p:cNvPicPr>
+          <p:nvPr/>
+        </p:nvPicPr>
+        <p:blipFill>
+          <a:blip r:embed="rId2"/>
+          <a:stretch>
+            <a:fillRect/>
+          </a:stretch>
+        </p:blipFill>
         <p:spPr>
           <a:xfrm>
-            <a:off x="1981200" y="1981200"/>
-            <a:ext cx="4724400" cy="914400"/>
-          </a:xfrm>
-        </p:spPr>
-        <p:txBody>
-          <a:bodyPr/>
-          <a:lstStyle/>
-          <a:p>
-            <a:pPr>
-              <a:lnSpc>
-                <a:spcPct val="90000"/>
-              </a:lnSpc>
-            </a:pPr>
-            <a:r>
-              <a:rPr lang="en-US" sz="2000"/>
-              <a:t>Put interface in promiscuous mode</a:t>
-            </a:r>
-          </a:p>
-          <a:p>
-            <a:pPr>
-              <a:lnSpc>
-                <a:spcPct val="90000"/>
-              </a:lnSpc>
-            </a:pPr>
-            <a:r>
-              <a:rPr lang="en-US" sz="2000"/>
-              <a:t>Use bpf to extract packets of interest</a:t>
-            </a:r>
-          </a:p>
-        </p:txBody>
-      </p:sp>
-      <p:sp>
-        <p:nvSpPr>
-          <p:cNvPr id="8196" name="Rectangle 4"/>
-          <p:cNvSpPr>
-            <a:spLocks noChangeArrowheads="1"/>
-          </p:cNvSpPr>
-          <p:nvPr/>
-        </p:nvSpPr>
-        <p:spPr bwMode="auto">
-          <a:xfrm>
-            <a:off x="2057400" y="4191000"/>
-            <a:ext cx="8229600" cy="1219200"/>
+            <a:off x="753844" y="0"/>
+            <a:ext cx="9626410" cy="6042991"/>
           </a:xfrm>
           <a:prstGeom prst="rect">
             <a:avLst/>
           </a:prstGeom>
-          <a:noFill/>
-          <a:ln>
-            <a:noFill/>
-          </a:ln>
-          <a:effectLst/>
-          <a:extLst>
-            <a:ext uri="{909E8E84-426E-40dd-AFC4-6F175D3DCCD1}">
-              <a14:hiddenFill xmlns="" xmlns:a14="http://schemas.microsoft.com/office/drawing/2010/main">
-                <a:solidFill>
-                  <a:schemeClr val="accent1"/>
-                </a:solidFill>
-              </a14:hiddenFill>
-            </a:ext>
-            <a:ext uri="{91240B29-F687-4f45-9708-019B960494DF}">
-              <a14:hiddenLine xmlns="" xmlns:a14="http://schemas.microsoft.com/office/drawing/2010/main" w="9525">
-                <a:solidFill>
-                  <a:schemeClr val="tx1"/>
-                </a:solidFill>
-                <a:miter lim="800000"/>
-                <a:headEnd/>
-                <a:tailEnd/>
-              </a14:hiddenLine>
-            </a:ext>
-            <a:ext uri="{AF507438-7753-43e0-B8FC-AC1667EBCBE1}">
-              <a14:hiddenEffects xmlns="" xmlns:a14="http://schemas.microsoft.com/office/drawing/2010/main">
-                <a:effectLst>
-                  <a:outerShdw blurRad="63500" dist="38099" dir="2700000" algn="ctr" rotWithShape="0">
-                    <a:schemeClr val="bg2">
-                      <a:alpha val="74998"/>
-                    </a:schemeClr>
-                  </a:outerShdw>
-                </a:effectLst>
-              </a14:hiddenEffects>
-            </a:ext>
-          </a:extLst>
-        </p:spPr>
-        <p:txBody>
-          <a:bodyPr/>
-          <a:lstStyle/>
-          <a:p>
-            <a:pPr marL="342891" indent="-342891">
-              <a:spcBef>
-                <a:spcPct val="20000"/>
-              </a:spcBef>
-              <a:buFontTx/>
-              <a:buChar char="•"/>
-            </a:pPr>
-            <a:r>
-              <a:rPr lang="en-US" sz="2800"/>
-              <a:t>Packets may be dropped by filter</a:t>
-            </a:r>
-          </a:p>
-          <a:p>
-            <a:pPr marL="742932" lvl="1" indent="-285744">
-              <a:spcBef>
-                <a:spcPct val="20000"/>
-              </a:spcBef>
-              <a:buFontTx/>
-              <a:buChar char="–"/>
-            </a:pPr>
-            <a:r>
-              <a:rPr lang="en-US" sz="2400"/>
-              <a:t>Failure of tcpdump to keep up with filter</a:t>
-            </a:r>
-          </a:p>
-          <a:p>
-            <a:pPr marL="742932" lvl="1" indent="-285744">
-              <a:spcBef>
-                <a:spcPct val="20000"/>
-              </a:spcBef>
-              <a:buFontTx/>
-              <a:buChar char="–"/>
-            </a:pPr>
-            <a:r>
-              <a:rPr lang="en-US" sz="2400"/>
-              <a:t>Failure of filter to keep up with dump speeds</a:t>
-            </a:r>
-          </a:p>
-        </p:txBody>
-      </p:sp>
-      <p:sp>
-        <p:nvSpPr>
-          <p:cNvPr id="8197" name="Text Box 5"/>
-          <p:cNvSpPr txBox="1">
-            <a:spLocks noChangeArrowheads="1"/>
-          </p:cNvSpPr>
-          <p:nvPr/>
-        </p:nvSpPr>
-        <p:spPr bwMode="auto">
-          <a:xfrm>
-            <a:off x="2438400" y="6019800"/>
-            <a:ext cx="7543800" cy="400110"/>
-          </a:xfrm>
-          <a:prstGeom prst="rect">
-            <a:avLst/>
-          </a:prstGeom>
-          <a:solidFill>
-            <a:schemeClr val="accent1"/>
-          </a:solidFill>
-          <a:ln>
-            <a:noFill/>
-          </a:ln>
-          <a:effectLst/>
-          <a:extLst>
-            <a:ext uri="{91240B29-F687-4f45-9708-019B960494DF}">
-              <a14:hiddenLine xmlns="" xmlns:a14="http://schemas.microsoft.com/office/drawing/2010/main" w="9525">
-                <a:solidFill>
-                  <a:schemeClr val="tx1"/>
-                </a:solidFill>
-                <a:miter lim="800000"/>
-                <a:headEnd/>
-                <a:tailEnd/>
-              </a14:hiddenLine>
-            </a:ext>
-            <a:ext uri="{AF507438-7753-43e0-B8FC-AC1667EBCBE1}">
-              <a14:hiddenEffects xmlns="" xmlns:a14="http://schemas.microsoft.com/office/drawing/2010/main">
-                <a:effectLst>
-                  <a:outerShdw blurRad="63500" dist="38099" dir="2700000" algn="ctr" rotWithShape="0">
-                    <a:schemeClr val="bg2">
-                      <a:alpha val="74998"/>
-                    </a:schemeClr>
-                  </a:outerShdw>
-                </a:effectLst>
-              </a14:hiddenEffects>
-            </a:ext>
-          </a:extLst>
-        </p:spPr>
-        <p:txBody>
-          <a:bodyPr>
-            <a:spAutoFit/>
-          </a:bodyPr>
-          <a:lstStyle/>
-          <a:p>
-            <a:pPr algn="ctr">
-              <a:spcBef>
-                <a:spcPct val="50000"/>
-              </a:spcBef>
-            </a:pPr>
-            <a:r>
-              <a:rPr lang="en-US" sz="2000" b="1">
-                <a:solidFill>
-                  <a:srgbClr val="FF0000"/>
-                </a:solidFill>
-              </a:rPr>
-              <a:t>Question:</a:t>
-            </a:r>
-            <a:r>
-              <a:rPr lang="en-US" sz="2000"/>
-              <a:t> How to recover lost information from packet drops?</a:t>
-            </a:r>
-          </a:p>
-        </p:txBody>
-      </p:sp>
-      <p:sp>
-        <p:nvSpPr>
-          <p:cNvPr id="8198" name="Text Box 6"/>
-          <p:cNvSpPr txBox="1">
-            <a:spLocks noChangeArrowheads="1"/>
-          </p:cNvSpPr>
-          <p:nvPr/>
-        </p:nvSpPr>
-        <p:spPr bwMode="auto">
-          <a:xfrm>
-            <a:off x="2057400" y="3733801"/>
-            <a:ext cx="3352800" cy="461665"/>
-          </a:xfrm>
-          <a:prstGeom prst="rect">
-            <a:avLst/>
-          </a:prstGeom>
-          <a:noFill/>
-          <a:ln>
-            <a:noFill/>
-          </a:ln>
-          <a:effectLst/>
-          <a:extLst>
-            <a:ext uri="{909E8E84-426E-40dd-AFC4-6F175D3DCCD1}">
-              <a14:hiddenFill xmlns="" xmlns:a14="http://schemas.microsoft.com/office/drawing/2010/main">
-                <a:solidFill>
-                  <a:schemeClr val="accent1"/>
-                </a:solidFill>
-              </a14:hiddenFill>
-            </a:ext>
-            <a:ext uri="{91240B29-F687-4f45-9708-019B960494DF}">
-              <a14:hiddenLine xmlns="" xmlns:a14="http://schemas.microsoft.com/office/drawing/2010/main" w="9525">
-                <a:solidFill>
-                  <a:schemeClr val="tx1"/>
-                </a:solidFill>
-                <a:miter lim="800000"/>
-                <a:headEnd/>
-                <a:tailEnd/>
-              </a14:hiddenLine>
-            </a:ext>
-            <a:ext uri="{AF507438-7753-43e0-B8FC-AC1667EBCBE1}">
-              <a14:hiddenEffects xmlns="" xmlns:a14="http://schemas.microsoft.com/office/drawing/2010/main">
-                <a:effectLst>
-                  <a:outerShdw blurRad="63500" dist="38099" dir="2700000" algn="ctr" rotWithShape="0">
-                    <a:schemeClr val="bg2">
-                      <a:alpha val="74998"/>
-                    </a:schemeClr>
-                  </a:outerShdw>
-                </a:effectLst>
-              </a14:hiddenEffects>
-            </a:ext>
-          </a:extLst>
-        </p:spPr>
-        <p:txBody>
-          <a:bodyPr>
-            <a:spAutoFit/>
-          </a:bodyPr>
-          <a:lstStyle/>
-          <a:p>
-            <a:pPr>
-              <a:spcBef>
-                <a:spcPct val="50000"/>
-              </a:spcBef>
-            </a:pPr>
-            <a:r>
-              <a:rPr lang="en-US" sz="2400" b="1">
-                <a:solidFill>
-                  <a:srgbClr val="FF0000"/>
-                </a:solidFill>
-              </a:rPr>
-              <a:t>Accuracy Issues</a:t>
-            </a:r>
-          </a:p>
-        </p:txBody>
-      </p:sp>
-      <p:pic>
-        <p:nvPicPr>
-          <p:cNvPr id="8199" name="Picture 7"/>
-          <p:cNvPicPr>
-            <a:picLocks noChangeAspect="1" noChangeArrowheads="1"/>
-          </p:cNvPicPr>
-          <p:nvPr/>
-        </p:nvPicPr>
-        <p:blipFill>
-          <a:blip r:embed="rId3">
-            <a:extLst>
-              <a:ext uri="{28A0092B-C50C-407E-A947-70E740481C1C}">
-                <a14:useLocalDpi xmlns:a14="http://schemas.microsoft.com/office/drawing/2010/main" val="0"/>
-              </a:ext>
-            </a:extLst>
-          </a:blip>
-          <a:srcRect/>
-          <a:stretch>
-            <a:fillRect/>
-          </a:stretch>
-        </p:blipFill>
-        <p:spPr bwMode="auto">
-          <a:xfrm>
-            <a:off x="6858000" y="1295401"/>
-            <a:ext cx="3565525" cy="2943225"/>
-          </a:xfrm>
-          <a:prstGeom prst="rect">
-            <a:avLst/>
-          </a:prstGeom>
-          <a:noFill/>
-          <a:ln>
-            <a:noFill/>
-          </a:ln>
-          <a:effectLst/>
-          <a:extLst>
-            <a:ext uri="{909E8E84-426E-40dd-AFC4-6F175D3DCCD1}">
-              <a14:hiddenFill xmlns="" xmlns:a14="http://schemas.microsoft.com/office/drawing/2010/main">
-                <a:solidFill>
-                  <a:schemeClr val="accent1"/>
-                </a:solidFill>
-              </a14:hiddenFill>
-            </a:ext>
-            <a:ext uri="{91240B29-F687-4f45-9708-019B960494DF}">
-              <a14:hiddenLine xmlns="" xmlns:a14="http://schemas.microsoft.com/office/drawing/2010/main" w="9525">
-                <a:solidFill>
-                  <a:schemeClr val="tx1"/>
-                </a:solidFill>
-                <a:miter lim="800000"/>
-                <a:headEnd/>
-                <a:tailEnd/>
-              </a14:hiddenLine>
-            </a:ext>
-            <a:ext uri="{AF507438-7753-43e0-B8FC-AC1667EBCBE1}">
-              <a14:hiddenEffects xmlns="" xmlns:a14="http://schemas.microsoft.com/office/drawing/2010/main">
-                <a:effectLst>
-                  <a:outerShdw blurRad="63500" dist="38099" dir="2700000" algn="ctr" rotWithShape="0">
-                    <a:schemeClr val="bg2">
-                      <a:alpha val="74998"/>
-                    </a:schemeClr>
-                  </a:outerShdw>
-                </a:effectLst>
-              </a14:hiddenEffects>
-            </a:ext>
-          </a:extLst>
         </p:spPr>
       </p:pic>
     </p:spTree>
     <p:extLst>
       <p:ext uri="{BB962C8B-B14F-4D97-AF65-F5344CB8AC3E}">
-        <p14:creationId xmlns:p14="http://schemas.microsoft.com/office/powerpoint/2010/main" val="2065599271"/>
+        <p14:creationId xmlns:p14="http://schemas.microsoft.com/office/powerpoint/2010/main" val="2699403965"/>
       </p:ext>
     </p:extLst>
   </p:cSld>
@@ -12411,179 +9507,6 @@
 </p:sld>
 </file>
 
-<file path=ppt/slides/slide20.xml><?xml version="1.0" encoding="utf-8"?>
-<p:sld xmlns:a="http://schemas.openxmlformats.org/drawingml/2006/main" xmlns:r="http://schemas.openxmlformats.org/officeDocument/2006/relationships" xmlns:p="http://schemas.openxmlformats.org/presentationml/2006/main">
-  <p:cSld>
-    <p:spTree>
-      <p:nvGrpSpPr>
-        <p:cNvPr id="1" name=""/>
-        <p:cNvGrpSpPr/>
-        <p:nvPr/>
-      </p:nvGrpSpPr>
-      <p:grpSpPr>
-        <a:xfrm>
-          <a:off x="0" y="0"/>
-          <a:ext cx="0" cy="0"/>
-          <a:chOff x="0" y="0"/>
-          <a:chExt cx="0" cy="0"/>
-        </a:xfrm>
-      </p:grpSpPr>
-      <p:sp>
-        <p:nvSpPr>
-          <p:cNvPr id="5" name="Title 4">
-            <a:extLst>
-              <a:ext uri="{FF2B5EF4-FFF2-40B4-BE49-F238E27FC236}">
-                <a16:creationId xmlns:a16="http://schemas.microsoft.com/office/drawing/2014/main" id="{3C485A7A-6D4C-6449-95D3-D40C9E876BB6}"/>
-              </a:ext>
-            </a:extLst>
-          </p:cNvPr>
-          <p:cNvSpPr>
-            <a:spLocks noGrp="1"/>
-          </p:cNvSpPr>
-          <p:nvPr>
-            <p:ph type="ctrTitle"/>
-          </p:nvPr>
-        </p:nvSpPr>
-        <p:spPr/>
-        <p:txBody>
-          <a:bodyPr/>
-          <a:lstStyle/>
-          <a:p>
-            <a:r>
-              <a:rPr lang="en-US"/>
-              <a:t>Demonstration</a:t>
-            </a:r>
-            <a:endParaRPr lang="en-US" dirty="0"/>
-          </a:p>
-        </p:txBody>
-      </p:sp>
-    </p:spTree>
-    <p:extLst>
-      <p:ext uri="{BB962C8B-B14F-4D97-AF65-F5344CB8AC3E}">
-        <p14:creationId xmlns:p14="http://schemas.microsoft.com/office/powerpoint/2010/main" val="3617082419"/>
-      </p:ext>
-    </p:extLst>
-  </p:cSld>
-  <p:clrMapOvr>
-    <a:masterClrMapping/>
-  </p:clrMapOvr>
-</p:sld>
-</file>
-
-<file path=ppt/slides/slide21.xml><?xml version="1.0" encoding="utf-8"?>
-<p:sld xmlns:a="http://schemas.openxmlformats.org/drawingml/2006/main" xmlns:r="http://schemas.openxmlformats.org/officeDocument/2006/relationships" xmlns:p="http://schemas.openxmlformats.org/presentationml/2006/main">
-  <p:cSld>
-    <p:spTree>
-      <p:nvGrpSpPr>
-        <p:cNvPr id="1" name=""/>
-        <p:cNvGrpSpPr/>
-        <p:nvPr/>
-      </p:nvGrpSpPr>
-      <p:grpSpPr>
-        <a:xfrm>
-          <a:off x="0" y="0"/>
-          <a:ext cx="0" cy="0"/>
-          <a:chOff x="0" y="0"/>
-          <a:chExt cx="0" cy="0"/>
-        </a:xfrm>
-      </p:grpSpPr>
-      <p:sp>
-        <p:nvSpPr>
-          <p:cNvPr id="2" name="Title 1">
-            <a:extLst>
-              <a:ext uri="{FF2B5EF4-FFF2-40B4-BE49-F238E27FC236}">
-                <a16:creationId xmlns:a16="http://schemas.microsoft.com/office/drawing/2014/main" id="{CC41D186-8911-9F4B-8D5D-343D0DB2995D}"/>
-              </a:ext>
-            </a:extLst>
-          </p:cNvPr>
-          <p:cNvSpPr>
-            <a:spLocks noGrp="1"/>
-          </p:cNvSpPr>
-          <p:nvPr>
-            <p:ph type="title"/>
-          </p:nvPr>
-        </p:nvSpPr>
-        <p:spPr/>
-        <p:txBody>
-          <a:bodyPr/>
-          <a:lstStyle/>
-          <a:p>
-            <a:endParaRPr lang="en-US"/>
-          </a:p>
-        </p:txBody>
-      </p:sp>
-      <p:sp>
-        <p:nvSpPr>
-          <p:cNvPr id="3" name="Slide Number Placeholder 2">
-            <a:extLst>
-              <a:ext uri="{FF2B5EF4-FFF2-40B4-BE49-F238E27FC236}">
-                <a16:creationId xmlns:a16="http://schemas.microsoft.com/office/drawing/2014/main" id="{BCC6CCD6-B825-BC46-BEF8-0B94C44FDDA8}"/>
-              </a:ext>
-            </a:extLst>
-          </p:cNvPr>
-          <p:cNvSpPr>
-            <a:spLocks noGrp="1"/>
-          </p:cNvSpPr>
-          <p:nvPr>
-            <p:ph type="sldNum" sz="quarter" idx="12"/>
-          </p:nvPr>
-        </p:nvSpPr>
-        <p:spPr/>
-        <p:txBody>
-          <a:bodyPr/>
-          <a:lstStyle/>
-          <a:p>
-            <a:fld id="{D7AA6054-60FB-8048-98AD-326CDDBBD22D}" type="slidenum">
-              <a:rPr lang="en-US" smtClean="0"/>
-              <a:t>21</a:t>
-            </a:fld>
-            <a:endParaRPr lang="en-US"/>
-          </a:p>
-        </p:txBody>
-      </p:sp>
-      <p:pic>
-        <p:nvPicPr>
-          <p:cNvPr id="4" name="Picture 3">
-            <a:extLst>
-              <a:ext uri="{FF2B5EF4-FFF2-40B4-BE49-F238E27FC236}">
-                <a16:creationId xmlns:a16="http://schemas.microsoft.com/office/drawing/2014/main" id="{8FA11F1E-AE2B-BE4A-81EB-99D967B8F155}"/>
-              </a:ext>
-            </a:extLst>
-          </p:cNvPr>
-          <p:cNvPicPr>
-            <a:picLocks noChangeAspect="1"/>
-          </p:cNvPicPr>
-          <p:nvPr/>
-        </p:nvPicPr>
-        <p:blipFill>
-          <a:blip r:embed="rId2"/>
-          <a:stretch>
-            <a:fillRect/>
-          </a:stretch>
-        </p:blipFill>
-        <p:spPr>
-          <a:xfrm>
-            <a:off x="0" y="818029"/>
-            <a:ext cx="12192000" cy="5221941"/>
-          </a:xfrm>
-          <a:prstGeom prst="rect">
-            <a:avLst/>
-          </a:prstGeom>
-        </p:spPr>
-      </p:pic>
-    </p:spTree>
-    <p:extLst>
-      <p:ext uri="{BB962C8B-B14F-4D97-AF65-F5344CB8AC3E}">
-        <p14:creationId xmlns:p14="http://schemas.microsoft.com/office/powerpoint/2010/main" val="2699403965"/>
-      </p:ext>
-    </p:extLst>
-  </p:cSld>
-  <p:clrMapOvr>
-    <a:masterClrMapping/>
-  </p:clrMapOvr>
-</p:sld>
-</file>
-
 <file path=ppt/slides/slide3.xml><?xml version="1.0" encoding="utf-8"?>
 <p:sld xmlns:a="http://schemas.openxmlformats.org/drawingml/2006/main" xmlns:r="http://schemas.openxmlformats.org/officeDocument/2006/relationships" xmlns:p="http://schemas.openxmlformats.org/presentationml/2006/main">
   <p:cSld>
@@ -12659,7 +9582,7 @@
           <a:p>
             <a:r>
               <a:rPr lang="en-US" dirty="0"/>
-              <a:t>Learn about how network traffic is measured.</a:t>
+              <a:t>How network traffic is measured in practice.</a:t>
             </a:r>
           </a:p>
           <a:p>
@@ -12668,7 +9591,7 @@
           <a:p>
             <a:r>
               <a:rPr lang="en-US" dirty="0"/>
-              <a:t>Learn about how to represent network traffic for input to machine learning models.</a:t>
+              <a:t>How to represent network traffic in standard data structures in Python (e.g., Pandas data frames)</a:t>
             </a:r>
           </a:p>
           <a:p>
@@ -12677,8 +9600,14 @@
           <a:p>
             <a:r>
               <a:rPr lang="en-US" dirty="0"/>
-              <a:t>Loading network traffic into software libraries.</a:t>
-            </a:r>
+              <a:t>How to represent network traffic for input to machine learning models.</a:t>
+            </a:r>
+          </a:p>
+          <a:p>
+            <a:endParaRPr lang="en-US" dirty="0"/>
+          </a:p>
+          <a:p>
+            <a:endParaRPr lang="en-US" dirty="0"/>
           </a:p>
         </p:txBody>
       </p:sp>
@@ -12735,13 +9664,8 @@
           <a:p>
             <a:r>
               <a:rPr lang="en-US" dirty="0"/>
-              <a:t>Measurement and </a:t>
-            </a:r>
-            <a:r>
-              <a:rPr lang="en-US"/>
-              <a:t>DATA Collection</a:t>
-            </a:r>
-            <a:endParaRPr lang="en-US" dirty="0"/>
+              <a:t>Measurement and DATA Collection</a:t>
+            </a:r>
           </a:p>
         </p:txBody>
       </p:sp>
@@ -12920,7 +9844,7 @@
                 <a:ea typeface="ＭＳ Ｐゴシック" charset="0"/>
                 <a:cs typeface="ＭＳ Ｐゴシック" charset="0"/>
               </a:rPr>
-              <a:t>The Role of Measurement in Operations</a:t>
+              <a:t>What Data Can Tell Us About Networks</a:t>
             </a:r>
           </a:p>
         </p:txBody>
@@ -12937,13 +9861,76 @@
         </p:nvSpPr>
         <p:spPr>
           <a:xfrm>
-            <a:off x="304800" y="1341437"/>
-            <a:ext cx="9906000" cy="4525963"/>
+            <a:off x="715616" y="1436853"/>
+            <a:ext cx="9495183" cy="4525963"/>
           </a:xfrm>
         </p:spPr>
         <p:txBody>
-          <a:bodyPr/>
+          <a:bodyPr>
+            <a:normAutofit/>
+          </a:bodyPr>
           <a:lstStyle/>
+          <a:p>
+            <a:r>
+              <a:rPr lang="en-US" b="1" dirty="0">
+                <a:latin typeface="Arial" charset="0"/>
+                <a:cs typeface="Arial" charset="0"/>
+              </a:rPr>
+              <a:t>Security (This Course)</a:t>
+            </a:r>
+          </a:p>
+          <a:p>
+            <a:pPr lvl="1"/>
+            <a:r>
+              <a:rPr lang="en-US" dirty="0">
+                <a:latin typeface="Arial" charset="0"/>
+                <a:ea typeface="Arial" charset="0"/>
+                <a:cs typeface="Arial" charset="0"/>
+              </a:rPr>
+              <a:t>Detect and mitigate attacks</a:t>
+            </a:r>
+          </a:p>
+          <a:p>
+            <a:pPr lvl="1"/>
+            <a:r>
+              <a:rPr lang="en-US" dirty="0">
+                <a:latin typeface="Arial" charset="0"/>
+                <a:ea typeface="Arial" charset="0"/>
+                <a:cs typeface="Arial" charset="0"/>
+              </a:rPr>
+              <a:t>Determine source of attacks</a:t>
+            </a:r>
+          </a:p>
+          <a:p>
+            <a:pPr lvl="1"/>
+            <a:r>
+              <a:rPr lang="en-US" dirty="0">
+                <a:latin typeface="Arial" charset="0"/>
+                <a:ea typeface="Arial" charset="0"/>
+                <a:cs typeface="Arial" charset="0"/>
+              </a:rPr>
+              <a:t>Identify unusual behavior</a:t>
+            </a:r>
+          </a:p>
+          <a:p>
+            <a:pPr lvl="1"/>
+            <a:r>
+              <a:rPr lang="en-US" dirty="0">
+                <a:latin typeface="Arial" charset="0"/>
+                <a:ea typeface="Arial" charset="0"/>
+                <a:cs typeface="Arial" charset="0"/>
+              </a:rPr>
+              <a:t>Identify devices</a:t>
+            </a:r>
+          </a:p>
+          <a:p>
+            <a:pPr lvl="1"/>
+            <a:endParaRPr lang="en-US" dirty="0">
+              <a:latin typeface="Arial" charset="0"/>
+              <a:ea typeface="Arial" charset="0"/>
+              <a:cs typeface="Arial" charset="0"/>
+            </a:endParaRPr>
+          </a:p>
           <a:p>
             <a:r>
               <a:rPr lang="en-US" dirty="0">
@@ -12951,17 +9938,6 @@
                 <a:cs typeface="Arial" charset="0"/>
               </a:rPr>
               <a:t>Performance and Reliability</a:t>
-            </a:r>
-          </a:p>
-          <a:p>
-            <a:pPr lvl="1"/>
-            <a:r>
-              <a:rPr lang="en-US" dirty="0">
-                <a:latin typeface="Arial" charset="0"/>
-                <a:ea typeface="Arial" charset="0"/>
-                <a:cs typeface="Arial" charset="0"/>
-              </a:rPr>
-              <a:t>Generate reports for customers and internal groups</a:t>
             </a:r>
           </a:p>
           <a:p>
@@ -12983,18 +9959,7 @@
                 <a:ea typeface="Arial" charset="0"/>
                 <a:cs typeface="Arial" charset="0"/>
               </a:rPr>
-              <a:t>Tune the configuration of the network to the traffic</a:t>
-            </a:r>
-          </a:p>
-          <a:p>
-            <a:pPr lvl="1"/>
-            <a:r>
-              <a:rPr lang="en-US" dirty="0">
-                <a:latin typeface="Arial" charset="0"/>
-                <a:ea typeface="Arial" charset="0"/>
-                <a:cs typeface="Arial" charset="0"/>
-              </a:rPr>
-              <a:t>Plan outlay of new equipment (routers, proxies, links)</a:t>
+              <a:t>Plan provisioning, detect customer problems, …</a:t>
             </a:r>
           </a:p>
           <a:p>
@@ -13004,37 +9969,6 @@
               <a:ea typeface="Arial" charset="0"/>
               <a:cs typeface="Arial" charset="0"/>
             </a:endParaRPr>
-          </a:p>
-          <a:p>
-            <a:r>
-              <a:rPr lang="en-US" dirty="0">
-                <a:latin typeface="Arial" charset="0"/>
-                <a:cs typeface="Arial" charset="0"/>
-              </a:rPr>
-              <a:t>Security</a:t>
-            </a:r>
-          </a:p>
-          <a:p>
-            <a:pPr lvl="1"/>
-            <a:r>
-              <a:rPr lang="en-US" dirty="0">
-                <a:latin typeface="Arial" charset="0"/>
-                <a:ea typeface="Arial" charset="0"/>
-                <a:cs typeface="Arial" charset="0"/>
-              </a:rPr>
-              <a:t>Detect and mitigate attacks</a:t>
-            </a:r>
-          </a:p>
-          <a:p>
-            <a:pPr lvl="1"/>
-            <a:r>
-              <a:rPr lang="en-US" dirty="0">
-                <a:latin typeface="Arial" charset="0"/>
-                <a:ea typeface="Arial" charset="0"/>
-                <a:cs typeface="Arial" charset="0"/>
-              </a:rPr>
-              <a:t>Determine source of attacks</a:t>
-            </a:r>
           </a:p>
         </p:txBody>
       </p:sp>
@@ -13113,8 +10047,98 @@
         </p:blipFill>
         <p:spPr>
           <a:xfrm>
-            <a:off x="3416952" y="113288"/>
-            <a:ext cx="4027721" cy="5665789"/>
+            <a:off x="8507896" y="112064"/>
+            <a:ext cx="3119164" cy="4387723"/>
+          </a:xfrm>
+          <a:prstGeom prst="rect">
+            <a:avLst/>
+          </a:prstGeom>
+        </p:spPr>
+      </p:pic>
+      <p:pic>
+        <p:nvPicPr>
+          <p:cNvPr id="3" name="Picture 2">
+            <a:extLst>
+              <a:ext uri="{FF2B5EF4-FFF2-40B4-BE49-F238E27FC236}">
+                <a16:creationId xmlns:a16="http://schemas.microsoft.com/office/drawing/2014/main" id="{802EABD2-0EC7-864D-B380-EE42C8011075}"/>
+              </a:ext>
+            </a:extLst>
+          </p:cNvPr>
+          <p:cNvPicPr>
+            <a:picLocks noChangeAspect="1"/>
+          </p:cNvPicPr>
+          <p:nvPr/>
+        </p:nvPicPr>
+        <p:blipFill>
+          <a:blip r:embed="rId3"/>
+          <a:stretch>
+            <a:fillRect/>
+          </a:stretch>
+        </p:blipFill>
+        <p:spPr>
+          <a:xfrm>
+            <a:off x="0" y="-28341"/>
+            <a:ext cx="5675243" cy="2991688"/>
+          </a:xfrm>
+          <a:prstGeom prst="rect">
+            <a:avLst/>
+          </a:prstGeom>
+        </p:spPr>
+      </p:pic>
+      <p:pic>
+        <p:nvPicPr>
+          <p:cNvPr id="6" name="Picture 5">
+            <a:extLst>
+              <a:ext uri="{FF2B5EF4-FFF2-40B4-BE49-F238E27FC236}">
+                <a16:creationId xmlns:a16="http://schemas.microsoft.com/office/drawing/2014/main" id="{13C4BD6E-200C-6C4D-AC13-F34C990506AD}"/>
+              </a:ext>
+            </a:extLst>
+          </p:cNvPr>
+          <p:cNvPicPr>
+            <a:picLocks noChangeAspect="1"/>
+          </p:cNvPicPr>
+          <p:nvPr/>
+        </p:nvPicPr>
+        <p:blipFill>
+          <a:blip r:embed="rId4"/>
+          <a:stretch>
+            <a:fillRect/>
+          </a:stretch>
+        </p:blipFill>
+        <p:spPr>
+          <a:xfrm>
+            <a:off x="1261242" y="3038663"/>
+            <a:ext cx="4027721" cy="2893363"/>
+          </a:xfrm>
+          <a:prstGeom prst="rect">
+            <a:avLst/>
+          </a:prstGeom>
+        </p:spPr>
+      </p:pic>
+      <p:pic>
+        <p:nvPicPr>
+          <p:cNvPr id="7" name="Picture 6">
+            <a:extLst>
+              <a:ext uri="{FF2B5EF4-FFF2-40B4-BE49-F238E27FC236}">
+                <a16:creationId xmlns:a16="http://schemas.microsoft.com/office/drawing/2014/main" id="{EE527592-AFC0-E345-A91F-9C42EBE35776}"/>
+              </a:ext>
+            </a:extLst>
+          </p:cNvPr>
+          <p:cNvPicPr>
+            <a:picLocks noChangeAspect="1"/>
+          </p:cNvPicPr>
+          <p:nvPr/>
+        </p:nvPicPr>
+        <p:blipFill>
+          <a:blip r:embed="rId5"/>
+          <a:stretch>
+            <a:fillRect/>
+          </a:stretch>
+        </p:blipFill>
+        <p:spPr>
+          <a:xfrm>
+            <a:off x="5968116" y="4499787"/>
+            <a:ext cx="4307000" cy="2153500"/>
           </a:xfrm>
           <a:prstGeom prst="rect">
             <a:avLst/>
@@ -13202,7 +10226,18 @@
               <a:rPr lang="en-US" dirty="0">
                 <a:cs typeface="+mj-cs"/>
               </a:rPr>
-              <a:t>Types of Measurements</a:t>
+              <a:t>Types of Network Measurements </a:t>
+            </a:r>
+            <a:br>
+              <a:rPr lang="en-US" dirty="0">
+                <a:cs typeface="+mj-cs"/>
+              </a:rPr>
+            </a:br>
+            <a:r>
+              <a:rPr lang="en-US" dirty="0">
+                <a:cs typeface="+mj-cs"/>
+              </a:rPr>
+              <a:t>(with demonstration)</a:t>
             </a:r>
           </a:p>
         </p:txBody>
@@ -13219,7 +10254,7 @@
         </p:nvSpPr>
         <p:spPr>
           <a:xfrm>
-            <a:off x="2057400" y="1641771"/>
+            <a:off x="976023" y="2129134"/>
             <a:ext cx="4038600" cy="4144963"/>
           </a:xfrm>
         </p:spPr>
@@ -13235,17 +10270,11 @@
             </a:pPr>
             <a:r>
               <a:rPr lang="en-US" sz="2000" dirty="0" err="1">
-                <a:solidFill>
-                  <a:srgbClr val="FF0000"/>
-                </a:solidFill>
                 <a:cs typeface="+mn-cs"/>
               </a:rPr>
               <a:t>traceroute</a:t>
             </a:r>
             <a:endParaRPr lang="en-US" sz="2000" dirty="0">
-              <a:solidFill>
-                <a:srgbClr val="FF0000"/>
-              </a:solidFill>
               <a:cs typeface="+mn-cs"/>
             </a:endParaRPr>
           </a:p>
@@ -13274,7 +10303,7 @@
               <a:rPr lang="en-US" sz="2000" dirty="0">
                 <a:cs typeface="+mn-cs"/>
               </a:rPr>
-              <a:t>UDP probes</a:t>
+              <a:t>UDP “probes”</a:t>
             </a:r>
           </a:p>
           <a:p>
@@ -13343,7 +10372,7 @@
         </p:nvSpPr>
         <p:spPr>
           <a:xfrm>
-            <a:off x="6248400" y="1671935"/>
+            <a:off x="6240449" y="1935163"/>
             <a:ext cx="4343400" cy="4144963"/>
           </a:xfrm>
         </p:spPr>
@@ -13361,9 +10390,6 @@
             </a:pPr>
             <a:r>
               <a:rPr lang="en-US" sz="2000" dirty="0">
-                <a:solidFill>
-                  <a:srgbClr val="FF0000"/>
-                </a:solidFill>
                 <a:cs typeface="+mn-cs"/>
               </a:rPr>
               <a:t>Packet traces</a:t>
@@ -13414,9 +10440,6 @@
             </a:pPr>
             <a:r>
               <a:rPr lang="en-US" sz="2000" dirty="0">
-                <a:solidFill>
-                  <a:srgbClr val="FF0000"/>
-                </a:solidFill>
                 <a:cs typeface="+mn-cs"/>
               </a:rPr>
               <a:t>Flow records</a:t>
@@ -13496,11 +10519,7 @@
               <a:defRPr/>
             </a:pPr>
             <a:r>
-              <a:rPr lang="en-US" sz="1800" dirty="0">
-                <a:solidFill>
-                  <a:srgbClr val="000000"/>
-                </a:solidFill>
-              </a:rPr>
+              <a:rPr lang="en-US" sz="1800" dirty="0"/>
               <a:t>DNSBL lookups</a:t>
             </a:r>
           </a:p>
@@ -13538,16 +10557,8 @@
               <a:defRPr/>
             </a:pPr>
             <a:r>
-              <a:rPr lang="en-US" sz="1800" dirty="0">
-                <a:solidFill>
-                  <a:srgbClr val="FF0000"/>
-                </a:solidFill>
-              </a:rPr>
-              <a:t>BGP updates</a:t>
-            </a:r>
-            <a:r>
               <a:rPr lang="en-US" sz="1800" dirty="0"/>
-              <a:t> / tables, ISIS, etc.</a:t>
+              <a:t>BGP updates / tables, ISIS, etc.</a:t>
             </a:r>
           </a:p>
           <a:p>
@@ -13584,14 +10595,14 @@
           <a:effectLst/>
           <a:extLst>
             <a:ext uri="{909E8E84-426E-40dd-AFC4-6F175D3DCCD1}">
-              <a14:hiddenFill xmlns="" xmlns:a14="http://schemas.microsoft.com/office/drawing/2010/main">
+              <a14:hiddenFill xmlns:a14="http://schemas.microsoft.com/office/drawing/2010/main" xmlns="">
                 <a:solidFill>
                   <a:schemeClr val="accent1"/>
                 </a:solidFill>
               </a14:hiddenFill>
             </a:ext>
             <a:ext uri="{91240B29-F687-4f45-9708-019B960494DF}">
-              <a14:hiddenLine xmlns="" xmlns:a14="http://schemas.microsoft.com/office/drawing/2010/main" w="9525">
+              <a14:hiddenLine xmlns:a14="http://schemas.microsoft.com/office/drawing/2010/main" xmlns="" w="9525">
                 <a:solidFill>
                   <a:schemeClr val="tx1"/>
                 </a:solidFill>
@@ -13601,7 +10612,7 @@
               </a14:hiddenLine>
             </a:ext>
             <a:ext uri="{AF507438-7753-43e0-B8FC-AC1667EBCBE1}">
-              <a14:hiddenEffects xmlns="" xmlns:a14="http://schemas.microsoft.com/office/drawing/2010/main">
+              <a14:hiddenEffects xmlns:a14="http://schemas.microsoft.com/office/drawing/2010/main" xmlns="">
                 <a:effectLst>
                   <a:outerShdw blurRad="63500" dist="38099" dir="2700000" algn="ctr" rotWithShape="0">
                     <a:schemeClr val="bg2">
@@ -13639,7 +10650,7 @@
         </p:nvSpPr>
         <p:spPr bwMode="auto">
           <a:xfrm>
-            <a:off x="6324600" y="1062335"/>
+            <a:off x="6316649" y="1325563"/>
             <a:ext cx="2514600" cy="461665"/>
           </a:xfrm>
           <a:prstGeom prst="rect">
@@ -13652,14 +10663,14 @@
           <a:effectLst/>
           <a:extLst>
             <a:ext uri="{909E8E84-426E-40dd-AFC4-6F175D3DCCD1}">
-              <a14:hiddenFill xmlns="" xmlns:a14="http://schemas.microsoft.com/office/drawing/2010/main">
+              <a14:hiddenFill xmlns:a14="http://schemas.microsoft.com/office/drawing/2010/main" xmlns="">
                 <a:solidFill>
                   <a:schemeClr val="accent1"/>
                 </a:solidFill>
               </a14:hiddenFill>
             </a:ext>
             <a:ext uri="{91240B29-F687-4f45-9708-019B960494DF}">
-              <a14:hiddenLine xmlns="" xmlns:a14="http://schemas.microsoft.com/office/drawing/2010/main" w="9525">
+              <a14:hiddenLine xmlns:a14="http://schemas.microsoft.com/office/drawing/2010/main" xmlns="" w="9525">
                 <a:solidFill>
                   <a:schemeClr val="tx1"/>
                 </a:solidFill>
@@ -13669,7 +10680,7 @@
               </a14:hiddenLine>
             </a:ext>
             <a:ext uri="{AF507438-7753-43e0-B8FC-AC1667EBCBE1}">
-              <a14:hiddenEffects xmlns="" xmlns:a14="http://schemas.microsoft.com/office/drawing/2010/main">
+              <a14:hiddenEffects xmlns:a14="http://schemas.microsoft.com/office/drawing/2010/main" xmlns="">
                 <a:effectLst>
                   <a:outerShdw blurRad="63500" dist="38099" dir="2700000" algn="ctr" rotWithShape="0">
                     <a:schemeClr val="bg2">
@@ -13694,9 +10705,9 @@
               <a:defRPr/>
             </a:pPr>
             <a:r>
-              <a:rPr lang="en-US" sz="2400" b="1">
+              <a:rPr lang="en-US" sz="2400" b="1" dirty="0">
                 <a:solidFill>
-                  <a:srgbClr val="FF0000"/>
+                  <a:schemeClr val="accent1"/>
                 </a:solidFill>
               </a:rPr>
               <a:t>Passive</a:t>
@@ -13714,7 +10725,7 @@
         </p:nvSpPr>
         <p:spPr bwMode="auto">
           <a:xfrm>
-            <a:off x="2133600" y="986135"/>
+            <a:off x="1052223" y="1473498"/>
             <a:ext cx="2514600" cy="461665"/>
           </a:xfrm>
           <a:prstGeom prst="rect">
@@ -13727,14 +10738,14 @@
           <a:effectLst/>
           <a:extLst>
             <a:ext uri="{909E8E84-426E-40dd-AFC4-6F175D3DCCD1}">
-              <a14:hiddenFill xmlns="" xmlns:a14="http://schemas.microsoft.com/office/drawing/2010/main">
+              <a14:hiddenFill xmlns:a14="http://schemas.microsoft.com/office/drawing/2010/main" xmlns="">
                 <a:solidFill>
                   <a:schemeClr val="accent1"/>
                 </a:solidFill>
               </a14:hiddenFill>
             </a:ext>
             <a:ext uri="{91240B29-F687-4f45-9708-019B960494DF}">
-              <a14:hiddenLine xmlns="" xmlns:a14="http://schemas.microsoft.com/office/drawing/2010/main" w="9525">
+              <a14:hiddenLine xmlns:a14="http://schemas.microsoft.com/office/drawing/2010/main" xmlns="" w="9525">
                 <a:solidFill>
                   <a:schemeClr val="tx1"/>
                 </a:solidFill>
@@ -13744,7 +10755,7 @@
               </a14:hiddenLine>
             </a:ext>
             <a:ext uri="{AF507438-7753-43e0-B8FC-AC1667EBCBE1}">
-              <a14:hiddenEffects xmlns="" xmlns:a14="http://schemas.microsoft.com/office/drawing/2010/main">
+              <a14:hiddenEffects xmlns:a14="http://schemas.microsoft.com/office/drawing/2010/main" xmlns="">
                 <a:effectLst>
                   <a:outerShdw blurRad="63500" dist="38099" dir="2700000" algn="ctr" rotWithShape="0">
                     <a:schemeClr val="bg2">
@@ -13769,9 +10780,9 @@
               <a:defRPr/>
             </a:pPr>
             <a:r>
-              <a:rPr lang="en-US" sz="2400" b="1">
+              <a:rPr lang="en-US" sz="2400" b="1" dirty="0">
                 <a:solidFill>
-                  <a:srgbClr val="FF0000"/>
+                  <a:schemeClr val="accent1"/>
                 </a:solidFill>
               </a:rPr>
               <a:t>Active</a:t>

--- a/module-2/ppt/2.2-Measurement.pptx
+++ b/module-2/ppt/2.2-Measurement.pptx
@@ -6,7 +6,7 @@
     <p:sldMasterId id="2147483674" r:id="rId2"/>
   </p:sldMasterIdLst>
   <p:notesMasterIdLst>
-    <p:notesMasterId r:id="rId22"/>
+    <p:notesMasterId r:id="rId24"/>
   </p:notesMasterIdLst>
   <p:sldIdLst>
     <p:sldId id="2602" r:id="rId3"/>
@@ -28,6 +28,8 @@
     <p:sldId id="318" r:id="rId19"/>
     <p:sldId id="2606" r:id="rId20"/>
     <p:sldId id="2596" r:id="rId21"/>
+    <p:sldId id="2613" r:id="rId22"/>
+    <p:sldId id="2612" r:id="rId23"/>
   </p:sldIdLst>
   <p:sldSz cx="12192000" cy="6858000"/>
   <p:notesSz cx="6858000" cy="9144000"/>
@@ -9507,6 +9509,244 @@
 </p:sld>
 </file>
 
+<file path=ppt/slides/slide20.xml><?xml version="1.0" encoding="utf-8"?>
+<p:sld xmlns:a="http://schemas.openxmlformats.org/drawingml/2006/main" xmlns:r="http://schemas.openxmlformats.org/officeDocument/2006/relationships" xmlns:p="http://schemas.openxmlformats.org/presentationml/2006/main">
+  <p:cSld>
+    <p:spTree>
+      <p:nvGrpSpPr>
+        <p:cNvPr id="1" name=""/>
+        <p:cNvGrpSpPr/>
+        <p:nvPr/>
+      </p:nvGrpSpPr>
+      <p:grpSpPr>
+        <a:xfrm>
+          <a:off x="0" y="0"/>
+          <a:ext cx="0" cy="0"/>
+          <a:chOff x="0" y="0"/>
+          <a:chExt cx="0" cy="0"/>
+        </a:xfrm>
+      </p:grpSpPr>
+      <p:sp>
+        <p:nvSpPr>
+          <p:cNvPr id="5" name="Title 4">
+            <a:extLst>
+              <a:ext uri="{FF2B5EF4-FFF2-40B4-BE49-F238E27FC236}">
+                <a16:creationId xmlns:a16="http://schemas.microsoft.com/office/drawing/2014/main" id="{0A6A768E-D67F-C848-A977-5558EF73FBF8}"/>
+              </a:ext>
+            </a:extLst>
+          </p:cNvPr>
+          <p:cNvSpPr>
+            <a:spLocks noGrp="1"/>
+          </p:cNvSpPr>
+          <p:nvPr>
+            <p:ph type="title"/>
+          </p:nvPr>
+        </p:nvSpPr>
+        <p:spPr/>
+        <p:txBody>
+          <a:bodyPr/>
+          <a:lstStyle/>
+          <a:p>
+            <a:r>
+              <a:rPr lang="en-US" dirty="0"/>
+              <a:t>Start: Example Basic Analysis Questions</a:t>
+            </a:r>
+          </a:p>
+        </p:txBody>
+      </p:sp>
+      <p:sp>
+        <p:nvSpPr>
+          <p:cNvPr id="6" name="Content Placeholder 5">
+            <a:extLst>
+              <a:ext uri="{FF2B5EF4-FFF2-40B4-BE49-F238E27FC236}">
+                <a16:creationId xmlns:a16="http://schemas.microsoft.com/office/drawing/2014/main" id="{9CF03A45-EB94-2746-BD29-3FFFF0FF3D7A}"/>
+              </a:ext>
+            </a:extLst>
+          </p:cNvPr>
+          <p:cNvSpPr>
+            <a:spLocks noGrp="1"/>
+          </p:cNvSpPr>
+          <p:nvPr>
+            <p:ph idx="1"/>
+          </p:nvPr>
+        </p:nvSpPr>
+        <p:spPr/>
+        <p:txBody>
+          <a:bodyPr/>
+          <a:lstStyle/>
+          <a:p>
+            <a:r>
+              <a:rPr lang="en-US" dirty="0"/>
+              <a:t>How many devices are on the network?</a:t>
+            </a:r>
+          </a:p>
+          <a:p>
+            <a:endParaRPr lang="en-US" dirty="0"/>
+          </a:p>
+          <a:p>
+            <a:r>
+              <a:rPr lang="en-US" dirty="0"/>
+              <a:t>What are the most common destinations?</a:t>
+            </a:r>
+          </a:p>
+          <a:p>
+            <a:endParaRPr lang="en-US" dirty="0"/>
+          </a:p>
+          <a:p>
+            <a:r>
+              <a:rPr lang="en-US" dirty="0"/>
+              <a:t>How much traffic is each of the devices sending?</a:t>
+            </a:r>
+          </a:p>
+          <a:p>
+            <a:pPr lvl="1"/>
+            <a:r>
+              <a:rPr lang="en-US" dirty="0"/>
+              <a:t>In total?</a:t>
+            </a:r>
+          </a:p>
+          <a:p>
+            <a:pPr lvl="1"/>
+            <a:r>
+              <a:rPr lang="en-US" dirty="0"/>
+              <a:t>To each destination?</a:t>
+            </a:r>
+          </a:p>
+        </p:txBody>
+      </p:sp>
+      <p:sp>
+        <p:nvSpPr>
+          <p:cNvPr id="4" name="Slide Number Placeholder 3">
+            <a:extLst>
+              <a:ext uri="{FF2B5EF4-FFF2-40B4-BE49-F238E27FC236}">
+                <a16:creationId xmlns:a16="http://schemas.microsoft.com/office/drawing/2014/main" id="{79852E18-8279-804D-BDE0-553DA466CC40}"/>
+              </a:ext>
+            </a:extLst>
+          </p:cNvPr>
+          <p:cNvSpPr>
+            <a:spLocks noGrp="1"/>
+          </p:cNvSpPr>
+          <p:nvPr>
+            <p:ph type="sldNum" sz="quarter" idx="12"/>
+          </p:nvPr>
+        </p:nvSpPr>
+        <p:spPr/>
+        <p:txBody>
+          <a:bodyPr/>
+          <a:lstStyle/>
+          <a:p>
+            <a:fld id="{256CE055-ECFD-9048-9FD8-7E2D8656A4F7}" type="slidenum">
+              <a:rPr lang="en-US" smtClean="0"/>
+              <a:pPr/>
+              <a:t>20</a:t>
+            </a:fld>
+            <a:endParaRPr lang="en-US" dirty="0"/>
+          </a:p>
+        </p:txBody>
+      </p:sp>
+    </p:spTree>
+    <p:extLst>
+      <p:ext uri="{BB962C8B-B14F-4D97-AF65-F5344CB8AC3E}">
+        <p14:creationId xmlns:p14="http://schemas.microsoft.com/office/powerpoint/2010/main" val="1009326423"/>
+      </p:ext>
+    </p:extLst>
+  </p:cSld>
+  <p:clrMapOvr>
+    <a:masterClrMapping/>
+  </p:clrMapOvr>
+</p:sld>
+</file>
+
+<file path=ppt/slides/slide21.xml><?xml version="1.0" encoding="utf-8"?>
+<p:sld xmlns:a="http://schemas.openxmlformats.org/drawingml/2006/main" xmlns:r="http://schemas.openxmlformats.org/officeDocument/2006/relationships" xmlns:p="http://schemas.openxmlformats.org/presentationml/2006/main">
+  <p:cSld>
+    <p:spTree>
+      <p:nvGrpSpPr>
+        <p:cNvPr id="1" name=""/>
+        <p:cNvGrpSpPr/>
+        <p:nvPr/>
+      </p:nvGrpSpPr>
+      <p:grpSpPr>
+        <a:xfrm>
+          <a:off x="0" y="0"/>
+          <a:ext cx="0" cy="0"/>
+          <a:chOff x="0" y="0"/>
+          <a:chExt cx="0" cy="0"/>
+        </a:xfrm>
+      </p:grpSpPr>
+      <p:sp>
+        <p:nvSpPr>
+          <p:cNvPr id="4" name="Slide Number Placeholder 3">
+            <a:extLst>
+              <a:ext uri="{FF2B5EF4-FFF2-40B4-BE49-F238E27FC236}">
+                <a16:creationId xmlns:a16="http://schemas.microsoft.com/office/drawing/2014/main" id="{3A193A4D-0A6C-9047-AC3F-827C57768A09}"/>
+              </a:ext>
+            </a:extLst>
+          </p:cNvPr>
+          <p:cNvSpPr>
+            <a:spLocks noGrp="1"/>
+          </p:cNvSpPr>
+          <p:nvPr>
+            <p:ph type="sldNum" sz="quarter" idx="12"/>
+          </p:nvPr>
+        </p:nvSpPr>
+        <p:spPr/>
+        <p:txBody>
+          <a:bodyPr/>
+          <a:lstStyle/>
+          <a:p>
+            <a:fld id="{256CE055-ECFD-9048-9FD8-7E2D8656A4F7}" type="slidenum">
+              <a:rPr lang="en-US" smtClean="0"/>
+              <a:pPr/>
+              <a:t>21</a:t>
+            </a:fld>
+            <a:endParaRPr lang="en-US" dirty="0"/>
+          </a:p>
+        </p:txBody>
+      </p:sp>
+      <p:pic>
+        <p:nvPicPr>
+          <p:cNvPr id="5" name="Picture 4">
+            <a:extLst>
+              <a:ext uri="{FF2B5EF4-FFF2-40B4-BE49-F238E27FC236}">
+                <a16:creationId xmlns:a16="http://schemas.microsoft.com/office/drawing/2014/main" id="{E338A87B-7B79-7142-B108-36705539F163}"/>
+              </a:ext>
+            </a:extLst>
+          </p:cNvPr>
+          <p:cNvPicPr>
+            <a:picLocks noChangeAspect="1"/>
+          </p:cNvPicPr>
+          <p:nvPr/>
+        </p:nvPicPr>
+        <p:blipFill>
+          <a:blip r:embed="rId2"/>
+          <a:stretch>
+            <a:fillRect/>
+          </a:stretch>
+        </p:blipFill>
+        <p:spPr>
+          <a:xfrm>
+            <a:off x="2642541" y="202018"/>
+            <a:ext cx="6633773" cy="5677786"/>
+          </a:xfrm>
+          <a:prstGeom prst="rect">
+            <a:avLst/>
+          </a:prstGeom>
+        </p:spPr>
+      </p:pic>
+    </p:spTree>
+    <p:extLst>
+      <p:ext uri="{BB962C8B-B14F-4D97-AF65-F5344CB8AC3E}">
+        <p14:creationId xmlns:p14="http://schemas.microsoft.com/office/powerpoint/2010/main" val="4004252915"/>
+      </p:ext>
+    </p:extLst>
+  </p:cSld>
+  <p:clrMapOvr>
+    <a:masterClrMapping/>
+  </p:clrMapOvr>
+</p:sld>
+</file>
+
 <file path=ppt/slides/slide3.xml><?xml version="1.0" encoding="utf-8"?>
 <p:sld xmlns:a="http://schemas.openxmlformats.org/drawingml/2006/main" xmlns:r="http://schemas.openxmlformats.org/officeDocument/2006/relationships" xmlns:p="http://schemas.openxmlformats.org/presentationml/2006/main">
   <p:cSld>
@@ -9577,30 +9817,40 @@
         </p:nvSpPr>
         <p:spPr/>
         <p:txBody>
-          <a:bodyPr/>
+          <a:bodyPr>
+            <a:normAutofit/>
+          </a:bodyPr>
           <a:lstStyle/>
           <a:p>
             <a:r>
               <a:rPr lang="en-US" dirty="0"/>
-              <a:t>How network traffic is measured in practice.</a:t>
-            </a:r>
-          </a:p>
-          <a:p>
-            <a:endParaRPr lang="en-US" dirty="0"/>
-          </a:p>
-          <a:p>
+              <a:t>Describe different considerations and approaches to </a:t>
+            </a:r>
+            <a:r>
+              <a:rPr lang="en-US"/>
+              <a:t>measuring Internet </a:t>
+            </a:r>
             <a:r>
               <a:rPr lang="en-US" dirty="0"/>
-              <a:t>How to represent network traffic in standard data structures in Python (e.g., Pandas data frames)</a:t>
-            </a:r>
-          </a:p>
-          <a:p>
-            <a:endParaRPr lang="en-US" dirty="0"/>
+              <a:t>traffic in a sound way</a:t>
+            </a:r>
           </a:p>
           <a:p>
             <a:r>
               <a:rPr lang="en-US" dirty="0"/>
-              <a:t>How to represent network traffic for input to machine learning models.</a:t>
+              <a:t>Collect network traffic using a variety of industry-standard tools and packages</a:t>
+            </a:r>
+          </a:p>
+          <a:p>
+            <a:r>
+              <a:rPr lang="en-US" dirty="0"/>
+              <a:t>Represent the network data that has been collected in ways that can be inputted into machine learning models.</a:t>
+            </a:r>
+          </a:p>
+          <a:p>
+            <a:r>
+              <a:rPr lang="en-US" dirty="0"/>
+              <a:t>Load the data into software libraries for analysis and modeling.</a:t>
             </a:r>
           </a:p>
           <a:p>

--- a/module-2/ppt/2.2-Measurement.pptx
+++ b/module-2/ppt/2.2-Measurement.pptx
@@ -224,7 +224,7 @@
           <a:p>
             <a:fld id="{A2472FB4-D3E2-AE43-B634-FEEAFFC420FD}" type="datetimeFigureOut">
               <a:rPr lang="en-US" smtClean="0"/>
-              <a:t>11/16/20</a:t>
+              <a:t>3/1/21</a:t>
             </a:fld>
             <a:endParaRPr lang="en-US"/>
           </a:p>
@@ -523,14 +523,14 @@
           <a:ln/>
           <a:extLst>
             <a:ext uri="{909E8E84-426E-40dd-AFC4-6F175D3DCCD1}">
-              <a14:hiddenFill xmlns:a14="http://schemas.microsoft.com/office/drawing/2010/main" xmlns="">
+              <a14:hiddenFill xmlns="" xmlns:a14="http://schemas.microsoft.com/office/drawing/2010/main">
                 <a:solidFill>
                   <a:srgbClr val="FFFFFF"/>
                 </a:solidFill>
               </a14:hiddenFill>
             </a:ext>
             <a:ext uri="{91240B29-F687-4f45-9708-019B960494DF}">
-              <a14:hiddenLine xmlns:a14="http://schemas.microsoft.com/office/drawing/2010/main" xmlns="" w="9525">
+              <a14:hiddenLine xmlns="" xmlns:a14="http://schemas.microsoft.com/office/drawing/2010/main" w="9525">
                 <a:solidFill>
                   <a:srgbClr val="000000"/>
                 </a:solidFill>
@@ -707,14 +707,14 @@
           <a:ln/>
           <a:extLst>
             <a:ext uri="{909E8E84-426E-40dd-AFC4-6F175D3DCCD1}">
-              <a14:hiddenFill xmlns:a14="http://schemas.microsoft.com/office/drawing/2010/main" xmlns="">
+              <a14:hiddenFill xmlns="" xmlns:a14="http://schemas.microsoft.com/office/drawing/2010/main">
                 <a:solidFill>
                   <a:srgbClr val="FFFFFF"/>
                 </a:solidFill>
               </a14:hiddenFill>
             </a:ext>
             <a:ext uri="{91240B29-F687-4f45-9708-019B960494DF}">
-              <a14:hiddenLine xmlns:a14="http://schemas.microsoft.com/office/drawing/2010/main" xmlns="" w="9525">
+              <a14:hiddenLine xmlns="" xmlns:a14="http://schemas.microsoft.com/office/drawing/2010/main" w="9525">
                 <a:solidFill>
                   <a:srgbClr val="000000"/>
                 </a:solidFill>
@@ -724,7 +724,7 @@
               </a14:hiddenLine>
             </a:ext>
             <a:ext uri="{FAA26D3D-D897-4be2-8F04-BA451C77F1D7}">
-              <ma14:placeholderFlag xmlns:ma14="http://schemas.microsoft.com/office/mac/drawingml/2011/main" xmlns="" val="1"/>
+              <ma14:placeholderFlag xmlns="" xmlns:ma14="http://schemas.microsoft.com/office/mac/drawingml/2011/main" val="1"/>
             </a:ext>
           </a:extLst>
         </p:spPr>
@@ -814,7 +814,7 @@
           <a:ln/>
           <a:extLst>
             <a:ext uri="{FAA26D3D-D897-4be2-8F04-BA451C77F1D7}">
-              <ma14:placeholderFlag xmlns:ma14="http://schemas.microsoft.com/office/mac/drawingml/2011/main" xmlns="" val="1"/>
+              <ma14:placeholderFlag xmlns="" xmlns:ma14="http://schemas.microsoft.com/office/mac/drawingml/2011/main" val="1"/>
             </a:ext>
           </a:extLst>
         </p:spPr>
@@ -915,7 +915,7 @@
           <a:ln/>
           <a:extLst>
             <a:ext uri="{FAA26D3D-D897-4be2-8F04-BA451C77F1D7}">
-              <ma14:placeholderFlag xmlns:ma14="http://schemas.microsoft.com/office/mac/drawingml/2011/main" xmlns="" val="1"/>
+              <ma14:placeholderFlag xmlns="" xmlns:ma14="http://schemas.microsoft.com/office/mac/drawingml/2011/main" val="1"/>
             </a:ext>
           </a:extLst>
         </p:spPr>
@@ -1021,7 +1021,7 @@
           <a:ln/>
           <a:extLst>
             <a:ext uri="{FAA26D3D-D897-4be2-8F04-BA451C77F1D7}">
-              <ma14:placeholderFlag xmlns:ma14="http://schemas.microsoft.com/office/mac/drawingml/2011/main" xmlns="" val="1"/>
+              <ma14:placeholderFlag xmlns="" xmlns:ma14="http://schemas.microsoft.com/office/mac/drawingml/2011/main" val="1"/>
             </a:ext>
           </a:extLst>
         </p:spPr>
@@ -1124,7 +1124,7 @@
           <a:ln/>
           <a:extLst>
             <a:ext uri="{FAA26D3D-D897-4be2-8F04-BA451C77F1D7}">
-              <ma14:placeholderFlag xmlns:ma14="http://schemas.microsoft.com/office/mac/drawingml/2011/main" xmlns="" val="1"/>
+              <ma14:placeholderFlag xmlns="" xmlns:ma14="http://schemas.microsoft.com/office/mac/drawingml/2011/main" val="1"/>
             </a:ext>
           </a:extLst>
         </p:spPr>
@@ -1222,7 +1222,7 @@
           <a:ln/>
           <a:extLst>
             <a:ext uri="{FAA26D3D-D897-4be2-8F04-BA451C77F1D7}">
-              <ma14:placeholderFlag xmlns:ma14="http://schemas.microsoft.com/office/mac/drawingml/2011/main" xmlns="" val="1"/>
+              <ma14:placeholderFlag xmlns="" xmlns:ma14="http://schemas.microsoft.com/office/mac/drawingml/2011/main" val="1"/>
             </a:ext>
           </a:extLst>
         </p:spPr>
@@ -1320,7 +1320,7 @@
           <a:ln/>
           <a:extLst>
             <a:ext uri="{FAA26D3D-D897-4be2-8F04-BA451C77F1D7}">
-              <ma14:placeholderFlag xmlns:ma14="http://schemas.microsoft.com/office/mac/drawingml/2011/main" xmlns="" val="1"/>
+              <ma14:placeholderFlag xmlns="" xmlns:ma14="http://schemas.microsoft.com/office/mac/drawingml/2011/main" val="1"/>
             </a:ext>
           </a:extLst>
         </p:spPr>
@@ -1418,7 +1418,7 @@
           <a:ln/>
           <a:extLst>
             <a:ext uri="{FAA26D3D-D897-4be2-8F04-BA451C77F1D7}">
-              <ma14:placeholderFlag xmlns:ma14="http://schemas.microsoft.com/office/mac/drawingml/2011/main" xmlns="" val="1"/>
+              <ma14:placeholderFlag xmlns="" xmlns:ma14="http://schemas.microsoft.com/office/mac/drawingml/2011/main" val="1"/>
             </a:ext>
           </a:extLst>
         </p:spPr>
@@ -1516,7 +1516,7 @@
           <a:ln/>
           <a:extLst>
             <a:ext uri="{FAA26D3D-D897-4be2-8F04-BA451C77F1D7}">
-              <ma14:placeholderFlag xmlns:ma14="http://schemas.microsoft.com/office/mac/drawingml/2011/main" xmlns="" val="1"/>
+              <ma14:placeholderFlag xmlns="" xmlns:ma14="http://schemas.microsoft.com/office/mac/drawingml/2011/main" val="1"/>
             </a:ext>
           </a:extLst>
         </p:spPr>
@@ -1614,7 +1614,7 @@
           <a:ln/>
           <a:extLst>
             <a:ext uri="{FAA26D3D-D897-4be2-8F04-BA451C77F1D7}">
-              <ma14:placeholderFlag xmlns:ma14="http://schemas.microsoft.com/office/mac/drawingml/2011/main" xmlns="" val="1"/>
+              <ma14:placeholderFlag xmlns="" xmlns:ma14="http://schemas.microsoft.com/office/mac/drawingml/2011/main" val="1"/>
             </a:ext>
           </a:extLst>
         </p:spPr>
@@ -2358,7 +2358,7 @@
           <a:p>
             <a:fld id="{2AAA8945-93FC-CD4D-85EF-05021FBA20E6}" type="datetimeFigureOut">
               <a:rPr lang="en-US" smtClean="0"/>
-              <a:t>11/16/20</a:t>
+              <a:t>3/1/21</a:t>
             </a:fld>
             <a:endParaRPr lang="en-US"/>
           </a:p>
@@ -2471,7 +2471,7 @@
           <a:p>
             <a:fld id="{2AAA8945-93FC-CD4D-85EF-05021FBA20E6}" type="datetimeFigureOut">
               <a:rPr lang="en-US" smtClean="0"/>
-              <a:t>11/16/20</a:t>
+              <a:t>3/1/21</a:t>
             </a:fld>
             <a:endParaRPr lang="en-US"/>
           </a:p>
@@ -5245,14 +5245,14 @@
           <a:effectLst/>
           <a:extLst>
             <a:ext uri="{909E8E84-426E-40dd-AFC4-6F175D3DCCD1}">
-              <a14:hiddenFill xmlns:a14="http://schemas.microsoft.com/office/drawing/2010/main" xmlns="">
+              <a14:hiddenFill xmlns="" xmlns:a14="http://schemas.microsoft.com/office/drawing/2010/main">
                 <a:solidFill>
                   <a:schemeClr val="accent1"/>
                 </a:solidFill>
               </a14:hiddenFill>
             </a:ext>
             <a:ext uri="{91240B29-F687-4f45-9708-019B960494DF}">
-              <a14:hiddenLine xmlns:a14="http://schemas.microsoft.com/office/drawing/2010/main" xmlns="" w="9525">
+              <a14:hiddenLine xmlns="" xmlns:a14="http://schemas.microsoft.com/office/drawing/2010/main" w="9525">
                 <a:solidFill>
                   <a:schemeClr val="tx1"/>
                 </a:solidFill>
@@ -5262,7 +5262,7 @@
               </a14:hiddenLine>
             </a:ext>
             <a:ext uri="{AF507438-7753-43e0-B8FC-AC1667EBCBE1}">
-              <a14:hiddenEffects xmlns:a14="http://schemas.microsoft.com/office/drawing/2010/main" xmlns="">
+              <a14:hiddenEffects xmlns="" xmlns:a14="http://schemas.microsoft.com/office/drawing/2010/main">
                 <a:effectLst>
                   <a:outerShdw blurRad="63500" dist="38099" dir="2700000" algn="ctr" rotWithShape="0">
                     <a:schemeClr val="bg2">
@@ -5328,14 +5328,16 @@
         </p:nvSpPr>
         <p:spPr bwMode="auto">
           <a:xfrm>
-            <a:off x="2438400" y="6019800"/>
+            <a:off x="2171700" y="5562599"/>
             <a:ext cx="7543800" cy="400110"/>
           </a:xfrm>
           <a:prstGeom prst="rect">
             <a:avLst/>
           </a:prstGeom>
           <a:solidFill>
-            <a:schemeClr val="accent1"/>
+            <a:schemeClr val="bg1">
+              <a:lumMod val="85000"/>
+            </a:schemeClr>
           </a:solidFill>
           <a:ln>
             <a:noFill/>
@@ -5343,7 +5345,7 @@
           <a:effectLst/>
           <a:extLst>
             <a:ext uri="{91240B29-F687-4f45-9708-019B960494DF}">
-              <a14:hiddenLine xmlns:a14="http://schemas.microsoft.com/office/drawing/2010/main" xmlns="" w="9525">
+              <a14:hiddenLine xmlns="" xmlns:a14="http://schemas.microsoft.com/office/drawing/2010/main" w="9525">
                 <a:solidFill>
                   <a:schemeClr val="tx1"/>
                 </a:solidFill>
@@ -5353,7 +5355,7 @@
               </a14:hiddenLine>
             </a:ext>
             <a:ext uri="{AF507438-7753-43e0-B8FC-AC1667EBCBE1}">
-              <a14:hiddenEffects xmlns:a14="http://schemas.microsoft.com/office/drawing/2010/main" xmlns="">
+              <a14:hiddenEffects xmlns="" xmlns:a14="http://schemas.microsoft.com/office/drawing/2010/main">
                 <a:effectLst>
                   <a:outerShdw blurRad="63500" dist="38099" dir="2700000" algn="ctr" rotWithShape="0">
                     <a:schemeClr val="bg2">
@@ -5414,14 +5416,14 @@
           <a:effectLst/>
           <a:extLst>
             <a:ext uri="{909E8E84-426E-40dd-AFC4-6F175D3DCCD1}">
-              <a14:hiddenFill xmlns:a14="http://schemas.microsoft.com/office/drawing/2010/main" xmlns="">
+              <a14:hiddenFill xmlns="" xmlns:a14="http://schemas.microsoft.com/office/drawing/2010/main">
                 <a:solidFill>
                   <a:schemeClr val="accent1"/>
                 </a:solidFill>
               </a14:hiddenFill>
             </a:ext>
             <a:ext uri="{91240B29-F687-4f45-9708-019B960494DF}">
-              <a14:hiddenLine xmlns:a14="http://schemas.microsoft.com/office/drawing/2010/main" xmlns="" w="9525">
+              <a14:hiddenLine xmlns="" xmlns:a14="http://schemas.microsoft.com/office/drawing/2010/main" w="9525">
                 <a:solidFill>
                   <a:schemeClr val="tx1"/>
                 </a:solidFill>
@@ -5431,7 +5433,7 @@
               </a14:hiddenLine>
             </a:ext>
             <a:ext uri="{AF507438-7753-43e0-B8FC-AC1667EBCBE1}">
-              <a14:hiddenEffects xmlns:a14="http://schemas.microsoft.com/office/drawing/2010/main" xmlns="">
+              <a14:hiddenEffects xmlns="" xmlns:a14="http://schemas.microsoft.com/office/drawing/2010/main">
                 <a:effectLst>
                   <a:outerShdw blurRad="63500" dist="38099" dir="2700000" algn="ctr" rotWithShape="0">
                     <a:schemeClr val="bg2">
@@ -5501,14 +5503,14 @@
           <a:effectLst/>
           <a:extLst>
             <a:ext uri="{909E8E84-426E-40dd-AFC4-6F175D3DCCD1}">
-              <a14:hiddenFill xmlns:a14="http://schemas.microsoft.com/office/drawing/2010/main" xmlns="">
+              <a14:hiddenFill xmlns="" xmlns:a14="http://schemas.microsoft.com/office/drawing/2010/main">
                 <a:solidFill>
                   <a:schemeClr val="accent1"/>
                 </a:solidFill>
               </a14:hiddenFill>
             </a:ext>
             <a:ext uri="{91240B29-F687-4f45-9708-019B960494DF}">
-              <a14:hiddenLine xmlns:a14="http://schemas.microsoft.com/office/drawing/2010/main" xmlns="" w="9525">
+              <a14:hiddenLine xmlns="" xmlns:a14="http://schemas.microsoft.com/office/drawing/2010/main" w="9525">
                 <a:solidFill>
                   <a:schemeClr val="tx1"/>
                 </a:solidFill>
@@ -5518,7 +5520,7 @@
               </a14:hiddenLine>
             </a:ext>
             <a:ext uri="{AF507438-7753-43e0-B8FC-AC1667EBCBE1}">
-              <a14:hiddenEffects xmlns:a14="http://schemas.microsoft.com/office/drawing/2010/main" xmlns="">
+              <a14:hiddenEffects xmlns="" xmlns:a14="http://schemas.microsoft.com/office/drawing/2010/main">
                 <a:effectLst>
                   <a:outerShdw blurRad="63500" dist="38099" dir="2700000" algn="ctr" rotWithShape="0">
                     <a:schemeClr val="bg2">
@@ -6393,7 +6395,9 @@
               </a:solidFill>
               <a:ln w="9525">
                 <a:solidFill>
-                  <a:srgbClr val="000000"/>
+                  <a:schemeClr val="bg1">
+                    <a:lumMod val="95000"/>
+                  </a:schemeClr>
                 </a:solidFill>
                 <a:miter lim="800000"/>
                 <a:headEnd/>
@@ -6433,19 +6437,23 @@
               </a:prstGeom>
               <a:noFill/>
               <a:ln>
-                <a:noFill/>
+                <a:solidFill>
+                  <a:schemeClr val="bg1">
+                    <a:lumMod val="95000"/>
+                  </a:schemeClr>
+                </a:solidFill>
               </a:ln>
               <a:effectLst/>
               <a:extLst>
                 <a:ext uri="{909E8E84-426E-40dd-AFC4-6F175D3DCCD1}">
-                  <a14:hiddenFill xmlns:a14="http://schemas.microsoft.com/office/drawing/2010/main" xmlns="">
+                  <a14:hiddenFill xmlns="" xmlns:a14="http://schemas.microsoft.com/office/drawing/2010/main">
                     <a:solidFill>
                       <a:schemeClr val="accent1"/>
                     </a:solidFill>
                   </a14:hiddenFill>
                 </a:ext>
                 <a:ext uri="{91240B29-F687-4f45-9708-019B960494DF}">
-                  <a14:hiddenLine xmlns:a14="http://schemas.microsoft.com/office/drawing/2010/main" xmlns="" w="9525">
+                  <a14:hiddenLine xmlns="" xmlns:a14="http://schemas.microsoft.com/office/drawing/2010/main" w="9525">
                     <a:solidFill>
                       <a:schemeClr val="tx1"/>
                     </a:solidFill>
@@ -6455,7 +6463,7 @@
                   </a14:hiddenLine>
                 </a:ext>
                 <a:ext uri="{AF507438-7753-43e0-B8FC-AC1667EBCBE1}">
-                  <a14:hiddenEffects xmlns:a14="http://schemas.microsoft.com/office/drawing/2010/main" xmlns="">
+                  <a14:hiddenEffects xmlns="" xmlns:a14="http://schemas.microsoft.com/office/drawing/2010/main">
                     <a:effectLst>
                       <a:outerShdw blurRad="63500" dist="38099" dir="2700000" algn="ctr" rotWithShape="0">
                         <a:schemeClr val="bg2">
@@ -6507,7 +6515,9 @@
             </a:solidFill>
             <a:ln w="9525">
               <a:solidFill>
-                <a:schemeClr val="tx1"/>
+                <a:schemeClr val="bg1">
+                  <a:lumMod val="95000"/>
+                </a:schemeClr>
               </a:solidFill>
               <a:round/>
               <a:headEnd/>
@@ -6516,7 +6526,7 @@
             <a:effectLst/>
             <a:extLst>
               <a:ext uri="{AF507438-7753-43e0-B8FC-AC1667EBCBE1}">
-                <a14:hiddenEffects xmlns:a14="http://schemas.microsoft.com/office/drawing/2010/main" xmlns="">
+                <a14:hiddenEffects xmlns="" xmlns:a14="http://schemas.microsoft.com/office/drawing/2010/main">
                   <a:effectLst>
                     <a:outerShdw blurRad="63500" dist="38099" dir="2700000" algn="ctr" rotWithShape="0">
                       <a:schemeClr val="bg2">
@@ -6603,14 +6613,14 @@
           <a:effectLst/>
           <a:extLst>
             <a:ext uri="{909E8E84-426E-40dd-AFC4-6F175D3DCCD1}">
-              <a14:hiddenFill xmlns:a14="http://schemas.microsoft.com/office/drawing/2010/main" xmlns="">
+              <a14:hiddenFill xmlns="" xmlns:a14="http://schemas.microsoft.com/office/drawing/2010/main">
                 <a:solidFill>
                   <a:schemeClr val="accent1"/>
                 </a:solidFill>
               </a14:hiddenFill>
             </a:ext>
             <a:ext uri="{AF507438-7753-43e0-B8FC-AC1667EBCBE1}">
-              <a14:hiddenEffects xmlns:a14="http://schemas.microsoft.com/office/drawing/2010/main" xmlns="">
+              <a14:hiddenEffects xmlns="" xmlns:a14="http://schemas.microsoft.com/office/drawing/2010/main">
                 <a:effectLst>
                   <a:outerShdw blurRad="63500" dist="38099" dir="2700000" algn="ctr" rotWithShape="0">
                     <a:schemeClr val="bg2">
@@ -6696,14 +6706,14 @@
           <a:effectLst/>
           <a:extLst>
             <a:ext uri="{909E8E84-426E-40dd-AFC4-6F175D3DCCD1}">
-              <a14:hiddenFill xmlns:a14="http://schemas.microsoft.com/office/drawing/2010/main" xmlns="">
+              <a14:hiddenFill xmlns="" xmlns:a14="http://schemas.microsoft.com/office/drawing/2010/main">
                 <a:solidFill>
                   <a:schemeClr val="accent1"/>
                 </a:solidFill>
               </a14:hiddenFill>
             </a:ext>
             <a:ext uri="{AF507438-7753-43e0-B8FC-AC1667EBCBE1}">
-              <a14:hiddenEffects xmlns:a14="http://schemas.microsoft.com/office/drawing/2010/main" xmlns="">
+              <a14:hiddenEffects xmlns="" xmlns:a14="http://schemas.microsoft.com/office/drawing/2010/main">
                 <a:effectLst>
                   <a:outerShdw blurRad="63500" dist="38099" dir="2700000" algn="ctr" rotWithShape="0">
                     <a:schemeClr val="bg2">
@@ -6789,14 +6799,14 @@
           <a:effectLst/>
           <a:extLst>
             <a:ext uri="{909E8E84-426E-40dd-AFC4-6F175D3DCCD1}">
-              <a14:hiddenFill xmlns:a14="http://schemas.microsoft.com/office/drawing/2010/main" xmlns="">
+              <a14:hiddenFill xmlns="" xmlns:a14="http://schemas.microsoft.com/office/drawing/2010/main">
                 <a:solidFill>
                   <a:schemeClr val="accent1"/>
                 </a:solidFill>
               </a14:hiddenFill>
             </a:ext>
             <a:ext uri="{AF507438-7753-43e0-B8FC-AC1667EBCBE1}">
-              <a14:hiddenEffects xmlns:a14="http://schemas.microsoft.com/office/drawing/2010/main" xmlns="">
+              <a14:hiddenEffects xmlns="" xmlns:a14="http://schemas.microsoft.com/office/drawing/2010/main">
                 <a:effectLst>
                   <a:outerShdw blurRad="63500" dist="38099" dir="2700000" algn="ctr" rotWithShape="0">
                     <a:schemeClr val="bg2">
@@ -6841,7 +6851,7 @@
           <a:effectLst/>
           <a:extLst>
             <a:ext uri="{91240B29-F687-4f45-9708-019B960494DF}">
-              <a14:hiddenLine xmlns:a14="http://schemas.microsoft.com/office/drawing/2010/main" xmlns="" w="9525">
+              <a14:hiddenLine xmlns="" xmlns:a14="http://schemas.microsoft.com/office/drawing/2010/main" w="9525">
                 <a:solidFill>
                   <a:schemeClr val="tx1"/>
                 </a:solidFill>
@@ -6851,7 +6861,7 @@
               </a14:hiddenLine>
             </a:ext>
             <a:ext uri="{AF507438-7753-43e0-B8FC-AC1667EBCBE1}">
-              <a14:hiddenEffects xmlns:a14="http://schemas.microsoft.com/office/drawing/2010/main" xmlns="">
+              <a14:hiddenEffects xmlns="" xmlns:a14="http://schemas.microsoft.com/office/drawing/2010/main">
                 <a:effectLst>
                   <a:outerShdw blurRad="63500" dist="38099" dir="2700000" algn="ctr" rotWithShape="0">
                     <a:schemeClr val="bg2">
@@ -6914,12 +6924,12 @@
           <a:effectLst/>
           <a:extLst>
             <a:ext uri="{909E8E84-426E-40dd-AFC4-6F175D3DCCD1}">
-              <a14:hiddenFill xmlns:a14="http://schemas.microsoft.com/office/drawing/2010/main" xmlns="">
+              <a14:hiddenFill xmlns="" xmlns:a14="http://schemas.microsoft.com/office/drawing/2010/main">
                 <a:noFill/>
               </a14:hiddenFill>
             </a:ext>
             <a:ext uri="{AF507438-7753-43e0-B8FC-AC1667EBCBE1}">
-              <a14:hiddenEffects xmlns:a14="http://schemas.microsoft.com/office/drawing/2010/main" xmlns="">
+              <a14:hiddenEffects xmlns="" xmlns:a14="http://schemas.microsoft.com/office/drawing/2010/main">
                 <a:effectLst>
                   <a:outerShdw blurRad="63500" dist="38099" dir="2700000" algn="ctr" rotWithShape="0">
                     <a:schemeClr val="bg2">
@@ -7005,14 +7015,14 @@
           <a:effectLst/>
           <a:extLst>
             <a:ext uri="{909E8E84-426E-40dd-AFC4-6F175D3DCCD1}">
-              <a14:hiddenFill xmlns:a14="http://schemas.microsoft.com/office/drawing/2010/main" xmlns="">
+              <a14:hiddenFill xmlns="" xmlns:a14="http://schemas.microsoft.com/office/drawing/2010/main">
                 <a:solidFill>
                   <a:schemeClr val="accent1"/>
                 </a:solidFill>
               </a14:hiddenFill>
             </a:ext>
             <a:ext uri="{AF507438-7753-43e0-B8FC-AC1667EBCBE1}">
-              <a14:hiddenEffects xmlns:a14="http://schemas.microsoft.com/office/drawing/2010/main" xmlns="">
+              <a14:hiddenEffects xmlns="" xmlns:a14="http://schemas.microsoft.com/office/drawing/2010/main">
                 <a:effectLst>
                   <a:outerShdw blurRad="63500" dist="38099" dir="2700000" algn="ctr" rotWithShape="0">
                     <a:schemeClr val="bg2">
@@ -7064,7 +7074,7 @@
           <a:noFill/>
           <a:extLst>
             <a:ext uri="{909E8E84-426E-40dd-AFC4-6F175D3DCCD1}">
-              <a14:hiddenFill xmlns:a14="http://schemas.microsoft.com/office/drawing/2010/main" xmlns="">
+              <a14:hiddenFill xmlns="" xmlns:a14="http://schemas.microsoft.com/office/drawing/2010/main">
                 <a:solidFill>
                   <a:srgbClr val="FFFFFF"/>
                 </a:solidFill>
@@ -7096,14 +7106,14 @@
           <a:effectLst/>
           <a:extLst>
             <a:ext uri="{909E8E84-426E-40dd-AFC4-6F175D3DCCD1}">
-              <a14:hiddenFill xmlns:a14="http://schemas.microsoft.com/office/drawing/2010/main" xmlns="">
+              <a14:hiddenFill xmlns="" xmlns:a14="http://schemas.microsoft.com/office/drawing/2010/main">
                 <a:solidFill>
                   <a:schemeClr val="accent1"/>
                 </a:solidFill>
               </a14:hiddenFill>
             </a:ext>
             <a:ext uri="{91240B29-F687-4f45-9708-019B960494DF}">
-              <a14:hiddenLine xmlns:a14="http://schemas.microsoft.com/office/drawing/2010/main" xmlns="" w="9525">
+              <a14:hiddenLine xmlns="" xmlns:a14="http://schemas.microsoft.com/office/drawing/2010/main" w="9525">
                 <a:solidFill>
                   <a:schemeClr val="tx1"/>
                 </a:solidFill>
@@ -7113,7 +7123,7 @@
               </a14:hiddenLine>
             </a:ext>
             <a:ext uri="{AF507438-7753-43e0-B8FC-AC1667EBCBE1}">
-              <a14:hiddenEffects xmlns:a14="http://schemas.microsoft.com/office/drawing/2010/main" xmlns="">
+              <a14:hiddenEffects xmlns="" xmlns:a14="http://schemas.microsoft.com/office/drawing/2010/main">
                 <a:effectLst>
                   <a:outerShdw blurRad="63500" dist="38099" dir="2700000" algn="ctr" rotWithShape="0">
                     <a:schemeClr val="bg2">
@@ -7173,14 +7183,14 @@
           <a:effectLst/>
           <a:extLst>
             <a:ext uri="{909E8E84-426E-40dd-AFC4-6F175D3DCCD1}">
-              <a14:hiddenFill xmlns:a14="http://schemas.microsoft.com/office/drawing/2010/main" xmlns="">
+              <a14:hiddenFill xmlns="" xmlns:a14="http://schemas.microsoft.com/office/drawing/2010/main">
                 <a:solidFill>
                   <a:schemeClr val="accent1"/>
                 </a:solidFill>
               </a14:hiddenFill>
             </a:ext>
             <a:ext uri="{91240B29-F687-4f45-9708-019B960494DF}">
-              <a14:hiddenLine xmlns:a14="http://schemas.microsoft.com/office/drawing/2010/main" xmlns="" w="9525">
+              <a14:hiddenLine xmlns="" xmlns:a14="http://schemas.microsoft.com/office/drawing/2010/main" w="9525">
                 <a:solidFill>
                   <a:schemeClr val="tx1"/>
                 </a:solidFill>
@@ -7190,7 +7200,7 @@
               </a14:hiddenLine>
             </a:ext>
             <a:ext uri="{AF507438-7753-43e0-B8FC-AC1667EBCBE1}">
-              <a14:hiddenEffects xmlns:a14="http://schemas.microsoft.com/office/drawing/2010/main" xmlns="">
+              <a14:hiddenEffects xmlns="" xmlns:a14="http://schemas.microsoft.com/office/drawing/2010/main">
                 <a:effectLst>
                   <a:outerShdw blurRad="63500" dist="38099" dir="2700000" algn="ctr" rotWithShape="0">
                     <a:schemeClr val="bg2">
@@ -7240,14 +7250,14 @@
           <a:effectLst/>
           <a:extLst>
             <a:ext uri="{909E8E84-426E-40dd-AFC4-6F175D3DCCD1}">
-              <a14:hiddenFill xmlns:a14="http://schemas.microsoft.com/office/drawing/2010/main" xmlns="">
+              <a14:hiddenFill xmlns="" xmlns:a14="http://schemas.microsoft.com/office/drawing/2010/main">
                 <a:solidFill>
                   <a:schemeClr val="accent1"/>
                 </a:solidFill>
               </a14:hiddenFill>
             </a:ext>
             <a:ext uri="{91240B29-F687-4f45-9708-019B960494DF}">
-              <a14:hiddenLine xmlns:a14="http://schemas.microsoft.com/office/drawing/2010/main" xmlns="" w="9525">
+              <a14:hiddenLine xmlns="" xmlns:a14="http://schemas.microsoft.com/office/drawing/2010/main" w="9525">
                 <a:solidFill>
                   <a:schemeClr val="tx1"/>
                 </a:solidFill>
@@ -7257,7 +7267,7 @@
               </a14:hiddenLine>
             </a:ext>
             <a:ext uri="{AF507438-7753-43e0-B8FC-AC1667EBCBE1}">
-              <a14:hiddenEffects xmlns:a14="http://schemas.microsoft.com/office/drawing/2010/main" xmlns="">
+              <a14:hiddenEffects xmlns="" xmlns:a14="http://schemas.microsoft.com/office/drawing/2010/main">
                 <a:effectLst>
                   <a:outerShdw blurRad="63500" dist="38099" dir="2700000" algn="ctr" rotWithShape="0">
                     <a:schemeClr val="bg2">
@@ -7307,14 +7317,14 @@
           <a:effectLst/>
           <a:extLst>
             <a:ext uri="{909E8E84-426E-40dd-AFC4-6F175D3DCCD1}">
-              <a14:hiddenFill xmlns:a14="http://schemas.microsoft.com/office/drawing/2010/main" xmlns="">
+              <a14:hiddenFill xmlns="" xmlns:a14="http://schemas.microsoft.com/office/drawing/2010/main">
                 <a:solidFill>
                   <a:schemeClr val="accent1"/>
                 </a:solidFill>
               </a14:hiddenFill>
             </a:ext>
             <a:ext uri="{91240B29-F687-4f45-9708-019B960494DF}">
-              <a14:hiddenLine xmlns:a14="http://schemas.microsoft.com/office/drawing/2010/main" xmlns="" w="9525">
+              <a14:hiddenLine xmlns="" xmlns:a14="http://schemas.microsoft.com/office/drawing/2010/main" w="9525">
                 <a:solidFill>
                   <a:schemeClr val="tx1"/>
                 </a:solidFill>
@@ -7324,7 +7334,7 @@
               </a14:hiddenLine>
             </a:ext>
             <a:ext uri="{AF507438-7753-43e0-B8FC-AC1667EBCBE1}">
-              <a14:hiddenEffects xmlns:a14="http://schemas.microsoft.com/office/drawing/2010/main" xmlns="">
+              <a14:hiddenEffects xmlns="" xmlns:a14="http://schemas.microsoft.com/office/drawing/2010/main">
                 <a:effectLst>
                   <a:outerShdw blurRad="63500" dist="38099" dir="2700000" algn="ctr" rotWithShape="0">
                     <a:schemeClr val="bg2">
@@ -7508,14 +7518,14 @@
           <a:effectLst/>
           <a:extLst>
             <a:ext uri="{909E8E84-426E-40dd-AFC4-6F175D3DCCD1}">
-              <a14:hiddenFill xmlns:a14="http://schemas.microsoft.com/office/drawing/2010/main" xmlns="">
+              <a14:hiddenFill xmlns="" xmlns:a14="http://schemas.microsoft.com/office/drawing/2010/main">
                 <a:solidFill>
                   <a:schemeClr val="accent1"/>
                 </a:solidFill>
               </a14:hiddenFill>
             </a:ext>
             <a:ext uri="{91240B29-F687-4f45-9708-019B960494DF}">
-              <a14:hiddenLine xmlns:a14="http://schemas.microsoft.com/office/drawing/2010/main" xmlns="" w="9525">
+              <a14:hiddenLine xmlns="" xmlns:a14="http://schemas.microsoft.com/office/drawing/2010/main" w="9525">
                 <a:solidFill>
                   <a:schemeClr val="tx1"/>
                 </a:solidFill>
@@ -7525,7 +7535,7 @@
               </a14:hiddenLine>
             </a:ext>
             <a:ext uri="{AF507438-7753-43e0-B8FC-AC1667EBCBE1}">
-              <a14:hiddenEffects xmlns:a14="http://schemas.microsoft.com/office/drawing/2010/main" xmlns="">
+              <a14:hiddenEffects xmlns="" xmlns:a14="http://schemas.microsoft.com/office/drawing/2010/main">
                 <a:effectLst>
                   <a:outerShdw blurRad="63500" dist="38099" dir="2700000" algn="ctr" rotWithShape="0">
                     <a:schemeClr val="bg2">
@@ -7582,14 +7592,14 @@
           <a:effectLst/>
           <a:extLst>
             <a:ext uri="{909E8E84-426E-40dd-AFC4-6F175D3DCCD1}">
-              <a14:hiddenFill xmlns:a14="http://schemas.microsoft.com/office/drawing/2010/main" xmlns="">
+              <a14:hiddenFill xmlns="" xmlns:a14="http://schemas.microsoft.com/office/drawing/2010/main">
                 <a:solidFill>
                   <a:schemeClr val="accent1"/>
                 </a:solidFill>
               </a14:hiddenFill>
             </a:ext>
             <a:ext uri="{91240B29-F687-4f45-9708-019B960494DF}">
-              <a14:hiddenLine xmlns:a14="http://schemas.microsoft.com/office/drawing/2010/main" xmlns="" w="9525">
+              <a14:hiddenLine xmlns="" xmlns:a14="http://schemas.microsoft.com/office/drawing/2010/main" w="9525">
                 <a:solidFill>
                   <a:schemeClr val="tx1"/>
                 </a:solidFill>
@@ -7599,7 +7609,7 @@
               </a14:hiddenLine>
             </a:ext>
             <a:ext uri="{AF507438-7753-43e0-B8FC-AC1667EBCBE1}">
-              <a14:hiddenEffects xmlns:a14="http://schemas.microsoft.com/office/drawing/2010/main" xmlns="">
+              <a14:hiddenEffects xmlns="" xmlns:a14="http://schemas.microsoft.com/office/drawing/2010/main">
                 <a:effectLst>
                   <a:outerShdw blurRad="63500" dist="38099" dir="2700000" algn="ctr" rotWithShape="0">
                     <a:schemeClr val="bg2">
@@ -7656,14 +7666,14 @@
           <a:effectLst/>
           <a:extLst>
             <a:ext uri="{909E8E84-426E-40dd-AFC4-6F175D3DCCD1}">
-              <a14:hiddenFill xmlns:a14="http://schemas.microsoft.com/office/drawing/2010/main" xmlns="">
+              <a14:hiddenFill xmlns="" xmlns:a14="http://schemas.microsoft.com/office/drawing/2010/main">
                 <a:solidFill>
                   <a:schemeClr val="accent1"/>
                 </a:solidFill>
               </a14:hiddenFill>
             </a:ext>
             <a:ext uri="{91240B29-F687-4f45-9708-019B960494DF}">
-              <a14:hiddenLine xmlns:a14="http://schemas.microsoft.com/office/drawing/2010/main" xmlns="" w="9525">
+              <a14:hiddenLine xmlns="" xmlns:a14="http://schemas.microsoft.com/office/drawing/2010/main" w="9525">
                 <a:solidFill>
                   <a:schemeClr val="tx1"/>
                 </a:solidFill>
@@ -7673,7 +7683,7 @@
               </a14:hiddenLine>
             </a:ext>
             <a:ext uri="{AF507438-7753-43e0-B8FC-AC1667EBCBE1}">
-              <a14:hiddenEffects xmlns:a14="http://schemas.microsoft.com/office/drawing/2010/main" xmlns="">
+              <a14:hiddenEffects xmlns="" xmlns:a14="http://schemas.microsoft.com/office/drawing/2010/main">
                 <a:effectLst>
                   <a:outerShdw blurRad="63500" dist="38099" dir="2700000" algn="ctr" rotWithShape="0">
                     <a:schemeClr val="bg2">
@@ -7813,7 +7823,7 @@
           <a:effectLst/>
           <a:extLst>
             <a:ext uri="{AF507438-7753-43e0-B8FC-AC1667EBCBE1}">
-              <a14:hiddenEffects xmlns:a14="http://schemas.microsoft.com/office/drawing/2010/main" xmlns="">
+              <a14:hiddenEffects xmlns="" xmlns:a14="http://schemas.microsoft.com/office/drawing/2010/main">
                 <a:effectLst>
                   <a:outerShdw blurRad="63500" dist="38099" dir="2700000" algn="ctr" rotWithShape="0">
                     <a:schemeClr val="bg2">
@@ -7863,7 +7873,7 @@
           <a:effectLst/>
           <a:extLst>
             <a:ext uri="{AF507438-7753-43e0-B8FC-AC1667EBCBE1}">
-              <a14:hiddenEffects xmlns:a14="http://schemas.microsoft.com/office/drawing/2010/main" xmlns="">
+              <a14:hiddenEffects xmlns="" xmlns:a14="http://schemas.microsoft.com/office/drawing/2010/main">
                 <a:effectLst>
                   <a:outerShdw blurRad="63500" dist="38099" dir="2700000" algn="ctr" rotWithShape="0">
                     <a:schemeClr val="bg2">
@@ -7913,7 +7923,7 @@
           <a:effectLst/>
           <a:extLst>
             <a:ext uri="{AF507438-7753-43e0-B8FC-AC1667EBCBE1}">
-              <a14:hiddenEffects xmlns:a14="http://schemas.microsoft.com/office/drawing/2010/main" xmlns="">
+              <a14:hiddenEffects xmlns="" xmlns:a14="http://schemas.microsoft.com/office/drawing/2010/main">
                 <a:effectLst>
                   <a:outerShdw blurRad="63500" dist="38099" dir="2700000" algn="ctr" rotWithShape="0">
                     <a:schemeClr val="bg2">
@@ -7963,7 +7973,7 @@
           <a:effectLst/>
           <a:extLst>
             <a:ext uri="{AF507438-7753-43e0-B8FC-AC1667EBCBE1}">
-              <a14:hiddenEffects xmlns:a14="http://schemas.microsoft.com/office/drawing/2010/main" xmlns="">
+              <a14:hiddenEffects xmlns="" xmlns:a14="http://schemas.microsoft.com/office/drawing/2010/main">
                 <a:effectLst>
                   <a:outerShdw blurRad="63500" dist="38099" dir="2700000" algn="ctr" rotWithShape="0">
                     <a:schemeClr val="bg2">
@@ -8013,7 +8023,7 @@
           <a:effectLst/>
           <a:extLst>
             <a:ext uri="{AF507438-7753-43e0-B8FC-AC1667EBCBE1}">
-              <a14:hiddenEffects xmlns:a14="http://schemas.microsoft.com/office/drawing/2010/main" xmlns="">
+              <a14:hiddenEffects xmlns="" xmlns:a14="http://schemas.microsoft.com/office/drawing/2010/main">
                 <a:effectLst>
                   <a:outerShdw blurRad="63500" dist="38099" dir="2700000" algn="ctr" rotWithShape="0">
                     <a:schemeClr val="bg2">
@@ -8063,7 +8073,7 @@
           <a:effectLst/>
           <a:extLst>
             <a:ext uri="{AF507438-7753-43e0-B8FC-AC1667EBCBE1}">
-              <a14:hiddenEffects xmlns:a14="http://schemas.microsoft.com/office/drawing/2010/main" xmlns="">
+              <a14:hiddenEffects xmlns="" xmlns:a14="http://schemas.microsoft.com/office/drawing/2010/main">
                 <a:effectLst>
                   <a:outerShdw blurRad="63500" dist="38099" dir="2700000" algn="ctr" rotWithShape="0">
                     <a:schemeClr val="bg2">
@@ -8113,7 +8123,7 @@
           <a:effectLst/>
           <a:extLst>
             <a:ext uri="{AF507438-7753-43e0-B8FC-AC1667EBCBE1}">
-              <a14:hiddenEffects xmlns:a14="http://schemas.microsoft.com/office/drawing/2010/main" xmlns="">
+              <a14:hiddenEffects xmlns="" xmlns:a14="http://schemas.microsoft.com/office/drawing/2010/main">
                 <a:effectLst>
                   <a:outerShdw blurRad="63500" dist="38099" dir="2700000" algn="ctr" rotWithShape="0">
                     <a:schemeClr val="bg2">
@@ -8163,7 +8173,7 @@
           <a:effectLst/>
           <a:extLst>
             <a:ext uri="{AF507438-7753-43e0-B8FC-AC1667EBCBE1}">
-              <a14:hiddenEffects xmlns:a14="http://schemas.microsoft.com/office/drawing/2010/main" xmlns="">
+              <a14:hiddenEffects xmlns="" xmlns:a14="http://schemas.microsoft.com/office/drawing/2010/main">
                 <a:effectLst>
                   <a:outerShdw blurRad="63500" dist="38099" dir="2700000" algn="ctr" rotWithShape="0">
                     <a:schemeClr val="bg2">
@@ -8213,7 +8223,7 @@
           <a:effectLst/>
           <a:extLst>
             <a:ext uri="{AF507438-7753-43e0-B8FC-AC1667EBCBE1}">
-              <a14:hiddenEffects xmlns:a14="http://schemas.microsoft.com/office/drawing/2010/main" xmlns="">
+              <a14:hiddenEffects xmlns="" xmlns:a14="http://schemas.microsoft.com/office/drawing/2010/main">
                 <a:effectLst>
                   <a:outerShdw blurRad="63500" dist="38099" dir="2700000" algn="ctr" rotWithShape="0">
                     <a:schemeClr val="bg2">
@@ -8263,7 +8273,7 @@
           <a:effectLst/>
           <a:extLst>
             <a:ext uri="{AF507438-7753-43e0-B8FC-AC1667EBCBE1}">
-              <a14:hiddenEffects xmlns:a14="http://schemas.microsoft.com/office/drawing/2010/main" xmlns="">
+              <a14:hiddenEffects xmlns="" xmlns:a14="http://schemas.microsoft.com/office/drawing/2010/main">
                 <a:effectLst>
                   <a:outerShdw blurRad="63500" dist="38099" dir="2700000" algn="ctr" rotWithShape="0">
                     <a:schemeClr val="bg2">
@@ -8311,12 +8321,12 @@
           <a:effectLst/>
           <a:extLst>
             <a:ext uri="{909E8E84-426E-40dd-AFC4-6F175D3DCCD1}">
-              <a14:hiddenFill xmlns:a14="http://schemas.microsoft.com/office/drawing/2010/main" xmlns="">
+              <a14:hiddenFill xmlns="" xmlns:a14="http://schemas.microsoft.com/office/drawing/2010/main">
                 <a:noFill/>
               </a14:hiddenFill>
             </a:ext>
             <a:ext uri="{AF507438-7753-43e0-B8FC-AC1667EBCBE1}">
-              <a14:hiddenEffects xmlns:a14="http://schemas.microsoft.com/office/drawing/2010/main" xmlns="">
+              <a14:hiddenEffects xmlns="" xmlns:a14="http://schemas.microsoft.com/office/drawing/2010/main">
                 <a:effectLst>
                   <a:outerShdw blurRad="63500" dist="38099" dir="2700000" algn="ctr" rotWithShape="0">
                     <a:schemeClr val="bg2">
@@ -8364,12 +8374,12 @@
           <a:effectLst/>
           <a:extLst>
             <a:ext uri="{909E8E84-426E-40dd-AFC4-6F175D3DCCD1}">
-              <a14:hiddenFill xmlns:a14="http://schemas.microsoft.com/office/drawing/2010/main" xmlns="">
+              <a14:hiddenFill xmlns="" xmlns:a14="http://schemas.microsoft.com/office/drawing/2010/main">
                 <a:noFill/>
               </a14:hiddenFill>
             </a:ext>
             <a:ext uri="{AF507438-7753-43e0-B8FC-AC1667EBCBE1}">
-              <a14:hiddenEffects xmlns:a14="http://schemas.microsoft.com/office/drawing/2010/main" xmlns="">
+              <a14:hiddenEffects xmlns="" xmlns:a14="http://schemas.microsoft.com/office/drawing/2010/main">
                 <a:effectLst>
                   <a:outerShdw blurRad="63500" dist="38099" dir="2700000" algn="ctr" rotWithShape="0">
                     <a:schemeClr val="bg2">
@@ -8417,12 +8427,12 @@
           <a:effectLst/>
           <a:extLst>
             <a:ext uri="{909E8E84-426E-40dd-AFC4-6F175D3DCCD1}">
-              <a14:hiddenFill xmlns:a14="http://schemas.microsoft.com/office/drawing/2010/main" xmlns="">
+              <a14:hiddenFill xmlns="" xmlns:a14="http://schemas.microsoft.com/office/drawing/2010/main">
                 <a:noFill/>
               </a14:hiddenFill>
             </a:ext>
             <a:ext uri="{AF507438-7753-43e0-B8FC-AC1667EBCBE1}">
-              <a14:hiddenEffects xmlns:a14="http://schemas.microsoft.com/office/drawing/2010/main" xmlns="">
+              <a14:hiddenEffects xmlns="" xmlns:a14="http://schemas.microsoft.com/office/drawing/2010/main">
                 <a:effectLst>
                   <a:outerShdw blurRad="63500" dist="38099" dir="2700000" algn="ctr" rotWithShape="0">
                     <a:schemeClr val="bg2">
@@ -8470,12 +8480,12 @@
           <a:effectLst/>
           <a:extLst>
             <a:ext uri="{909E8E84-426E-40dd-AFC4-6F175D3DCCD1}">
-              <a14:hiddenFill xmlns:a14="http://schemas.microsoft.com/office/drawing/2010/main" xmlns="">
+              <a14:hiddenFill xmlns="" xmlns:a14="http://schemas.microsoft.com/office/drawing/2010/main">
                 <a:noFill/>
               </a14:hiddenFill>
             </a:ext>
             <a:ext uri="{AF507438-7753-43e0-B8FC-AC1667EBCBE1}">
-              <a14:hiddenEffects xmlns:a14="http://schemas.microsoft.com/office/drawing/2010/main" xmlns="">
+              <a14:hiddenEffects xmlns="" xmlns:a14="http://schemas.microsoft.com/office/drawing/2010/main">
                 <a:effectLst>
                   <a:outerShdw blurRad="63500" dist="38099" dir="2700000" algn="ctr" rotWithShape="0">
                     <a:schemeClr val="bg2">
@@ -8523,12 +8533,12 @@
           <a:effectLst/>
           <a:extLst>
             <a:ext uri="{909E8E84-426E-40dd-AFC4-6F175D3DCCD1}">
-              <a14:hiddenFill xmlns:a14="http://schemas.microsoft.com/office/drawing/2010/main" xmlns="">
+              <a14:hiddenFill xmlns="" xmlns:a14="http://schemas.microsoft.com/office/drawing/2010/main">
                 <a:noFill/>
               </a14:hiddenFill>
             </a:ext>
             <a:ext uri="{AF507438-7753-43e0-B8FC-AC1667EBCBE1}">
-              <a14:hiddenEffects xmlns:a14="http://schemas.microsoft.com/office/drawing/2010/main" xmlns="">
+              <a14:hiddenEffects xmlns="" xmlns:a14="http://schemas.microsoft.com/office/drawing/2010/main">
                 <a:effectLst>
                   <a:outerShdw blurRad="63500" dist="38099" dir="2700000" algn="ctr" rotWithShape="0">
                     <a:schemeClr val="bg2">
@@ -8576,12 +8586,12 @@
           <a:effectLst/>
           <a:extLst>
             <a:ext uri="{909E8E84-426E-40dd-AFC4-6F175D3DCCD1}">
-              <a14:hiddenFill xmlns:a14="http://schemas.microsoft.com/office/drawing/2010/main" xmlns="">
+              <a14:hiddenFill xmlns="" xmlns:a14="http://schemas.microsoft.com/office/drawing/2010/main">
                 <a:noFill/>
               </a14:hiddenFill>
             </a:ext>
             <a:ext uri="{AF507438-7753-43e0-B8FC-AC1667EBCBE1}">
-              <a14:hiddenEffects xmlns:a14="http://schemas.microsoft.com/office/drawing/2010/main" xmlns="">
+              <a14:hiddenEffects xmlns="" xmlns:a14="http://schemas.microsoft.com/office/drawing/2010/main">
                 <a:effectLst>
                   <a:outerShdw blurRad="63500" dist="38099" dir="2700000" algn="ctr" rotWithShape="0">
                     <a:schemeClr val="bg2">
@@ -8629,12 +8639,12 @@
           <a:effectLst/>
           <a:extLst>
             <a:ext uri="{909E8E84-426E-40dd-AFC4-6F175D3DCCD1}">
-              <a14:hiddenFill xmlns:a14="http://schemas.microsoft.com/office/drawing/2010/main" xmlns="">
+              <a14:hiddenFill xmlns="" xmlns:a14="http://schemas.microsoft.com/office/drawing/2010/main">
                 <a:noFill/>
               </a14:hiddenFill>
             </a:ext>
             <a:ext uri="{AF507438-7753-43e0-B8FC-AC1667EBCBE1}">
-              <a14:hiddenEffects xmlns:a14="http://schemas.microsoft.com/office/drawing/2010/main" xmlns="">
+              <a14:hiddenEffects xmlns="" xmlns:a14="http://schemas.microsoft.com/office/drawing/2010/main">
                 <a:effectLst>
                   <a:outerShdw blurRad="63500" dist="38099" dir="2700000" algn="ctr" rotWithShape="0">
                     <a:schemeClr val="bg2">
@@ -8682,12 +8692,12 @@
           <a:effectLst/>
           <a:extLst>
             <a:ext uri="{909E8E84-426E-40dd-AFC4-6F175D3DCCD1}">
-              <a14:hiddenFill xmlns:a14="http://schemas.microsoft.com/office/drawing/2010/main" xmlns="">
+              <a14:hiddenFill xmlns="" xmlns:a14="http://schemas.microsoft.com/office/drawing/2010/main">
                 <a:noFill/>
               </a14:hiddenFill>
             </a:ext>
             <a:ext uri="{AF507438-7753-43e0-B8FC-AC1667EBCBE1}">
-              <a14:hiddenEffects xmlns:a14="http://schemas.microsoft.com/office/drawing/2010/main" xmlns="">
+              <a14:hiddenEffects xmlns="" xmlns:a14="http://schemas.microsoft.com/office/drawing/2010/main">
                 <a:effectLst>
                   <a:outerShdw blurRad="63500" dist="38099" dir="2700000" algn="ctr" rotWithShape="0">
                     <a:schemeClr val="bg2">
@@ -8735,12 +8745,12 @@
           <a:effectLst/>
           <a:extLst>
             <a:ext uri="{909E8E84-426E-40dd-AFC4-6F175D3DCCD1}">
-              <a14:hiddenFill xmlns:a14="http://schemas.microsoft.com/office/drawing/2010/main" xmlns="">
+              <a14:hiddenFill xmlns="" xmlns:a14="http://schemas.microsoft.com/office/drawing/2010/main">
                 <a:noFill/>
               </a14:hiddenFill>
             </a:ext>
             <a:ext uri="{AF507438-7753-43e0-B8FC-AC1667EBCBE1}">
-              <a14:hiddenEffects xmlns:a14="http://schemas.microsoft.com/office/drawing/2010/main" xmlns="">
+              <a14:hiddenEffects xmlns="" xmlns:a14="http://schemas.microsoft.com/office/drawing/2010/main">
                 <a:effectLst>
                   <a:outerShdw blurRad="63500" dist="38099" dir="2700000" algn="ctr" rotWithShape="0">
                     <a:schemeClr val="bg2">
@@ -8788,12 +8798,12 @@
           <a:effectLst/>
           <a:extLst>
             <a:ext uri="{909E8E84-426E-40dd-AFC4-6F175D3DCCD1}">
-              <a14:hiddenFill xmlns:a14="http://schemas.microsoft.com/office/drawing/2010/main" xmlns="">
+              <a14:hiddenFill xmlns="" xmlns:a14="http://schemas.microsoft.com/office/drawing/2010/main">
                 <a:noFill/>
               </a14:hiddenFill>
             </a:ext>
             <a:ext uri="{AF507438-7753-43e0-B8FC-AC1667EBCBE1}">
-              <a14:hiddenEffects xmlns:a14="http://schemas.microsoft.com/office/drawing/2010/main" xmlns="">
+              <a14:hiddenEffects xmlns="" xmlns:a14="http://schemas.microsoft.com/office/drawing/2010/main">
                 <a:effectLst>
                   <a:outerShdw blurRad="63500" dist="38099" dir="2700000" algn="ctr" rotWithShape="0">
                     <a:schemeClr val="bg2">
@@ -8836,14 +8846,14 @@
           <a:effectLst/>
           <a:extLst>
             <a:ext uri="{909E8E84-426E-40dd-AFC4-6F175D3DCCD1}">
-              <a14:hiddenFill xmlns:a14="http://schemas.microsoft.com/office/drawing/2010/main" xmlns="">
+              <a14:hiddenFill xmlns="" xmlns:a14="http://schemas.microsoft.com/office/drawing/2010/main">
                 <a:solidFill>
                   <a:schemeClr val="accent1"/>
                 </a:solidFill>
               </a14:hiddenFill>
             </a:ext>
             <a:ext uri="{91240B29-F687-4f45-9708-019B960494DF}">
-              <a14:hiddenLine xmlns:a14="http://schemas.microsoft.com/office/drawing/2010/main" xmlns="" w="9525">
+              <a14:hiddenLine xmlns="" xmlns:a14="http://schemas.microsoft.com/office/drawing/2010/main" w="9525">
                 <a:solidFill>
                   <a:schemeClr val="tx1"/>
                 </a:solidFill>
@@ -8853,7 +8863,7 @@
               </a14:hiddenLine>
             </a:ext>
             <a:ext uri="{AF507438-7753-43e0-B8FC-AC1667EBCBE1}">
-              <a14:hiddenEffects xmlns:a14="http://schemas.microsoft.com/office/drawing/2010/main" xmlns="">
+              <a14:hiddenEffects xmlns="" xmlns:a14="http://schemas.microsoft.com/office/drawing/2010/main">
                 <a:effectLst>
                   <a:outerShdw blurRad="63500" dist="38099" dir="2700000" algn="ctr" rotWithShape="0">
                     <a:schemeClr val="bg2">
@@ -8906,14 +8916,14 @@
           <a:effectLst/>
           <a:extLst>
             <a:ext uri="{909E8E84-426E-40dd-AFC4-6F175D3DCCD1}">
-              <a14:hiddenFill xmlns:a14="http://schemas.microsoft.com/office/drawing/2010/main" xmlns="">
+              <a14:hiddenFill xmlns="" xmlns:a14="http://schemas.microsoft.com/office/drawing/2010/main">
                 <a:solidFill>
                   <a:schemeClr val="accent1"/>
                 </a:solidFill>
               </a14:hiddenFill>
             </a:ext>
             <a:ext uri="{91240B29-F687-4f45-9708-019B960494DF}">
-              <a14:hiddenLine xmlns:a14="http://schemas.microsoft.com/office/drawing/2010/main" xmlns="" w="9525">
+              <a14:hiddenLine xmlns="" xmlns:a14="http://schemas.microsoft.com/office/drawing/2010/main" w="9525">
                 <a:solidFill>
                   <a:schemeClr val="tx1"/>
                 </a:solidFill>
@@ -8923,7 +8933,7 @@
               </a14:hiddenLine>
             </a:ext>
             <a:ext uri="{AF507438-7753-43e0-B8FC-AC1667EBCBE1}">
-              <a14:hiddenEffects xmlns:a14="http://schemas.microsoft.com/office/drawing/2010/main" xmlns="">
+              <a14:hiddenEffects xmlns="" xmlns:a14="http://schemas.microsoft.com/office/drawing/2010/main">
                 <a:effectLst>
                   <a:outerShdw blurRad="63500" dist="38099" dir="2700000" algn="ctr" rotWithShape="0">
                     <a:schemeClr val="bg2">
@@ -8976,14 +8986,14 @@
           <a:effectLst/>
           <a:extLst>
             <a:ext uri="{909E8E84-426E-40dd-AFC4-6F175D3DCCD1}">
-              <a14:hiddenFill xmlns:a14="http://schemas.microsoft.com/office/drawing/2010/main" xmlns="">
+              <a14:hiddenFill xmlns="" xmlns:a14="http://schemas.microsoft.com/office/drawing/2010/main">
                 <a:solidFill>
                   <a:schemeClr val="accent1"/>
                 </a:solidFill>
               </a14:hiddenFill>
             </a:ext>
             <a:ext uri="{91240B29-F687-4f45-9708-019B960494DF}">
-              <a14:hiddenLine xmlns:a14="http://schemas.microsoft.com/office/drawing/2010/main" xmlns="" w="9525">
+              <a14:hiddenLine xmlns="" xmlns:a14="http://schemas.microsoft.com/office/drawing/2010/main" w="9525">
                 <a:solidFill>
                   <a:schemeClr val="tx1"/>
                 </a:solidFill>
@@ -8993,7 +9003,7 @@
               </a14:hiddenLine>
             </a:ext>
             <a:ext uri="{AF507438-7753-43e0-B8FC-AC1667EBCBE1}">
-              <a14:hiddenEffects xmlns:a14="http://schemas.microsoft.com/office/drawing/2010/main" xmlns="">
+              <a14:hiddenEffects xmlns="" xmlns:a14="http://schemas.microsoft.com/office/drawing/2010/main">
                 <a:effectLst>
                   <a:outerShdw blurRad="63500" dist="38099" dir="2700000" algn="ctr" rotWithShape="0">
                     <a:schemeClr val="bg2">
@@ -9046,14 +9056,14 @@
           <a:effectLst/>
           <a:extLst>
             <a:ext uri="{909E8E84-426E-40dd-AFC4-6F175D3DCCD1}">
-              <a14:hiddenFill xmlns:a14="http://schemas.microsoft.com/office/drawing/2010/main" xmlns="">
+              <a14:hiddenFill xmlns="" xmlns:a14="http://schemas.microsoft.com/office/drawing/2010/main">
                 <a:solidFill>
                   <a:schemeClr val="accent1"/>
                 </a:solidFill>
               </a14:hiddenFill>
             </a:ext>
             <a:ext uri="{91240B29-F687-4f45-9708-019B960494DF}">
-              <a14:hiddenLine xmlns:a14="http://schemas.microsoft.com/office/drawing/2010/main" xmlns="" w="9525">
+              <a14:hiddenLine xmlns="" xmlns:a14="http://schemas.microsoft.com/office/drawing/2010/main" w="9525">
                 <a:solidFill>
                   <a:schemeClr val="tx1"/>
                 </a:solidFill>
@@ -9063,7 +9073,7 @@
               </a14:hiddenLine>
             </a:ext>
             <a:ext uri="{AF507438-7753-43e0-B8FC-AC1667EBCBE1}">
-              <a14:hiddenEffects xmlns:a14="http://schemas.microsoft.com/office/drawing/2010/main" xmlns="">
+              <a14:hiddenEffects xmlns="" xmlns:a14="http://schemas.microsoft.com/office/drawing/2010/main">
                 <a:effectLst>
                   <a:outerShdw blurRad="63500" dist="38099" dir="2700000" algn="ctr" rotWithShape="0">
                     <a:schemeClr val="bg2">
@@ -10478,17 +10488,6 @@
               </a:rPr>
               <a:t>Types of Network Measurements </a:t>
             </a:r>
-            <a:br>
-              <a:rPr lang="en-US" dirty="0">
-                <a:cs typeface="+mj-cs"/>
-              </a:rPr>
-            </a:br>
-            <a:r>
-              <a:rPr lang="en-US" dirty="0">
-                <a:cs typeface="+mj-cs"/>
-              </a:rPr>
-              <a:t>(with demonstration)</a:t>
-            </a:r>
           </a:p>
         </p:txBody>
       </p:sp>
@@ -10845,14 +10844,14 @@
           <a:effectLst/>
           <a:extLst>
             <a:ext uri="{909E8E84-426E-40dd-AFC4-6F175D3DCCD1}">
-              <a14:hiddenFill xmlns:a14="http://schemas.microsoft.com/office/drawing/2010/main" xmlns="">
+              <a14:hiddenFill xmlns="" xmlns:a14="http://schemas.microsoft.com/office/drawing/2010/main">
                 <a:solidFill>
                   <a:schemeClr val="accent1"/>
                 </a:solidFill>
               </a14:hiddenFill>
             </a:ext>
             <a:ext uri="{91240B29-F687-4f45-9708-019B960494DF}">
-              <a14:hiddenLine xmlns:a14="http://schemas.microsoft.com/office/drawing/2010/main" xmlns="" w="9525">
+              <a14:hiddenLine xmlns="" xmlns:a14="http://schemas.microsoft.com/office/drawing/2010/main" w="9525">
                 <a:solidFill>
                   <a:schemeClr val="tx1"/>
                 </a:solidFill>
@@ -10862,7 +10861,7 @@
               </a14:hiddenLine>
             </a:ext>
             <a:ext uri="{AF507438-7753-43e0-B8FC-AC1667EBCBE1}">
-              <a14:hiddenEffects xmlns:a14="http://schemas.microsoft.com/office/drawing/2010/main" xmlns="">
+              <a14:hiddenEffects xmlns="" xmlns:a14="http://schemas.microsoft.com/office/drawing/2010/main">
                 <a:effectLst>
                   <a:outerShdw blurRad="63500" dist="38099" dir="2700000" algn="ctr" rotWithShape="0">
                     <a:schemeClr val="bg2">
@@ -10913,14 +10912,14 @@
           <a:effectLst/>
           <a:extLst>
             <a:ext uri="{909E8E84-426E-40dd-AFC4-6F175D3DCCD1}">
-              <a14:hiddenFill xmlns:a14="http://schemas.microsoft.com/office/drawing/2010/main" xmlns="">
+              <a14:hiddenFill xmlns="" xmlns:a14="http://schemas.microsoft.com/office/drawing/2010/main">
                 <a:solidFill>
                   <a:schemeClr val="accent1"/>
                 </a:solidFill>
               </a14:hiddenFill>
             </a:ext>
             <a:ext uri="{91240B29-F687-4f45-9708-019B960494DF}">
-              <a14:hiddenLine xmlns:a14="http://schemas.microsoft.com/office/drawing/2010/main" xmlns="" w="9525">
+              <a14:hiddenLine xmlns="" xmlns:a14="http://schemas.microsoft.com/office/drawing/2010/main" w="9525">
                 <a:solidFill>
                   <a:schemeClr val="tx1"/>
                 </a:solidFill>
@@ -10930,7 +10929,7 @@
               </a14:hiddenLine>
             </a:ext>
             <a:ext uri="{AF507438-7753-43e0-B8FC-AC1667EBCBE1}">
-              <a14:hiddenEffects xmlns:a14="http://schemas.microsoft.com/office/drawing/2010/main" xmlns="">
+              <a14:hiddenEffects xmlns="" xmlns:a14="http://schemas.microsoft.com/office/drawing/2010/main">
                 <a:effectLst>
                   <a:outerShdw blurRad="63500" dist="38099" dir="2700000" algn="ctr" rotWithShape="0">
                     <a:schemeClr val="bg2">
@@ -10988,14 +10987,14 @@
           <a:effectLst/>
           <a:extLst>
             <a:ext uri="{909E8E84-426E-40dd-AFC4-6F175D3DCCD1}">
-              <a14:hiddenFill xmlns:a14="http://schemas.microsoft.com/office/drawing/2010/main" xmlns="">
+              <a14:hiddenFill xmlns="" xmlns:a14="http://schemas.microsoft.com/office/drawing/2010/main">
                 <a:solidFill>
                   <a:schemeClr val="accent1"/>
                 </a:solidFill>
               </a14:hiddenFill>
             </a:ext>
             <a:ext uri="{91240B29-F687-4f45-9708-019B960494DF}">
-              <a14:hiddenLine xmlns:a14="http://schemas.microsoft.com/office/drawing/2010/main" xmlns="" w="9525">
+              <a14:hiddenLine xmlns="" xmlns:a14="http://schemas.microsoft.com/office/drawing/2010/main" w="9525">
                 <a:solidFill>
                   <a:schemeClr val="tx1"/>
                 </a:solidFill>
@@ -11005,7 +11004,7 @@
               </a14:hiddenLine>
             </a:ext>
             <a:ext uri="{AF507438-7753-43e0-B8FC-AC1667EBCBE1}">
-              <a14:hiddenEffects xmlns:a14="http://schemas.microsoft.com/office/drawing/2010/main" xmlns="">
+              <a14:hiddenEffects xmlns="" xmlns:a14="http://schemas.microsoft.com/office/drawing/2010/main">
                 <a:effectLst>
                   <a:outerShdw blurRad="63500" dist="38099" dir="2700000" algn="ctr" rotWithShape="0">
                     <a:schemeClr val="bg2">
